--- a/architecture/vlc_simulator.pptx
+++ b/architecture/vlc_simulator.pptx
@@ -5,19 +5,24 @@
     <p:sldMasterId id="2147483648" r:id="rId1"/>
   </p:sldMasterIdLst>
   <p:notesMasterIdLst>
-    <p:notesMasterId r:id="rId9"/>
+    <p:notesMasterId r:id="rId14"/>
   </p:notesMasterIdLst>
   <p:handoutMasterIdLst>
-    <p:handoutMasterId r:id="rId10"/>
+    <p:handoutMasterId r:id="rId15"/>
   </p:handoutMasterIdLst>
   <p:sldIdLst>
     <p:sldId id="256" r:id="rId2"/>
     <p:sldId id="514" r:id="rId3"/>
     <p:sldId id="513" r:id="rId4"/>
-    <p:sldId id="421" r:id="rId5"/>
-    <p:sldId id="407" r:id="rId6"/>
-    <p:sldId id="423" r:id="rId7"/>
-    <p:sldId id="424" r:id="rId8"/>
+    <p:sldId id="517" r:id="rId5"/>
+    <p:sldId id="515" r:id="rId6"/>
+    <p:sldId id="516" r:id="rId7"/>
+    <p:sldId id="518" r:id="rId8"/>
+    <p:sldId id="519" r:id="rId9"/>
+    <p:sldId id="521" r:id="rId10"/>
+    <p:sldId id="520" r:id="rId11"/>
+    <p:sldId id="522" r:id="rId12"/>
+    <p:sldId id="407" r:id="rId13"/>
   </p:sldIdLst>
   <p:sldSz cx="9144000" cy="6858000" type="screen4x3"/>
   <p:notesSz cx="7315200" cy="9601200"/>
@@ -539,7 +544,7 @@
           <a:p>
             <a:fld id="{DDB9D8CE-EFED-4B9F-A08B-A75084EDE997}" type="datetimeFigureOut">
               <a:rPr lang="pt-BR" smtClean="0"/>
-              <a:t>19/06/2020</a:t>
+              <a:t>20/06/2020</a:t>
             </a:fld>
             <a:endParaRPr lang="pt-BR"/>
           </a:p>
@@ -854,88 +859,7 @@
               <a:buFont typeface="Arial" panose="020B0604020202020204" pitchFamily="34" charset="0"/>
               <a:buChar char="•"/>
             </a:pPr>
-            <a:r>
-              <a:rPr lang="de-DE" dirty="0"/>
-              <a:t>Bom dia a todos, meu nome é Pablo, e o título do meu trabalho é </a:t>
-            </a:r>
-            <a:r>
-              <a:rPr lang="pt-BR" dirty="0"/>
-              <a:t>“</a:t>
-            </a:r>
-            <a:r>
-              <a:rPr lang="pt-BR" dirty="0" err="1"/>
-              <a:t>Development</a:t>
-            </a:r>
-            <a:r>
-              <a:rPr lang="pt-BR" dirty="0"/>
-              <a:t> </a:t>
-            </a:r>
-            <a:r>
-              <a:rPr lang="pt-BR" dirty="0" err="1"/>
-              <a:t>of</a:t>
-            </a:r>
-            <a:r>
-              <a:rPr lang="pt-BR" dirty="0"/>
-              <a:t> a high performance VLCK </a:t>
-            </a:r>
-            <a:r>
-              <a:rPr lang="pt-BR" dirty="0" err="1"/>
-              <a:t>receiver</a:t>
-            </a:r>
-            <a:r>
-              <a:rPr lang="pt-BR" dirty="0"/>
-              <a:t> for </a:t>
-            </a:r>
-            <a:r>
-              <a:rPr lang="pt-BR" dirty="0" err="1"/>
-              <a:t>IoT</a:t>
-            </a:r>
-            <a:r>
-              <a:rPr lang="pt-BR" dirty="0"/>
-              <a:t> </a:t>
-            </a:r>
-            <a:r>
-              <a:rPr lang="pt-BR" dirty="0" err="1"/>
-              <a:t>suitable</a:t>
-            </a:r>
-            <a:r>
-              <a:rPr lang="pt-BR" dirty="0"/>
-              <a:t> for high background </a:t>
-            </a:r>
-            <a:r>
-              <a:rPr lang="pt-BR" dirty="0" err="1"/>
-              <a:t>environments</a:t>
-            </a:r>
-            <a:r>
-              <a:rPr lang="pt-BR" dirty="0"/>
-              <a:t>” (Desenvolvimento de um receptor VLC para </a:t>
-            </a:r>
-            <a:r>
-              <a:rPr lang="pt-BR" dirty="0" err="1"/>
-              <a:t>IoT</a:t>
-            </a:r>
-            <a:r>
-              <a:rPr lang="pt-BR" dirty="0"/>
-              <a:t> apropriado para ambientes de forte radiação de fundo).</a:t>
-            </a:r>
-          </a:p>
-          <a:p>
-            <a:pPr marL="171450" indent="-171450">
-              <a:buFont typeface="Arial" panose="020B0604020202020204" pitchFamily="34" charset="0"/>
-              <a:buChar char="•"/>
-            </a:pPr>
-            <a:r>
-              <a:rPr lang="pt-BR" dirty="0"/>
-              <a:t>Primeiramente, gostaria de agradecer à presença de todos da banca: “Davies, </a:t>
-            </a:r>
-            <a:r>
-              <a:rPr lang="pt-BR" dirty="0" err="1"/>
-              <a:t>Segatto</a:t>
-            </a:r>
-            <a:r>
-              <a:rPr lang="pt-BR" dirty="0"/>
-              <a:t>, Diniz, Andrea e Lenin“. Será uma ótima oportunidade de apresentar meu trabalho e receber um feedback com suas contribuições.</a:t>
-            </a:r>
+            <a:endParaRPr lang="pt-BR" dirty="0"/>
           </a:p>
         </p:txBody>
       </p:sp>
@@ -966,6 +890,278 @@
     <p:extLst>
       <p:ext uri="{BB962C8B-B14F-4D97-AF65-F5344CB8AC3E}">
         <p14:creationId xmlns:p14="http://schemas.microsoft.com/office/powerpoint/2010/main" val="241791687"/>
+      </p:ext>
+    </p:extLst>
+  </p:cSld>
+  <p:clrMapOvr>
+    <a:masterClrMapping/>
+  </p:clrMapOvr>
+</p:notes>
+</file>
+
+<file path=ppt/notesSlides/notesSlide10.xml><?xml version="1.0" encoding="utf-8"?>
+<p:notes xmlns:a="http://schemas.openxmlformats.org/drawingml/2006/main" xmlns:r="http://schemas.openxmlformats.org/officeDocument/2006/relationships" xmlns:p="http://schemas.openxmlformats.org/presentationml/2006/main">
+  <p:cSld>
+    <p:spTree>
+      <p:nvGrpSpPr>
+        <p:cNvPr id="1" name=""/>
+        <p:cNvGrpSpPr/>
+        <p:nvPr/>
+      </p:nvGrpSpPr>
+      <p:grpSpPr>
+        <a:xfrm>
+          <a:off x="0" y="0"/>
+          <a:ext cx="0" cy="0"/>
+          <a:chOff x="0" y="0"/>
+          <a:chExt cx="0" cy="0"/>
+        </a:xfrm>
+      </p:grpSpPr>
+      <p:sp>
+        <p:nvSpPr>
+          <p:cNvPr id="2" name="Espaço Reservado para Imagem de Slide 1"/>
+          <p:cNvSpPr>
+            <a:spLocks noGrp="1" noRot="1" noChangeAspect="1"/>
+          </p:cNvSpPr>
+          <p:nvPr>
+            <p:ph type="sldImg"/>
+          </p:nvPr>
+        </p:nvSpPr>
+        <p:spPr/>
+      </p:sp>
+      <p:sp>
+        <p:nvSpPr>
+          <p:cNvPr id="3" name="Espaço Reservado para Anotações 2"/>
+          <p:cNvSpPr>
+            <a:spLocks noGrp="1"/>
+          </p:cNvSpPr>
+          <p:nvPr>
+            <p:ph type="body" idx="1"/>
+          </p:nvPr>
+        </p:nvSpPr>
+        <p:spPr/>
+        <p:txBody>
+          <a:bodyPr/>
+          <a:lstStyle/>
+          <a:p>
+            <a:endParaRPr lang="pt-BR" dirty="0"/>
+          </a:p>
+        </p:txBody>
+      </p:sp>
+      <p:sp>
+        <p:nvSpPr>
+          <p:cNvPr id="4" name="Espaço Reservado para Número de Slide 3"/>
+          <p:cNvSpPr>
+            <a:spLocks noGrp="1"/>
+          </p:cNvSpPr>
+          <p:nvPr>
+            <p:ph type="sldNum" sz="quarter" idx="5"/>
+          </p:nvPr>
+        </p:nvSpPr>
+        <p:spPr/>
+        <p:txBody>
+          <a:bodyPr/>
+          <a:lstStyle/>
+          <a:p>
+            <a:fld id="{33C8CC4D-EB91-442F-AE55-CFA0B4E857C2}" type="slidenum">
+              <a:rPr lang="pt-BR" smtClean="0"/>
+              <a:t>10</a:t>
+            </a:fld>
+            <a:endParaRPr lang="pt-BR"/>
+          </a:p>
+        </p:txBody>
+      </p:sp>
+    </p:spTree>
+    <p:extLst>
+      <p:ext uri="{BB962C8B-B14F-4D97-AF65-F5344CB8AC3E}">
+        <p14:creationId xmlns:p14="http://schemas.microsoft.com/office/powerpoint/2010/main" val="2065509670"/>
+      </p:ext>
+    </p:extLst>
+  </p:cSld>
+  <p:clrMapOvr>
+    <a:masterClrMapping/>
+  </p:clrMapOvr>
+</p:notes>
+</file>
+
+<file path=ppt/notesSlides/notesSlide11.xml><?xml version="1.0" encoding="utf-8"?>
+<p:notes xmlns:a="http://schemas.openxmlformats.org/drawingml/2006/main" xmlns:r="http://schemas.openxmlformats.org/officeDocument/2006/relationships" xmlns:p="http://schemas.openxmlformats.org/presentationml/2006/main">
+  <p:cSld>
+    <p:spTree>
+      <p:nvGrpSpPr>
+        <p:cNvPr id="1" name=""/>
+        <p:cNvGrpSpPr/>
+        <p:nvPr/>
+      </p:nvGrpSpPr>
+      <p:grpSpPr>
+        <a:xfrm>
+          <a:off x="0" y="0"/>
+          <a:ext cx="0" cy="0"/>
+          <a:chOff x="0" y="0"/>
+          <a:chExt cx="0" cy="0"/>
+        </a:xfrm>
+      </p:grpSpPr>
+      <p:sp>
+        <p:nvSpPr>
+          <p:cNvPr id="2" name="Espaço Reservado para Imagem de Slide 1"/>
+          <p:cNvSpPr>
+            <a:spLocks noGrp="1" noRot="1" noChangeAspect="1"/>
+          </p:cNvSpPr>
+          <p:nvPr>
+            <p:ph type="sldImg"/>
+          </p:nvPr>
+        </p:nvSpPr>
+        <p:spPr/>
+      </p:sp>
+      <p:sp>
+        <p:nvSpPr>
+          <p:cNvPr id="3" name="Espaço Reservado para Anotações 2"/>
+          <p:cNvSpPr>
+            <a:spLocks noGrp="1"/>
+          </p:cNvSpPr>
+          <p:nvPr>
+            <p:ph type="body" idx="1"/>
+          </p:nvPr>
+        </p:nvSpPr>
+        <p:spPr/>
+        <p:txBody>
+          <a:bodyPr/>
+          <a:lstStyle/>
+          <a:p>
+            <a:endParaRPr lang="pt-BR" dirty="0"/>
+          </a:p>
+        </p:txBody>
+      </p:sp>
+      <p:sp>
+        <p:nvSpPr>
+          <p:cNvPr id="4" name="Espaço Reservado para Número de Slide 3"/>
+          <p:cNvSpPr>
+            <a:spLocks noGrp="1"/>
+          </p:cNvSpPr>
+          <p:nvPr>
+            <p:ph type="sldNum" sz="quarter" idx="5"/>
+          </p:nvPr>
+        </p:nvSpPr>
+        <p:spPr/>
+        <p:txBody>
+          <a:bodyPr/>
+          <a:lstStyle/>
+          <a:p>
+            <a:fld id="{33C8CC4D-EB91-442F-AE55-CFA0B4E857C2}" type="slidenum">
+              <a:rPr lang="pt-BR" smtClean="0"/>
+              <a:t>11</a:t>
+            </a:fld>
+            <a:endParaRPr lang="pt-BR"/>
+          </a:p>
+        </p:txBody>
+      </p:sp>
+    </p:spTree>
+    <p:extLst>
+      <p:ext uri="{BB962C8B-B14F-4D97-AF65-F5344CB8AC3E}">
+        <p14:creationId xmlns:p14="http://schemas.microsoft.com/office/powerpoint/2010/main" val="3901869715"/>
+      </p:ext>
+    </p:extLst>
+  </p:cSld>
+  <p:clrMapOvr>
+    <a:masterClrMapping/>
+  </p:clrMapOvr>
+</p:notes>
+</file>
+
+<file path=ppt/notesSlides/notesSlide12.xml><?xml version="1.0" encoding="utf-8"?>
+<p:notes xmlns:a="http://schemas.openxmlformats.org/drawingml/2006/main" xmlns:r="http://schemas.openxmlformats.org/officeDocument/2006/relationships" xmlns:p="http://schemas.openxmlformats.org/presentationml/2006/main">
+  <p:cSld>
+    <p:spTree>
+      <p:nvGrpSpPr>
+        <p:cNvPr id="1" name=""/>
+        <p:cNvGrpSpPr/>
+        <p:nvPr/>
+      </p:nvGrpSpPr>
+      <p:grpSpPr>
+        <a:xfrm>
+          <a:off x="0" y="0"/>
+          <a:ext cx="0" cy="0"/>
+          <a:chOff x="0" y="0"/>
+          <a:chExt cx="0" cy="0"/>
+        </a:xfrm>
+      </p:grpSpPr>
+      <p:sp>
+        <p:nvSpPr>
+          <p:cNvPr id="2" name="Espaço Reservado para Imagem de Slide 1"/>
+          <p:cNvSpPr>
+            <a:spLocks noGrp="1" noRot="1" noChangeAspect="1"/>
+          </p:cNvSpPr>
+          <p:nvPr>
+            <p:ph type="sldImg"/>
+          </p:nvPr>
+        </p:nvSpPr>
+        <p:spPr/>
+      </p:sp>
+      <p:sp>
+        <p:nvSpPr>
+          <p:cNvPr id="3" name="Espaço Reservado para Anotações 2"/>
+          <p:cNvSpPr>
+            <a:spLocks noGrp="1"/>
+          </p:cNvSpPr>
+          <p:nvPr>
+            <p:ph type="body" idx="1"/>
+          </p:nvPr>
+        </p:nvSpPr>
+        <p:spPr/>
+        <p:txBody>
+          <a:bodyPr/>
+          <a:lstStyle/>
+          <a:p>
+            <a:pPr marL="171450" indent="-171450">
+              <a:buFont typeface="Arial" panose="020B0604020202020204" pitchFamily="34" charset="0"/>
+              <a:buChar char="•"/>
+            </a:pPr>
+            <a:r>
+              <a:rPr lang="pt-BR" dirty="0"/>
+              <a:t>..</a:t>
+            </a:r>
+          </a:p>
+          <a:p>
+            <a:pPr marL="171450" indent="-171450">
+              <a:buFont typeface="Arial" panose="020B0604020202020204" pitchFamily="34" charset="0"/>
+              <a:buChar char="•"/>
+            </a:pPr>
+            <a:r>
+              <a:rPr lang="pt-BR" dirty="0"/>
+              <a:t>..</a:t>
+            </a:r>
+          </a:p>
+          <a:p>
+            <a:endParaRPr lang="pt-BR" dirty="0"/>
+          </a:p>
+        </p:txBody>
+      </p:sp>
+      <p:sp>
+        <p:nvSpPr>
+          <p:cNvPr id="4" name="Espaço Reservado para Número de Slide 3"/>
+          <p:cNvSpPr>
+            <a:spLocks noGrp="1"/>
+          </p:cNvSpPr>
+          <p:nvPr>
+            <p:ph type="sldNum" sz="quarter" idx="5"/>
+          </p:nvPr>
+        </p:nvSpPr>
+        <p:spPr/>
+        <p:txBody>
+          <a:bodyPr/>
+          <a:lstStyle/>
+          <a:p>
+            <a:fld id="{33C8CC4D-EB91-442F-AE55-CFA0B4E857C2}" type="slidenum">
+              <a:rPr lang="pt-BR" smtClean="0"/>
+              <a:t>12</a:t>
+            </a:fld>
+            <a:endParaRPr lang="pt-BR"/>
+          </a:p>
+        </p:txBody>
+      </p:sp>
+    </p:spTree>
+    <p:extLst>
+      <p:ext uri="{BB962C8B-B14F-4D97-AF65-F5344CB8AC3E}">
+        <p14:creationId xmlns:p14="http://schemas.microsoft.com/office/powerpoint/2010/main" val="2525832733"/>
       </p:ext>
     </p:extLst>
   </p:cSld>
@@ -1023,46 +1219,7 @@
               <a:buFont typeface="Arial" panose="020B0604020202020204" pitchFamily="34" charset="0"/>
               <a:buChar char="•"/>
             </a:pPr>
-            <a:r>
-              <a:rPr lang="pt-BR" dirty="0"/>
-              <a:t>Como falado no próprio título, um dos assuntos a se discutir é “</a:t>
-            </a:r>
-            <a:r>
-              <a:rPr lang="pt-BR" dirty="0" err="1"/>
-              <a:t>IoT</a:t>
-            </a:r>
-            <a:r>
-              <a:rPr lang="pt-BR" dirty="0"/>
-              <a:t>”.</a:t>
-            </a:r>
-          </a:p>
-          <a:p>
-            <a:pPr marL="171450" indent="-171450">
-              <a:buFont typeface="Arial" panose="020B0604020202020204" pitchFamily="34" charset="0"/>
-              <a:buChar char="•"/>
-            </a:pPr>
-            <a:r>
-              <a:rPr lang="pt-BR" dirty="0"/>
-              <a:t>É o primeiro conceito a ser abordado com objetivo de demonstrar o sistema de </a:t>
-            </a:r>
-            <a:r>
-              <a:rPr lang="pt-BR" dirty="0" err="1"/>
-              <a:t>detecação</a:t>
-            </a:r>
-            <a:r>
-              <a:rPr lang="pt-BR" dirty="0"/>
-              <a:t>.</a:t>
-            </a:r>
-          </a:p>
-          <a:p>
-            <a:pPr marL="171450" indent="-171450">
-              <a:buFont typeface="Arial" panose="020B0604020202020204" pitchFamily="34" charset="0"/>
-              <a:buChar char="•"/>
-            </a:pPr>
-            <a:r>
-              <a:rPr lang="pt-BR" dirty="0"/>
-              <a:t>..</a:t>
-            </a:r>
+            <a:endParaRPr lang="pt-BR" dirty="0"/>
           </a:p>
         </p:txBody>
       </p:sp>
@@ -1146,110 +1303,6 @@
           <a:bodyPr/>
           <a:lstStyle/>
           <a:p>
-            <a:pPr marL="171450" indent="-171450">
-              <a:buFont typeface="Arial" panose="020B0604020202020204" pitchFamily="34" charset="0"/>
-              <a:buChar char="•"/>
-            </a:pPr>
-            <a:r>
-              <a:rPr lang="pt-BR" dirty="0"/>
-              <a:t>Bom, mas o que é </a:t>
-            </a:r>
-            <a:r>
-              <a:rPr lang="pt-BR" dirty="0" err="1"/>
-              <a:t>IoT</a:t>
-            </a:r>
-            <a:r>
-              <a:rPr lang="pt-BR" dirty="0"/>
-              <a:t>?</a:t>
-            </a:r>
-          </a:p>
-          <a:p>
-            <a:pPr marL="171450" indent="-171450">
-              <a:buFont typeface="Arial" panose="020B0604020202020204" pitchFamily="34" charset="0"/>
-              <a:buChar char="•"/>
-            </a:pPr>
-            <a:r>
-              <a:rPr lang="pt-BR" dirty="0" err="1"/>
-              <a:t>IoT</a:t>
-            </a:r>
-            <a:r>
-              <a:rPr lang="pt-BR" dirty="0"/>
-              <a:t> significa “Internet </a:t>
-            </a:r>
-            <a:r>
-              <a:rPr lang="pt-BR" dirty="0" err="1"/>
-              <a:t>of</a:t>
-            </a:r>
-            <a:r>
-              <a:rPr lang="pt-BR" dirty="0"/>
-              <a:t> </a:t>
-            </a:r>
-            <a:r>
-              <a:rPr lang="pt-BR" dirty="0" err="1"/>
-              <a:t>Things</a:t>
-            </a:r>
-            <a:r>
-              <a:rPr lang="pt-BR" dirty="0"/>
-              <a:t>”, ou “Internet das Coisas”.</a:t>
-            </a:r>
-          </a:p>
-          <a:p>
-            <a:pPr marL="171450" marR="0" lvl="0" indent="-171450" algn="l" defTabSz="914400" rtl="0" eaLnBrk="1" fontAlgn="auto" latinLnBrk="0" hangingPunct="1">
-              <a:lnSpc>
-                <a:spcPct val="100000"/>
-              </a:lnSpc>
-              <a:spcBef>
-                <a:spcPts val="0"/>
-              </a:spcBef>
-              <a:spcAft>
-                <a:spcPts val="0"/>
-              </a:spcAft>
-              <a:buClrTx/>
-              <a:buSzTx/>
-              <a:buFont typeface="Arial" panose="020B0604020202020204" pitchFamily="34" charset="0"/>
-              <a:buChar char="•"/>
-              <a:tabLst/>
-              <a:defRPr/>
-            </a:pPr>
-            <a:r>
-              <a:rPr lang="pt-BR" dirty="0"/>
-              <a:t>É uma tendência mundial, onde a ideia é que tenhamos praticamente todos os dispositivos conectados à internet.</a:t>
-            </a:r>
-          </a:p>
-          <a:p>
-            <a:pPr marL="171450" marR="0" lvl="0" indent="-171450" algn="l" defTabSz="914400" rtl="0" eaLnBrk="1" fontAlgn="auto" latinLnBrk="0" hangingPunct="1">
-              <a:lnSpc>
-                <a:spcPct val="100000"/>
-              </a:lnSpc>
-              <a:spcBef>
-                <a:spcPts val="0"/>
-              </a:spcBef>
-              <a:spcAft>
-                <a:spcPts val="0"/>
-              </a:spcAft>
-              <a:buClrTx/>
-              <a:buSzTx/>
-              <a:buFont typeface="Arial" panose="020B0604020202020204" pitchFamily="34" charset="0"/>
-              <a:buChar char="•"/>
-              <a:tabLst/>
-              <a:defRPr/>
-            </a:pPr>
-            <a:r>
-              <a:rPr lang="pt-BR" dirty="0"/>
-              <a:t>E essa é uma tendência tão forte, que se estima que será um mercado bilionário na próxima década.</a:t>
-            </a:r>
-          </a:p>
-          <a:p>
-            <a:pPr marL="171450" indent="-171450">
-              <a:buFont typeface="Arial" panose="020B0604020202020204" pitchFamily="34" charset="0"/>
-              <a:buChar char="•"/>
-            </a:pPr>
-            <a:r>
-              <a:rPr lang="pt-BR" dirty="0"/>
-              <a:t>..</a:t>
-            </a:r>
-          </a:p>
-          <a:p>
             <a:endParaRPr lang="pt-BR" dirty="0"/>
           </a:p>
         </p:txBody>
@@ -1334,26 +1387,6 @@
           <a:bodyPr/>
           <a:lstStyle/>
           <a:p>
-            <a:pPr marL="171450" indent="-171450">
-              <a:buFont typeface="Arial" panose="020B0604020202020204" pitchFamily="34" charset="0"/>
-              <a:buChar char="•"/>
-            </a:pPr>
-            <a:r>
-              <a:rPr lang="pt-BR" dirty="0"/>
-              <a:t>..</a:t>
-            </a:r>
-          </a:p>
-          <a:p>
-            <a:pPr marL="171450" indent="-171450">
-              <a:buFont typeface="Arial" panose="020B0604020202020204" pitchFamily="34" charset="0"/>
-              <a:buChar char="•"/>
-            </a:pPr>
-            <a:r>
-              <a:rPr lang="pt-BR" dirty="0"/>
-              <a:t>..</a:t>
-            </a:r>
-          </a:p>
-          <a:p>
             <a:endParaRPr lang="pt-BR" dirty="0"/>
           </a:p>
         </p:txBody>
@@ -1384,7 +1417,7 @@
     </p:spTree>
     <p:extLst>
       <p:ext uri="{BB962C8B-B14F-4D97-AF65-F5344CB8AC3E}">
-        <p14:creationId xmlns:p14="http://schemas.microsoft.com/office/powerpoint/2010/main" val="1346490562"/>
+        <p14:creationId xmlns:p14="http://schemas.microsoft.com/office/powerpoint/2010/main" val="2718998773"/>
       </p:ext>
     </p:extLst>
   </p:cSld>
@@ -1438,26 +1471,6 @@
           <a:bodyPr/>
           <a:lstStyle/>
           <a:p>
-            <a:pPr marL="171450" indent="-171450">
-              <a:buFont typeface="Arial" panose="020B0604020202020204" pitchFamily="34" charset="0"/>
-              <a:buChar char="•"/>
-            </a:pPr>
-            <a:r>
-              <a:rPr lang="pt-BR" dirty="0"/>
-              <a:t>..</a:t>
-            </a:r>
-          </a:p>
-          <a:p>
-            <a:pPr marL="171450" indent="-171450">
-              <a:buFont typeface="Arial" panose="020B0604020202020204" pitchFamily="34" charset="0"/>
-              <a:buChar char="•"/>
-            </a:pPr>
-            <a:r>
-              <a:rPr lang="pt-BR" dirty="0"/>
-              <a:t>..</a:t>
-            </a:r>
-          </a:p>
-          <a:p>
             <a:endParaRPr lang="pt-BR" dirty="0"/>
           </a:p>
         </p:txBody>
@@ -1488,7 +1501,343 @@
     </p:spTree>
     <p:extLst>
       <p:ext uri="{BB962C8B-B14F-4D97-AF65-F5344CB8AC3E}">
-        <p14:creationId xmlns:p14="http://schemas.microsoft.com/office/powerpoint/2010/main" val="2525832733"/>
+        <p14:creationId xmlns:p14="http://schemas.microsoft.com/office/powerpoint/2010/main" val="874968846"/>
+      </p:ext>
+    </p:extLst>
+  </p:cSld>
+  <p:clrMapOvr>
+    <a:masterClrMapping/>
+  </p:clrMapOvr>
+</p:notes>
+</file>
+
+<file path=ppt/notesSlides/notesSlide6.xml><?xml version="1.0" encoding="utf-8"?>
+<p:notes xmlns:a="http://schemas.openxmlformats.org/drawingml/2006/main" xmlns:r="http://schemas.openxmlformats.org/officeDocument/2006/relationships" xmlns:p="http://schemas.openxmlformats.org/presentationml/2006/main">
+  <p:cSld>
+    <p:spTree>
+      <p:nvGrpSpPr>
+        <p:cNvPr id="1" name=""/>
+        <p:cNvGrpSpPr/>
+        <p:nvPr/>
+      </p:nvGrpSpPr>
+      <p:grpSpPr>
+        <a:xfrm>
+          <a:off x="0" y="0"/>
+          <a:ext cx="0" cy="0"/>
+          <a:chOff x="0" y="0"/>
+          <a:chExt cx="0" cy="0"/>
+        </a:xfrm>
+      </p:grpSpPr>
+      <p:sp>
+        <p:nvSpPr>
+          <p:cNvPr id="2" name="Espaço Reservado para Imagem de Slide 1"/>
+          <p:cNvSpPr>
+            <a:spLocks noGrp="1" noRot="1" noChangeAspect="1"/>
+          </p:cNvSpPr>
+          <p:nvPr>
+            <p:ph type="sldImg"/>
+          </p:nvPr>
+        </p:nvSpPr>
+        <p:spPr/>
+      </p:sp>
+      <p:sp>
+        <p:nvSpPr>
+          <p:cNvPr id="3" name="Espaço Reservado para Anotações 2"/>
+          <p:cNvSpPr>
+            <a:spLocks noGrp="1"/>
+          </p:cNvSpPr>
+          <p:nvPr>
+            <p:ph type="body" idx="1"/>
+          </p:nvPr>
+        </p:nvSpPr>
+        <p:spPr/>
+        <p:txBody>
+          <a:bodyPr/>
+          <a:lstStyle/>
+          <a:p>
+            <a:endParaRPr lang="pt-BR" dirty="0"/>
+          </a:p>
+        </p:txBody>
+      </p:sp>
+      <p:sp>
+        <p:nvSpPr>
+          <p:cNvPr id="4" name="Espaço Reservado para Número de Slide 3"/>
+          <p:cNvSpPr>
+            <a:spLocks noGrp="1"/>
+          </p:cNvSpPr>
+          <p:nvPr>
+            <p:ph type="sldNum" sz="quarter" idx="5"/>
+          </p:nvPr>
+        </p:nvSpPr>
+        <p:spPr/>
+        <p:txBody>
+          <a:bodyPr/>
+          <a:lstStyle/>
+          <a:p>
+            <a:fld id="{33C8CC4D-EB91-442F-AE55-CFA0B4E857C2}" type="slidenum">
+              <a:rPr lang="pt-BR" smtClean="0"/>
+              <a:t>6</a:t>
+            </a:fld>
+            <a:endParaRPr lang="pt-BR"/>
+          </a:p>
+        </p:txBody>
+      </p:sp>
+    </p:spTree>
+    <p:extLst>
+      <p:ext uri="{BB962C8B-B14F-4D97-AF65-F5344CB8AC3E}">
+        <p14:creationId xmlns:p14="http://schemas.microsoft.com/office/powerpoint/2010/main" val="398809910"/>
+      </p:ext>
+    </p:extLst>
+  </p:cSld>
+  <p:clrMapOvr>
+    <a:masterClrMapping/>
+  </p:clrMapOvr>
+</p:notes>
+</file>
+
+<file path=ppt/notesSlides/notesSlide7.xml><?xml version="1.0" encoding="utf-8"?>
+<p:notes xmlns:a="http://schemas.openxmlformats.org/drawingml/2006/main" xmlns:r="http://schemas.openxmlformats.org/officeDocument/2006/relationships" xmlns:p="http://schemas.openxmlformats.org/presentationml/2006/main">
+  <p:cSld>
+    <p:spTree>
+      <p:nvGrpSpPr>
+        <p:cNvPr id="1" name=""/>
+        <p:cNvGrpSpPr/>
+        <p:nvPr/>
+      </p:nvGrpSpPr>
+      <p:grpSpPr>
+        <a:xfrm>
+          <a:off x="0" y="0"/>
+          <a:ext cx="0" cy="0"/>
+          <a:chOff x="0" y="0"/>
+          <a:chExt cx="0" cy="0"/>
+        </a:xfrm>
+      </p:grpSpPr>
+      <p:sp>
+        <p:nvSpPr>
+          <p:cNvPr id="2" name="Espaço Reservado para Imagem de Slide 1"/>
+          <p:cNvSpPr>
+            <a:spLocks noGrp="1" noRot="1" noChangeAspect="1"/>
+          </p:cNvSpPr>
+          <p:nvPr>
+            <p:ph type="sldImg"/>
+          </p:nvPr>
+        </p:nvSpPr>
+        <p:spPr/>
+      </p:sp>
+      <p:sp>
+        <p:nvSpPr>
+          <p:cNvPr id="3" name="Espaço Reservado para Anotações 2"/>
+          <p:cNvSpPr>
+            <a:spLocks noGrp="1"/>
+          </p:cNvSpPr>
+          <p:nvPr>
+            <p:ph type="body" idx="1"/>
+          </p:nvPr>
+        </p:nvSpPr>
+        <p:spPr/>
+        <p:txBody>
+          <a:bodyPr/>
+          <a:lstStyle/>
+          <a:p>
+            <a:endParaRPr lang="pt-BR" dirty="0"/>
+          </a:p>
+        </p:txBody>
+      </p:sp>
+      <p:sp>
+        <p:nvSpPr>
+          <p:cNvPr id="4" name="Espaço Reservado para Número de Slide 3"/>
+          <p:cNvSpPr>
+            <a:spLocks noGrp="1"/>
+          </p:cNvSpPr>
+          <p:nvPr>
+            <p:ph type="sldNum" sz="quarter" idx="5"/>
+          </p:nvPr>
+        </p:nvSpPr>
+        <p:spPr/>
+        <p:txBody>
+          <a:bodyPr/>
+          <a:lstStyle/>
+          <a:p>
+            <a:fld id="{33C8CC4D-EB91-442F-AE55-CFA0B4E857C2}" type="slidenum">
+              <a:rPr lang="pt-BR" smtClean="0"/>
+              <a:t>7</a:t>
+            </a:fld>
+            <a:endParaRPr lang="pt-BR"/>
+          </a:p>
+        </p:txBody>
+      </p:sp>
+    </p:spTree>
+    <p:extLst>
+      <p:ext uri="{BB962C8B-B14F-4D97-AF65-F5344CB8AC3E}">
+        <p14:creationId xmlns:p14="http://schemas.microsoft.com/office/powerpoint/2010/main" val="3561330254"/>
+      </p:ext>
+    </p:extLst>
+  </p:cSld>
+  <p:clrMapOvr>
+    <a:masterClrMapping/>
+  </p:clrMapOvr>
+</p:notes>
+</file>
+
+<file path=ppt/notesSlides/notesSlide8.xml><?xml version="1.0" encoding="utf-8"?>
+<p:notes xmlns:a="http://schemas.openxmlformats.org/drawingml/2006/main" xmlns:r="http://schemas.openxmlformats.org/officeDocument/2006/relationships" xmlns:p="http://schemas.openxmlformats.org/presentationml/2006/main">
+  <p:cSld>
+    <p:spTree>
+      <p:nvGrpSpPr>
+        <p:cNvPr id="1" name=""/>
+        <p:cNvGrpSpPr/>
+        <p:nvPr/>
+      </p:nvGrpSpPr>
+      <p:grpSpPr>
+        <a:xfrm>
+          <a:off x="0" y="0"/>
+          <a:ext cx="0" cy="0"/>
+          <a:chOff x="0" y="0"/>
+          <a:chExt cx="0" cy="0"/>
+        </a:xfrm>
+      </p:grpSpPr>
+      <p:sp>
+        <p:nvSpPr>
+          <p:cNvPr id="2" name="Espaço Reservado para Imagem de Slide 1"/>
+          <p:cNvSpPr>
+            <a:spLocks noGrp="1" noRot="1" noChangeAspect="1"/>
+          </p:cNvSpPr>
+          <p:nvPr>
+            <p:ph type="sldImg"/>
+          </p:nvPr>
+        </p:nvSpPr>
+        <p:spPr/>
+      </p:sp>
+      <p:sp>
+        <p:nvSpPr>
+          <p:cNvPr id="3" name="Espaço Reservado para Anotações 2"/>
+          <p:cNvSpPr>
+            <a:spLocks noGrp="1"/>
+          </p:cNvSpPr>
+          <p:nvPr>
+            <p:ph type="body" idx="1"/>
+          </p:nvPr>
+        </p:nvSpPr>
+        <p:spPr/>
+        <p:txBody>
+          <a:bodyPr/>
+          <a:lstStyle/>
+          <a:p>
+            <a:endParaRPr lang="pt-BR" dirty="0"/>
+          </a:p>
+        </p:txBody>
+      </p:sp>
+      <p:sp>
+        <p:nvSpPr>
+          <p:cNvPr id="4" name="Espaço Reservado para Número de Slide 3"/>
+          <p:cNvSpPr>
+            <a:spLocks noGrp="1"/>
+          </p:cNvSpPr>
+          <p:nvPr>
+            <p:ph type="sldNum" sz="quarter" idx="5"/>
+          </p:nvPr>
+        </p:nvSpPr>
+        <p:spPr/>
+        <p:txBody>
+          <a:bodyPr/>
+          <a:lstStyle/>
+          <a:p>
+            <a:fld id="{33C8CC4D-EB91-442F-AE55-CFA0B4E857C2}" type="slidenum">
+              <a:rPr lang="pt-BR" smtClean="0"/>
+              <a:t>8</a:t>
+            </a:fld>
+            <a:endParaRPr lang="pt-BR"/>
+          </a:p>
+        </p:txBody>
+      </p:sp>
+    </p:spTree>
+    <p:extLst>
+      <p:ext uri="{BB962C8B-B14F-4D97-AF65-F5344CB8AC3E}">
+        <p14:creationId xmlns:p14="http://schemas.microsoft.com/office/powerpoint/2010/main" val="820624698"/>
+      </p:ext>
+    </p:extLst>
+  </p:cSld>
+  <p:clrMapOvr>
+    <a:masterClrMapping/>
+  </p:clrMapOvr>
+</p:notes>
+</file>
+
+<file path=ppt/notesSlides/notesSlide9.xml><?xml version="1.0" encoding="utf-8"?>
+<p:notes xmlns:a="http://schemas.openxmlformats.org/drawingml/2006/main" xmlns:r="http://schemas.openxmlformats.org/officeDocument/2006/relationships" xmlns:p="http://schemas.openxmlformats.org/presentationml/2006/main">
+  <p:cSld>
+    <p:spTree>
+      <p:nvGrpSpPr>
+        <p:cNvPr id="1" name=""/>
+        <p:cNvGrpSpPr/>
+        <p:nvPr/>
+      </p:nvGrpSpPr>
+      <p:grpSpPr>
+        <a:xfrm>
+          <a:off x="0" y="0"/>
+          <a:ext cx="0" cy="0"/>
+          <a:chOff x="0" y="0"/>
+          <a:chExt cx="0" cy="0"/>
+        </a:xfrm>
+      </p:grpSpPr>
+      <p:sp>
+        <p:nvSpPr>
+          <p:cNvPr id="2" name="Espaço Reservado para Imagem de Slide 1"/>
+          <p:cNvSpPr>
+            <a:spLocks noGrp="1" noRot="1" noChangeAspect="1"/>
+          </p:cNvSpPr>
+          <p:nvPr>
+            <p:ph type="sldImg"/>
+          </p:nvPr>
+        </p:nvSpPr>
+        <p:spPr/>
+      </p:sp>
+      <p:sp>
+        <p:nvSpPr>
+          <p:cNvPr id="3" name="Espaço Reservado para Anotações 2"/>
+          <p:cNvSpPr>
+            <a:spLocks noGrp="1"/>
+          </p:cNvSpPr>
+          <p:nvPr>
+            <p:ph type="body" idx="1"/>
+          </p:nvPr>
+        </p:nvSpPr>
+        <p:spPr/>
+        <p:txBody>
+          <a:bodyPr/>
+          <a:lstStyle/>
+          <a:p>
+            <a:endParaRPr lang="pt-BR" dirty="0"/>
+          </a:p>
+        </p:txBody>
+      </p:sp>
+      <p:sp>
+        <p:nvSpPr>
+          <p:cNvPr id="4" name="Espaço Reservado para Número de Slide 3"/>
+          <p:cNvSpPr>
+            <a:spLocks noGrp="1"/>
+          </p:cNvSpPr>
+          <p:nvPr>
+            <p:ph type="sldNum" sz="quarter" idx="5"/>
+          </p:nvPr>
+        </p:nvSpPr>
+        <p:spPr/>
+        <p:txBody>
+          <a:bodyPr/>
+          <a:lstStyle/>
+          <a:p>
+            <a:fld id="{33C8CC4D-EB91-442F-AE55-CFA0B4E857C2}" type="slidenum">
+              <a:rPr lang="pt-BR" smtClean="0"/>
+              <a:t>9</a:t>
+            </a:fld>
+            <a:endParaRPr lang="pt-BR"/>
+          </a:p>
+        </p:txBody>
+      </p:sp>
+    </p:spTree>
+    <p:extLst>
+      <p:ext uri="{BB962C8B-B14F-4D97-AF65-F5344CB8AC3E}">
+        <p14:creationId xmlns:p14="http://schemas.microsoft.com/office/powerpoint/2010/main" val="2664270799"/>
       </p:ext>
     </p:extLst>
   </p:cSld>
@@ -4036,7 +4385,7 @@
         <p:spPr bwMode="auto">
           <a:xfrm>
             <a:off x="107952" y="2516760"/>
-            <a:ext cx="8964613" cy="1431161"/>
+            <a:ext cx="8964613" cy="538609"/>
           </a:xfrm>
           <a:prstGeom prst="rect">
             <a:avLst/>
@@ -4174,13 +4523,22 @@
               </a:spcBef>
             </a:pPr>
             <a:r>
-              <a:rPr lang="en-US" sz="2900" b="1" dirty="0">
+              <a:rPr lang="en-US" sz="2900" b="1" dirty="0" err="1">
                 <a:solidFill>
                   <a:srgbClr val="0070C0"/>
                 </a:solidFill>
                 <a:latin typeface="Arial" charset="0"/>
               </a:rPr>
-              <a:t>Development of a high performance VLC receiver for IoT suitable for high background environments</a:t>
+              <a:t>LiFi</a:t>
+            </a:r>
+            <a:r>
+              <a:rPr lang="en-US" sz="2900" b="1" dirty="0">
+                <a:solidFill>
+                  <a:srgbClr val="0070C0"/>
+                </a:solidFill>
+                <a:latin typeface="Arial" charset="0"/>
+              </a:rPr>
+              <a:t> Simulator</a:t>
             </a:r>
             <a:endParaRPr lang="pt-BR" sz="2900" b="1" dirty="0">
               <a:solidFill>
@@ -4201,8 +4559,8 @@
         </p:nvSpPr>
         <p:spPr bwMode="auto">
           <a:xfrm>
-            <a:off x="107952" y="4581130"/>
-            <a:ext cx="8964613" cy="1569660"/>
+            <a:off x="-110027" y="5455031"/>
+            <a:ext cx="8964613" cy="461665"/>
           </a:xfrm>
           <a:prstGeom prst="rect">
             <a:avLst/>
@@ -4340,73 +4698,11 @@
               </a:spcBef>
             </a:pPr>
             <a:r>
-              <a:rPr lang="en-US" b="1" dirty="0" err="1">
-                <a:solidFill>
-                  <a:srgbClr val="FF0000"/>
-                </a:solidFill>
-                <a:latin typeface="Arial" charset="0"/>
-              </a:rPr>
-              <a:t>Aluno</a:t>
-            </a:r>
-            <a:r>
               <a:rPr lang="en-US" b="1" dirty="0">
                 <a:latin typeface="Arial" charset="0"/>
               </a:rPr>
-              <a:t>: Pablo Nunes Agra Belmonte</a:t>
-            </a:r>
-          </a:p>
-          <a:p>
-            <a:pPr algn="ctr" eaLnBrk="1" hangingPunct="1">
-              <a:spcBef>
-                <a:spcPct val="50000"/>
-              </a:spcBef>
-            </a:pPr>
-            <a:r>
-              <a:rPr lang="en-US" b="1" dirty="0" err="1">
-                <a:solidFill>
-                  <a:srgbClr val="FF0000"/>
-                </a:solidFill>
-                <a:latin typeface="Arial" charset="0"/>
-              </a:rPr>
-              <a:t>Orientador</a:t>
-            </a:r>
-            <a:r>
-              <a:rPr lang="en-US" b="1" dirty="0">
-                <a:latin typeface="Arial" charset="0"/>
-              </a:rPr>
-              <a:t>: Davies William de Lima Monteiro</a:t>
-            </a:r>
-          </a:p>
-          <a:p>
-            <a:pPr algn="ctr" eaLnBrk="1" hangingPunct="1">
-              <a:spcBef>
-                <a:spcPct val="50000"/>
-              </a:spcBef>
-            </a:pPr>
-            <a:r>
-              <a:rPr lang="en-US" b="1" dirty="0" err="1">
-                <a:solidFill>
-                  <a:srgbClr val="FF0000"/>
-                </a:solidFill>
-                <a:latin typeface="Arial" charset="0"/>
-              </a:rPr>
-              <a:t>Coorientador</a:t>
-            </a:r>
-            <a:r>
-              <a:rPr lang="en-US" b="1" dirty="0">
-                <a:latin typeface="Arial" charset="0"/>
-              </a:rPr>
-              <a:t>: Marcelo Eduardo Vieira </a:t>
-            </a:r>
-            <a:r>
-              <a:rPr lang="en-US" b="1" dirty="0" err="1">
-                <a:latin typeface="Arial" charset="0"/>
-              </a:rPr>
-              <a:t>Segatto</a:t>
-            </a:r>
-            <a:endParaRPr lang="en-US" b="1" dirty="0">
-              <a:latin typeface="Arial" charset="0"/>
-            </a:endParaRPr>
+              <a:t>Pablo Nunes Agra Belmonte</a:t>
+            </a:r>
           </a:p>
         </p:txBody>
       </p:sp>
@@ -4886,7 +5182,7 @@
 </p:sld>
 </file>
 
-<file path=ppt/slides/slide2.xml><?xml version="1.0" encoding="utf-8"?>
+<file path=ppt/slides/slide10.xml><?xml version="1.0" encoding="utf-8"?>
 <p:sld xmlns:a="http://schemas.openxmlformats.org/drawingml/2006/main" xmlns:r="http://schemas.openxmlformats.org/officeDocument/2006/relationships" xmlns:p="http://schemas.openxmlformats.org/presentationml/2006/main">
   <p:cSld>
     <p:spTree>
@@ -4905,7 +5201,61 @@
       </p:grpSpPr>
       <p:sp>
         <p:nvSpPr>
-          <p:cNvPr id="3074" name="Text Box 2"/>
+          <p:cNvPr id="2" name="Retângulo 1">
+            <a:extLst>
+              <a:ext uri="{FF2B5EF4-FFF2-40B4-BE49-F238E27FC236}">
+                <a16:creationId xmlns:a16="http://schemas.microsoft.com/office/drawing/2014/main" id="{83380B8D-8242-449E-9138-4973696D9C55}"/>
+              </a:ext>
+            </a:extLst>
+          </p:cNvPr>
+          <p:cNvSpPr/>
+          <p:nvPr/>
+        </p:nvSpPr>
+        <p:spPr>
+          <a:xfrm>
+            <a:off x="0" y="445534"/>
+            <a:ext cx="9144000" cy="6079810"/>
+          </a:xfrm>
+          <a:prstGeom prst="rect">
+            <a:avLst/>
+          </a:prstGeom>
+          <a:solidFill>
+            <a:schemeClr val="bg1"/>
+          </a:solidFill>
+          <a:ln>
+            <a:solidFill>
+              <a:schemeClr val="bg1"/>
+            </a:solidFill>
+          </a:ln>
+        </p:spPr>
+        <p:style>
+          <a:lnRef idx="2">
+            <a:schemeClr val="accent3">
+              <a:shade val="50000"/>
+            </a:schemeClr>
+          </a:lnRef>
+          <a:fillRef idx="1">
+            <a:schemeClr val="accent3"/>
+          </a:fillRef>
+          <a:effectRef idx="0">
+            <a:schemeClr val="accent3"/>
+          </a:effectRef>
+          <a:fontRef idx="minor">
+            <a:schemeClr val="lt1"/>
+          </a:fontRef>
+        </p:style>
+        <p:txBody>
+          <a:bodyPr rtlCol="0" anchor="ctr"/>
+          <a:lstStyle/>
+          <a:p>
+            <a:pPr algn="ctr"/>
+            <a:endParaRPr lang="pt-BR"/>
+          </a:p>
+        </p:txBody>
+      </p:sp>
+      <p:sp>
+        <p:nvSpPr>
+          <p:cNvPr id="7" name="Text Box 2"/>
           <p:cNvSpPr txBox="1">
             <a:spLocks noChangeArrowheads="1"/>
           </p:cNvSpPr>
@@ -4914,7 +5264,7 @@
         <p:spPr bwMode="auto">
           <a:xfrm>
             <a:off x="76200" y="76202"/>
-            <a:ext cx="8915400" cy="366713"/>
+            <a:ext cx="8915400" cy="369332"/>
           </a:xfrm>
           <a:prstGeom prst="rect">
             <a:avLst/>
@@ -5058,7 +5408,7 @@
                 </a:solidFill>
                 <a:latin typeface="Arial" charset="0"/>
               </a:rPr>
-              <a:t>IoT</a:t>
+              <a:t>The Simulator</a:t>
             </a:r>
             <a:endParaRPr lang="en-US" sz="1600" b="1" dirty="0">
               <a:solidFill>
@@ -5069,64 +5419,12 @@
           </a:p>
         </p:txBody>
       </p:sp>
-      <p:sp>
-        <p:nvSpPr>
-          <p:cNvPr id="16" name="Retângulo 15">
+      <p:pic>
+        <p:nvPicPr>
+          <p:cNvPr id="3" name="Imagem 2">
             <a:extLst>
               <a:ext uri="{FF2B5EF4-FFF2-40B4-BE49-F238E27FC236}">
-                <a16:creationId xmlns:a16="http://schemas.microsoft.com/office/drawing/2014/main" id="{BD1A7D17-2194-49B4-9A14-0D8F236E9562}"/>
-              </a:ext>
-            </a:extLst>
-          </p:cNvPr>
-          <p:cNvSpPr/>
-          <p:nvPr/>
-        </p:nvSpPr>
-        <p:spPr>
-          <a:xfrm>
-            <a:off x="-9843" y="518797"/>
-            <a:ext cx="9158478" cy="6036431"/>
-          </a:xfrm>
-          <a:prstGeom prst="rect">
-            <a:avLst/>
-          </a:prstGeom>
-          <a:solidFill>
-            <a:schemeClr val="bg1"/>
-          </a:solidFill>
-          <a:ln>
-            <a:noFill/>
-          </a:ln>
-        </p:spPr>
-        <p:style>
-          <a:lnRef idx="2">
-            <a:schemeClr val="accent1">
-              <a:shade val="50000"/>
-            </a:schemeClr>
-          </a:lnRef>
-          <a:fillRef idx="1">
-            <a:schemeClr val="accent1"/>
-          </a:fillRef>
-          <a:effectRef idx="0">
-            <a:schemeClr val="accent1"/>
-          </a:effectRef>
-          <a:fontRef idx="minor">
-            <a:schemeClr val="lt1"/>
-          </a:fontRef>
-        </p:style>
-        <p:txBody>
-          <a:bodyPr rtlCol="0" anchor="ctr"/>
-          <a:lstStyle/>
-          <a:p>
-            <a:pPr algn="ctr"/>
-            <a:endParaRPr lang="pt-BR"/>
-          </a:p>
-        </p:txBody>
-      </p:sp>
-      <p:pic>
-        <p:nvPicPr>
-          <p:cNvPr id="9" name="Imagem 8">
-            <a:extLst>
-              <a:ext uri="{FF2B5EF4-FFF2-40B4-BE49-F238E27FC236}">
-                <a16:creationId xmlns:a16="http://schemas.microsoft.com/office/drawing/2014/main" id="{09A60695-6516-4E5C-8F75-A40505D5A3C0}"/>
+                <a16:creationId xmlns:a16="http://schemas.microsoft.com/office/drawing/2014/main" id="{9815089B-A4BE-4E7F-8364-1426B22660B3}"/>
               </a:ext>
             </a:extLst>
           </p:cNvPr>
@@ -5135,52 +5433,21 @@
           </p:cNvPicPr>
           <p:nvPr/>
         </p:nvPicPr>
-        <p:blipFill>
-          <a:blip r:embed="rId3"/>
-          <a:stretch>
-            <a:fillRect/>
-          </a:stretch>
+        <p:blipFill rotWithShape="1">
+          <a:blip r:embed="rId3">
+            <a:extLst>
+              <a:ext uri="{28A0092B-C50C-407E-A947-70E740481C1C}">
+                <a14:useLocalDpi xmlns:a14="http://schemas.microsoft.com/office/drawing/2010/main" val="0"/>
+              </a:ext>
+            </a:extLst>
+          </a:blip>
+          <a:srcRect t="48183"/>
+          <a:stretch/>
         </p:blipFill>
         <p:spPr>
           <a:xfrm>
-            <a:off x="-9843" y="2114671"/>
-            <a:ext cx="6526059" cy="4440557"/>
-          </a:xfrm>
-          <a:prstGeom prst="rect">
-            <a:avLst/>
-          </a:prstGeom>
-        </p:spPr>
-      </p:pic>
-      <p:pic>
-        <p:nvPicPr>
-          <p:cNvPr id="10" name="Gráfico 9">
-            <a:extLst>
-              <a:ext uri="{FF2B5EF4-FFF2-40B4-BE49-F238E27FC236}">
-                <a16:creationId xmlns:a16="http://schemas.microsoft.com/office/drawing/2014/main" id="{D8364503-1DC1-48DE-8890-179404C2D228}"/>
-              </a:ext>
-            </a:extLst>
-          </p:cNvPr>
-          <p:cNvPicPr>
-            <a:picLocks noChangeAspect="1"/>
-          </p:cNvPicPr>
-          <p:nvPr/>
-        </p:nvPicPr>
-        <p:blipFill>
-          <a:blip r:embed="rId4">
-            <a:extLst>
-              <a:ext uri="{96DAC541-7B7A-43D3-8B79-37D633B846F1}">
-                <asvg:svgBlip xmlns:asvg="http://schemas.microsoft.com/office/drawing/2016/SVG/main" r:embed="rId5"/>
-              </a:ext>
-            </a:extLst>
-          </a:blip>
-          <a:stretch>
-            <a:fillRect/>
-          </a:stretch>
-        </p:blipFill>
-        <p:spPr>
-          <a:xfrm>
-            <a:off x="1134384" y="679754"/>
-            <a:ext cx="6870023" cy="1287796"/>
+            <a:off x="30333" y="1119462"/>
+            <a:ext cx="9083335" cy="4577454"/>
           </a:xfrm>
           <a:prstGeom prst="rect">
             <a:avLst/>
@@ -5190,7 +5457,7 @@
     </p:spTree>
     <p:extLst>
       <p:ext uri="{BB962C8B-B14F-4D97-AF65-F5344CB8AC3E}">
-        <p14:creationId xmlns:p14="http://schemas.microsoft.com/office/powerpoint/2010/main" val="2375182482"/>
+        <p14:creationId xmlns:p14="http://schemas.microsoft.com/office/powerpoint/2010/main" val="2410626615"/>
       </p:ext>
     </p:extLst>
   </p:cSld>
@@ -5212,7 +5479,7 @@
 </p:sld>
 </file>
 
-<file path=ppt/slides/slide3.xml><?xml version="1.0" encoding="utf-8"?>
+<file path=ppt/slides/slide11.xml><?xml version="1.0" encoding="utf-8"?>
 <p:sld xmlns:a="http://schemas.openxmlformats.org/drawingml/2006/main" xmlns:r="http://schemas.openxmlformats.org/officeDocument/2006/relationships" xmlns:p="http://schemas.openxmlformats.org/presentationml/2006/main">
   <p:cSld>
     <p:spTree>
@@ -5229,53 +5496,6 @@
           <a:chExt cx="0" cy="0"/>
         </a:xfrm>
       </p:grpSpPr>
-      <p:pic>
-        <p:nvPicPr>
-          <p:cNvPr id="1026" name="Picture 2" descr="Resultado de imagem para iot internet of things">
-            <a:extLst>
-              <a:ext uri="{FF2B5EF4-FFF2-40B4-BE49-F238E27FC236}">
-                <a16:creationId xmlns:a16="http://schemas.microsoft.com/office/drawing/2014/main" id="{B5C3BE7F-5180-45CE-8C96-E5AFDFE5631E}"/>
-              </a:ext>
-            </a:extLst>
-          </p:cNvPr>
-          <p:cNvPicPr>
-            <a:picLocks noChangeAspect="1" noChangeArrowheads="1"/>
-          </p:cNvPicPr>
-          <p:nvPr/>
-        </p:nvPicPr>
-        <p:blipFill>
-          <a:blip r:embed="rId3">
-            <a:extLst>
-              <a:ext uri="{28A0092B-C50C-407E-A947-70E740481C1C}">
-                <a14:useLocalDpi xmlns:a14="http://schemas.microsoft.com/office/drawing/2010/main" val="0"/>
-              </a:ext>
-            </a:extLst>
-          </a:blip>
-          <a:srcRect/>
-          <a:stretch>
-            <a:fillRect/>
-          </a:stretch>
-        </p:blipFill>
-        <p:spPr bwMode="auto">
-          <a:xfrm>
-            <a:off x="2194809" y="558517"/>
-            <a:ext cx="6744512" cy="5953472"/>
-          </a:xfrm>
-          <a:prstGeom prst="rect">
-            <a:avLst/>
-          </a:prstGeom>
-          <a:noFill/>
-          <a:extLst>
-            <a:ext uri="{909E8E84-426E-40DD-AFC4-6F175D3DCCD1}">
-              <a14:hiddenFill xmlns:a14="http://schemas.microsoft.com/office/drawing/2010/main">
-                <a:solidFill>
-                  <a:srgbClr val="FFFFFF"/>
-                </a:solidFill>
-              </a14:hiddenFill>
-            </a:ext>
-          </a:extLst>
-        </p:spPr>
-      </p:pic>
       <p:sp>
         <p:nvSpPr>
           <p:cNvPr id="7" name="Text Box 2"/>
@@ -5431,7 +5651,7 @@
                 </a:solidFill>
                 <a:latin typeface="Arial" charset="0"/>
               </a:rPr>
-              <a:t>IoT</a:t>
+              <a:t>Project</a:t>
             </a:r>
             <a:endParaRPr lang="en-US" sz="1600" b="1" dirty="0">
               <a:solidFill>
@@ -5444,10 +5664,10 @@
       </p:sp>
       <p:sp>
         <p:nvSpPr>
-          <p:cNvPr id="9" name="Retângulo 39">
+          <p:cNvPr id="8" name="Retângulo 39">
             <a:extLst>
               <a:ext uri="{FF2B5EF4-FFF2-40B4-BE49-F238E27FC236}">
-                <a16:creationId xmlns:a16="http://schemas.microsoft.com/office/drawing/2014/main" id="{240D9EE0-3FCC-4C9A-9ECF-BE03E738540B}"/>
+                <a16:creationId xmlns:a16="http://schemas.microsoft.com/office/drawing/2014/main" id="{7C62CF5A-E1BA-4E6A-BEB4-64E82D21675D}"/>
               </a:ext>
             </a:extLst>
           </p:cNvPr>
@@ -5458,8 +5678,8 @@
         </p:nvSpPr>
         <p:spPr bwMode="auto">
           <a:xfrm>
-            <a:off x="48825" y="727246"/>
-            <a:ext cx="1858881" cy="2554545"/>
+            <a:off x="2123728" y="727246"/>
+            <a:ext cx="3528392" cy="4647426"/>
           </a:xfrm>
           <a:prstGeom prst="rect">
             <a:avLst/>
@@ -5494,42 +5714,335 @@
           </a:bodyPr>
           <a:lstStyle/>
           <a:p>
-            <a:pPr algn="r">
+            <a:pPr marL="285750" indent="-285750">
               <a:spcBef>
                 <a:spcPct val="50000"/>
               </a:spcBef>
+              <a:buFont typeface="Arial" panose="020B0604020202020204" pitchFamily="34" charset="0"/>
+              <a:buChar char="•"/>
             </a:pPr>
             <a:r>
-              <a:rPr lang="de-DE" sz="1600" b="1" dirty="0">
+              <a:rPr lang="pt-BR" sz="1600" b="1" dirty="0" err="1">
                 <a:solidFill>
                   <a:srgbClr val="FF0000"/>
                 </a:solidFill>
                 <a:latin typeface="Arial" charset="0"/>
               </a:rPr>
-              <a:t>IoT</a:t>
-            </a:r>
-            <a:r>
-              <a:rPr lang="de-DE" sz="1600" b="1" dirty="0">
+              <a:t>Ambient</a:t>
+            </a:r>
+            <a:endParaRPr lang="pt-BR" sz="1600" b="1" dirty="0">
+              <a:solidFill>
+                <a:srgbClr val="FF0000"/>
+              </a:solidFill>
+              <a:latin typeface="Arial" charset="0"/>
+            </a:endParaRPr>
+          </a:p>
+          <a:p>
+            <a:pPr marL="742950" lvl="1" indent="-285750">
+              <a:spcBef>
+                <a:spcPct val="50000"/>
+              </a:spcBef>
+              <a:buFont typeface="Arial" panose="020B0604020202020204" pitchFamily="34" charset="0"/>
+              <a:buChar char="•"/>
+            </a:pPr>
+            <a:r>
+              <a:rPr lang="pt-BR" sz="1600" b="1" dirty="0">
+                <a:solidFill>
+                  <a:srgbClr val="FF0000"/>
+                </a:solidFill>
                 <a:latin typeface="Arial" charset="0"/>
               </a:rPr>
-              <a:t> (Internet of Things)</a:t>
-            </a:r>
-          </a:p>
-          <a:p>
-            <a:pPr algn="r">
+              <a:t>Sensor </a:t>
+            </a:r>
+            <a:r>
+              <a:rPr lang="pt-BR" sz="1600" b="1" dirty="0" err="1">
+                <a:solidFill>
+                  <a:srgbClr val="FF0000"/>
+                </a:solidFill>
+                <a:latin typeface="Arial" charset="0"/>
+              </a:rPr>
+              <a:t>and</a:t>
+            </a:r>
+            <a:r>
+              <a:rPr lang="pt-BR" sz="1600" b="1" dirty="0">
+                <a:solidFill>
+                  <a:srgbClr val="FF0000"/>
+                </a:solidFill>
+                <a:latin typeface="Arial" charset="0"/>
+              </a:rPr>
+              <a:t> </a:t>
+            </a:r>
+            <a:r>
+              <a:rPr lang="pt-BR" sz="1600" b="1" dirty="0" err="1">
+                <a:solidFill>
+                  <a:srgbClr val="FF0000"/>
+                </a:solidFill>
+                <a:latin typeface="Arial" charset="0"/>
+              </a:rPr>
+              <a:t>transmitter</a:t>
+            </a:r>
+            <a:r>
+              <a:rPr lang="pt-BR" sz="1600" b="1" dirty="0">
+                <a:solidFill>
+                  <a:srgbClr val="FF0000"/>
+                </a:solidFill>
+                <a:latin typeface="Arial" charset="0"/>
+              </a:rPr>
+              <a:t> </a:t>
+            </a:r>
+            <a:r>
+              <a:rPr lang="pt-BR" sz="1600" b="1" dirty="0" err="1">
+                <a:solidFill>
+                  <a:srgbClr val="FF0000"/>
+                </a:solidFill>
+                <a:latin typeface="Arial" charset="0"/>
+              </a:rPr>
+              <a:t>positions</a:t>
+            </a:r>
+            <a:endParaRPr lang="pt-BR" sz="1600" b="1" dirty="0">
+              <a:solidFill>
+                <a:srgbClr val="FF0000"/>
+              </a:solidFill>
+              <a:latin typeface="Arial" charset="0"/>
+            </a:endParaRPr>
+          </a:p>
+          <a:p>
+            <a:pPr marL="742950" lvl="1" indent="-285750">
               <a:spcBef>
                 <a:spcPct val="50000"/>
               </a:spcBef>
+              <a:buFont typeface="Arial" panose="020B0604020202020204" pitchFamily="34" charset="0"/>
+              <a:buChar char="•"/>
+            </a:pPr>
+            <a:r>
+              <a:rPr lang="pt-BR" sz="1600" b="1" dirty="0">
+                <a:solidFill>
+                  <a:srgbClr val="FF0000"/>
+                </a:solidFill>
+                <a:latin typeface="Arial" charset="0"/>
+              </a:rPr>
+              <a:t>FOV</a:t>
+            </a:r>
+          </a:p>
+          <a:p>
+            <a:pPr marL="742950" lvl="1" indent="-285750">
+              <a:spcBef>
+                <a:spcPct val="50000"/>
+              </a:spcBef>
+              <a:buFont typeface="Arial" panose="020B0604020202020204" pitchFamily="34" charset="0"/>
+              <a:buChar char="•"/>
+            </a:pPr>
+            <a:r>
+              <a:rPr lang="de-DE" sz="1600" b="1" dirty="0">
+                <a:solidFill>
+                  <a:srgbClr val="FF0000"/>
+                </a:solidFill>
+                <a:latin typeface="Arial" charset="0"/>
+              </a:rPr>
+              <a:t>LOS</a:t>
+            </a:r>
+          </a:p>
+          <a:p>
+            <a:pPr marL="742950" lvl="1" indent="-285750">
+              <a:spcBef>
+                <a:spcPct val="50000"/>
+              </a:spcBef>
+              <a:buFont typeface="Arial" panose="020B0604020202020204" pitchFamily="34" charset="0"/>
+              <a:buChar char="•"/>
+            </a:pPr>
+            <a:r>
+              <a:rPr lang="de-DE" sz="1600" b="1" dirty="0">
+                <a:solidFill>
+                  <a:srgbClr val="FF0000"/>
+                </a:solidFill>
+                <a:latin typeface="Arial" charset="0"/>
+              </a:rPr>
+              <a:t>3D modelling</a:t>
+            </a:r>
+          </a:p>
+          <a:p>
+            <a:pPr marL="285750" indent="-285750">
+              <a:spcBef>
+                <a:spcPct val="50000"/>
+              </a:spcBef>
+              <a:buFont typeface="Arial" panose="020B0604020202020204" pitchFamily="34" charset="0"/>
+              <a:buChar char="•"/>
+            </a:pPr>
+            <a:r>
+              <a:rPr lang="de-DE" sz="1600" b="1" dirty="0">
+                <a:solidFill>
+                  <a:srgbClr val="FF0000"/>
+                </a:solidFill>
+                <a:latin typeface="Arial" charset="0"/>
+              </a:rPr>
+              <a:t>Transmitter</a:t>
+            </a:r>
+          </a:p>
+          <a:p>
+            <a:pPr marL="742950" lvl="1" indent="-285750">
+              <a:spcBef>
+                <a:spcPct val="50000"/>
+              </a:spcBef>
+              <a:buFont typeface="Arial" panose="020B0604020202020204" pitchFamily="34" charset="0"/>
+              <a:buChar char="•"/>
+            </a:pPr>
+            <a:r>
+              <a:rPr lang="de-DE" sz="1600" b="1" dirty="0">
+                <a:solidFill>
+                  <a:srgbClr val="FF0000"/>
+                </a:solidFill>
+                <a:latin typeface="Arial" charset="0"/>
+              </a:rPr>
+              <a:t>LED / laser</a:t>
+            </a:r>
+          </a:p>
+          <a:p>
+            <a:pPr marL="742950" lvl="1" indent="-285750">
+              <a:spcBef>
+                <a:spcPct val="50000"/>
+              </a:spcBef>
+              <a:buFont typeface="Arial" panose="020B0604020202020204" pitchFamily="34" charset="0"/>
+              <a:buChar char="•"/>
+            </a:pPr>
+            <a:r>
+              <a:rPr lang="de-DE" sz="1600" b="1" dirty="0">
+                <a:solidFill>
+                  <a:srgbClr val="FF0000"/>
+                </a:solidFill>
+                <a:latin typeface="Arial" charset="0"/>
+              </a:rPr>
+              <a:t>PSD</a:t>
+            </a:r>
+          </a:p>
+          <a:p>
+            <a:pPr marL="742950" lvl="1" indent="-285750">
+              <a:spcBef>
+                <a:spcPct val="50000"/>
+              </a:spcBef>
+              <a:buFont typeface="Arial" panose="020B0604020202020204" pitchFamily="34" charset="0"/>
+              <a:buChar char="•"/>
+            </a:pPr>
+            <a:r>
+              <a:rPr lang="de-DE" sz="1600" b="1" dirty="0">
+                <a:solidFill>
+                  <a:srgbClr val="FF0000"/>
+                </a:solidFill>
+                <a:latin typeface="Arial" charset="0"/>
+              </a:rPr>
+              <a:t>Power / Intensity</a:t>
+            </a:r>
+          </a:p>
+          <a:p>
+            <a:pPr marL="742950" lvl="1" indent="-285750">
+              <a:spcBef>
+                <a:spcPct val="50000"/>
+              </a:spcBef>
+              <a:buFont typeface="Arial" panose="020B0604020202020204" pitchFamily="34" charset="0"/>
+              <a:buChar char="•"/>
+            </a:pPr>
+            <a:r>
+              <a:rPr lang="de-DE" sz="1600" b="1" dirty="0">
+                <a:solidFill>
+                  <a:srgbClr val="FF0000"/>
+                </a:solidFill>
+                <a:latin typeface="Arial" charset="0"/>
+              </a:rPr>
+              <a:t>Flicker / ripple</a:t>
+            </a:r>
+          </a:p>
+          <a:p>
+            <a:pPr marL="742950" lvl="1" indent="-285750">
+              <a:spcBef>
+                <a:spcPct val="50000"/>
+              </a:spcBef>
+              <a:buFont typeface="Arial" panose="020B0604020202020204" pitchFamily="34" charset="0"/>
+              <a:buChar char="•"/>
+            </a:pPr>
+            <a:r>
+              <a:rPr lang="de-DE" sz="1600" b="1" dirty="0">
+                <a:solidFill>
+                  <a:srgbClr val="FF0000"/>
+                </a:solidFill>
+                <a:latin typeface="Arial" charset="0"/>
+              </a:rPr>
+              <a:t>SNR</a:t>
+            </a:r>
+          </a:p>
+          <a:p>
+            <a:pPr marL="285750" indent="-285750">
+              <a:spcBef>
+                <a:spcPct val="50000"/>
+              </a:spcBef>
+              <a:buFont typeface="Arial" panose="020B0604020202020204" pitchFamily="34" charset="0"/>
+              <a:buChar char="•"/>
             </a:pPr>
             <a:endParaRPr lang="de-DE" sz="1600" b="1" dirty="0">
+              <a:solidFill>
+                <a:srgbClr val="FF0000"/>
+              </a:solidFill>
               <a:latin typeface="Arial" charset="0"/>
             </a:endParaRPr>
           </a:p>
-          <a:p>
-            <a:pPr algn="r">
+        </p:txBody>
+      </p:sp>
+      <p:sp>
+        <p:nvSpPr>
+          <p:cNvPr id="5" name="Retângulo 39">
+            <a:extLst>
+              <a:ext uri="{FF2B5EF4-FFF2-40B4-BE49-F238E27FC236}">
+                <a16:creationId xmlns:a16="http://schemas.microsoft.com/office/drawing/2014/main" id="{06666449-3B9A-4520-8F20-F98C4E525B5F}"/>
+              </a:ext>
+            </a:extLst>
+          </p:cNvPr>
+          <p:cNvSpPr>
+            <a:spLocks noChangeArrowheads="1"/>
+          </p:cNvSpPr>
+          <p:nvPr/>
+        </p:nvSpPr>
+        <p:spPr bwMode="auto">
+          <a:xfrm>
+            <a:off x="5436096" y="727246"/>
+            <a:ext cx="3528392" cy="3662541"/>
+          </a:xfrm>
+          <a:prstGeom prst="rect">
+            <a:avLst/>
+          </a:prstGeom>
+          <a:noFill/>
+          <a:ln>
+            <a:noFill/>
+          </a:ln>
+          <a:extLst>
+            <a:ext uri="{909E8E84-426E-40DD-AFC4-6F175D3DCCD1}">
+              <a14:hiddenFill xmlns:a14="http://schemas.microsoft.com/office/drawing/2010/main">
+                <a:solidFill>
+                  <a:srgbClr val="FFFFFF"/>
+                </a:solidFill>
+              </a14:hiddenFill>
+            </a:ext>
+            <a:ext uri="{91240B29-F687-4F45-9708-019B960494DF}">
+              <a14:hiddenLine xmlns:a14="http://schemas.microsoft.com/office/drawing/2010/main" w="9525">
+                <a:solidFill>
+                  <a:srgbClr val="000000"/>
+                </a:solidFill>
+                <a:miter lim="800000"/>
+                <a:headEnd/>
+                <a:tailEnd/>
+              </a14:hiddenLine>
+            </a:ext>
+          </a:extLst>
+        </p:spPr>
+        <p:txBody>
+          <a:bodyPr wrap="square">
+            <a:spAutoFit/>
+          </a:bodyPr>
+          <a:lstStyle/>
+          <a:p>
+            <a:pPr marL="285750" indent="-285750">
               <a:spcBef>
                 <a:spcPct val="50000"/>
               </a:spcBef>
+              <a:buFont typeface="Arial" panose="020B0604020202020204" pitchFamily="34" charset="0"/>
+              <a:buChar char="•"/>
             </a:pPr>
             <a:r>
               <a:rPr lang="de-DE" sz="1600" b="1" dirty="0">
@@ -5538,37 +6051,53 @@
                 </a:solidFill>
                 <a:latin typeface="Arial" charset="0"/>
               </a:rPr>
-              <a:t>Connectivity</a:t>
-            </a:r>
+              <a:t>Channel Environment</a:t>
+            </a:r>
+          </a:p>
+          <a:p>
+            <a:pPr marL="742950" lvl="1" indent="-285750">
+              <a:spcBef>
+                <a:spcPct val="50000"/>
+              </a:spcBef>
+              <a:buFont typeface="Arial" panose="020B0604020202020204" pitchFamily="34" charset="0"/>
+              <a:buChar char="•"/>
+            </a:pPr>
             <a:r>
               <a:rPr lang="de-DE" sz="1600" b="1" dirty="0">
+                <a:solidFill>
+                  <a:srgbClr val="FF0000"/>
+                </a:solidFill>
                 <a:latin typeface="Arial" charset="0"/>
               </a:rPr>
-              <a:t> to all devices</a:t>
-            </a:r>
-          </a:p>
-          <a:p>
-            <a:pPr algn="r">
+              <a:t>CIR calculation</a:t>
+            </a:r>
+          </a:p>
+          <a:p>
+            <a:pPr marL="742950" lvl="1" indent="-285750">
               <a:spcBef>
                 <a:spcPct val="50000"/>
               </a:spcBef>
+              <a:buFont typeface="Arial" panose="020B0604020202020204" pitchFamily="34" charset="0"/>
+              <a:buChar char="•"/>
             </a:pPr>
-            <a:endParaRPr lang="de-DE" sz="1600" b="1" dirty="0">
-              <a:latin typeface="Arial" charset="0"/>
-            </a:endParaRPr>
-          </a:p>
-          <a:p>
-            <a:pPr algn="r">
-              <a:spcBef>
-                <a:spcPct val="50000"/>
-              </a:spcBef>
-            </a:pPr>
             <a:r>
               <a:rPr lang="de-DE" sz="1600" b="1" dirty="0">
+                <a:solidFill>
+                  <a:srgbClr val="FF0000"/>
+                </a:solidFill>
                 <a:latin typeface="Arial" charset="0"/>
               </a:rPr>
-              <a:t>$100+ </a:t>
-            </a:r>
+              <a:t>LOW</a:t>
+            </a:r>
+          </a:p>
+          <a:p>
+            <a:pPr marL="742950" lvl="1" indent="-285750">
+              <a:spcBef>
+                <a:spcPct val="50000"/>
+              </a:spcBef>
+              <a:buFont typeface="Arial" panose="020B0604020202020204" pitchFamily="34" charset="0"/>
+              <a:buChar char="•"/>
+            </a:pPr>
             <a:r>
               <a:rPr lang="de-DE" sz="1600" b="1" dirty="0">
                 <a:solidFill>
@@ -5576,13 +6105,115 @@
                 </a:solidFill>
                 <a:latin typeface="Arial" charset="0"/>
               </a:rPr>
-              <a:t>billion</a:t>
-            </a:r>
+              <a:t>Multiple paths</a:t>
+            </a:r>
+          </a:p>
+          <a:p>
+            <a:pPr marL="285750" indent="-285750">
+              <a:spcBef>
+                <a:spcPct val="50000"/>
+              </a:spcBef>
+              <a:buFont typeface="Arial" panose="020B0604020202020204" pitchFamily="34" charset="0"/>
+              <a:buChar char="•"/>
+            </a:pPr>
             <a:r>
               <a:rPr lang="de-DE" sz="1600" b="1" dirty="0">
+                <a:solidFill>
+                  <a:srgbClr val="FF0000"/>
+                </a:solidFill>
                 <a:latin typeface="Arial" charset="0"/>
               </a:rPr>
-              <a:t> market</a:t>
+              <a:t>Receiver</a:t>
+            </a:r>
+          </a:p>
+          <a:p>
+            <a:pPr marL="742950" lvl="1" indent="-285750">
+              <a:spcBef>
+                <a:spcPct val="50000"/>
+              </a:spcBef>
+              <a:buFont typeface="Arial" panose="020B0604020202020204" pitchFamily="34" charset="0"/>
+              <a:buChar char="•"/>
+            </a:pPr>
+            <a:r>
+              <a:rPr lang="de-DE" sz="1600" b="1" dirty="0">
+                <a:solidFill>
+                  <a:srgbClr val="FF0000"/>
+                </a:solidFill>
+                <a:latin typeface="Arial" charset="0"/>
+              </a:rPr>
+              <a:t>Input power / photocurrent</a:t>
+            </a:r>
+          </a:p>
+          <a:p>
+            <a:pPr marL="742950" lvl="1" indent="-285750">
+              <a:spcBef>
+                <a:spcPct val="50000"/>
+              </a:spcBef>
+              <a:buFont typeface="Arial" panose="020B0604020202020204" pitchFamily="34" charset="0"/>
+              <a:buChar char="•"/>
+            </a:pPr>
+            <a:r>
+              <a:rPr lang="de-DE" sz="1600" b="1" dirty="0">
+                <a:solidFill>
+                  <a:srgbClr val="FF0000"/>
+                </a:solidFill>
+                <a:latin typeface="Arial" charset="0"/>
+              </a:rPr>
+              <a:t>Physical PD</a:t>
+            </a:r>
+          </a:p>
+          <a:p>
+            <a:pPr marL="742950" lvl="1" indent="-285750">
+              <a:spcBef>
+                <a:spcPct val="50000"/>
+              </a:spcBef>
+              <a:buFont typeface="Arial" panose="020B0604020202020204" pitchFamily="34" charset="0"/>
+              <a:buChar char="•"/>
+            </a:pPr>
+            <a:r>
+              <a:rPr lang="de-DE" sz="1600" b="1" dirty="0">
+                <a:solidFill>
+                  <a:srgbClr val="FF0000"/>
+                </a:solidFill>
+                <a:latin typeface="Arial" charset="0"/>
+              </a:rPr>
+              <a:t>Integrated Circuit</a:t>
+            </a:r>
+          </a:p>
+          <a:p>
+            <a:pPr marL="285750" indent="-285750">
+              <a:spcBef>
+                <a:spcPct val="50000"/>
+              </a:spcBef>
+              <a:buFont typeface="Arial" panose="020B0604020202020204" pitchFamily="34" charset="0"/>
+              <a:buChar char="•"/>
+            </a:pPr>
+            <a:r>
+              <a:rPr lang="de-DE" sz="1600" b="1" dirty="0">
+                <a:solidFill>
+                  <a:srgbClr val="FF0000"/>
+                </a:solidFill>
+                <a:latin typeface="Arial" charset="0"/>
+              </a:rPr>
+              <a:t>Global</a:t>
+            </a:r>
+          </a:p>
+          <a:p>
+            <a:pPr marL="742950" lvl="1" indent="-285750">
+              <a:spcBef>
+                <a:spcPct val="50000"/>
+              </a:spcBef>
+              <a:buFont typeface="Arial" panose="020B0604020202020204" pitchFamily="34" charset="0"/>
+              <a:buChar char="•"/>
+            </a:pPr>
+            <a:r>
+              <a:rPr lang="de-DE" sz="1600" b="1" dirty="0">
+                <a:solidFill>
+                  <a:srgbClr val="FF0000"/>
+                </a:solidFill>
+                <a:latin typeface="Arial" charset="0"/>
+              </a:rPr>
+              <a:t>Merit Functions</a:t>
             </a:r>
           </a:p>
         </p:txBody>
@@ -5590,7 +6221,7 @@
     </p:spTree>
     <p:extLst>
       <p:ext uri="{BB962C8B-B14F-4D97-AF65-F5344CB8AC3E}">
-        <p14:creationId xmlns:p14="http://schemas.microsoft.com/office/powerpoint/2010/main" val="4220590401"/>
+        <p14:creationId xmlns:p14="http://schemas.microsoft.com/office/powerpoint/2010/main" val="1031331328"/>
       </p:ext>
     </p:extLst>
   </p:cSld>
@@ -5612,455 +6243,7 @@
 </p:sld>
 </file>
 
-<file path=ppt/slides/slide4.xml><?xml version="1.0" encoding="utf-8"?>
-<p:sld xmlns:a="http://schemas.openxmlformats.org/drawingml/2006/main" xmlns:r="http://schemas.openxmlformats.org/officeDocument/2006/relationships" xmlns:p="http://schemas.openxmlformats.org/presentationml/2006/main">
-  <p:cSld>
-    <p:spTree>
-      <p:nvGrpSpPr>
-        <p:cNvPr id="1" name=""/>
-        <p:cNvGrpSpPr/>
-        <p:nvPr/>
-      </p:nvGrpSpPr>
-      <p:grpSpPr>
-        <a:xfrm>
-          <a:off x="0" y="0"/>
-          <a:ext cx="0" cy="0"/>
-          <a:chOff x="0" y="0"/>
-          <a:chExt cx="0" cy="0"/>
-        </a:xfrm>
-      </p:grpSpPr>
-      <p:pic>
-        <p:nvPicPr>
-          <p:cNvPr id="6" name="Imagem 5">
-            <a:extLst>
-              <a:ext uri="{FF2B5EF4-FFF2-40B4-BE49-F238E27FC236}">
-                <a16:creationId xmlns:a16="http://schemas.microsoft.com/office/drawing/2014/main" id="{B9B38524-915F-4614-AEFC-0A318A4B5494}"/>
-              </a:ext>
-            </a:extLst>
-          </p:cNvPr>
-          <p:cNvPicPr>
-            <a:picLocks noChangeAspect="1"/>
-          </p:cNvPicPr>
-          <p:nvPr/>
-        </p:nvPicPr>
-        <p:blipFill>
-          <a:blip r:embed="rId3"/>
-          <a:stretch>
-            <a:fillRect/>
-          </a:stretch>
-        </p:blipFill>
-        <p:spPr>
-          <a:xfrm>
-            <a:off x="4078454" y="3230180"/>
-            <a:ext cx="5072533" cy="3294847"/>
-          </a:xfrm>
-          <a:prstGeom prst="rect">
-            <a:avLst/>
-          </a:prstGeom>
-        </p:spPr>
-      </p:pic>
-      <p:sp>
-        <p:nvSpPr>
-          <p:cNvPr id="3074" name="Text Box 2"/>
-          <p:cNvSpPr txBox="1">
-            <a:spLocks noChangeArrowheads="1"/>
-          </p:cNvSpPr>
-          <p:nvPr/>
-        </p:nvSpPr>
-        <p:spPr bwMode="auto">
-          <a:xfrm>
-            <a:off x="76200" y="76202"/>
-            <a:ext cx="8915400" cy="366713"/>
-          </a:xfrm>
-          <a:prstGeom prst="rect">
-            <a:avLst/>
-          </a:prstGeom>
-          <a:noFill/>
-          <a:ln>
-            <a:noFill/>
-          </a:ln>
-          <a:extLst>
-            <a:ext uri="{909E8E84-426E-40DD-AFC4-6F175D3DCCD1}">
-              <a14:hiddenFill xmlns:a14="http://schemas.microsoft.com/office/drawing/2010/main">
-                <a:solidFill>
-                  <a:srgbClr val="FFFFFF"/>
-                </a:solidFill>
-              </a14:hiddenFill>
-            </a:ext>
-            <a:ext uri="{91240B29-F687-4F45-9708-019B960494DF}">
-              <a14:hiddenLine xmlns:a14="http://schemas.microsoft.com/office/drawing/2010/main" w="9525">
-                <a:solidFill>
-                  <a:srgbClr val="000000"/>
-                </a:solidFill>
-                <a:miter lim="800000"/>
-                <a:headEnd/>
-                <a:tailEnd/>
-              </a14:hiddenLine>
-            </a:ext>
-          </a:extLst>
-        </p:spPr>
-        <p:txBody>
-          <a:bodyPr>
-            <a:spAutoFit/>
-          </a:bodyPr>
-          <a:lstStyle>
-            <a:lvl1pPr eaLnBrk="0" hangingPunct="0">
-              <a:defRPr sz="2400">
-                <a:solidFill>
-                  <a:schemeClr val="tx1"/>
-                </a:solidFill>
-                <a:latin typeface="Times New Roman" pitchFamily="18" charset="0"/>
-              </a:defRPr>
-            </a:lvl1pPr>
-            <a:lvl2pPr marL="742950" indent="-285750" eaLnBrk="0" hangingPunct="0">
-              <a:defRPr sz="2400">
-                <a:solidFill>
-                  <a:schemeClr val="tx1"/>
-                </a:solidFill>
-                <a:latin typeface="Times New Roman" pitchFamily="18" charset="0"/>
-              </a:defRPr>
-            </a:lvl2pPr>
-            <a:lvl3pPr marL="1143000" indent="-228600" eaLnBrk="0" hangingPunct="0">
-              <a:defRPr sz="2400">
-                <a:solidFill>
-                  <a:schemeClr val="tx1"/>
-                </a:solidFill>
-                <a:latin typeface="Times New Roman" pitchFamily="18" charset="0"/>
-              </a:defRPr>
-            </a:lvl3pPr>
-            <a:lvl4pPr marL="1600200" indent="-228600" eaLnBrk="0" hangingPunct="0">
-              <a:defRPr sz="2400">
-                <a:solidFill>
-                  <a:schemeClr val="tx1"/>
-                </a:solidFill>
-                <a:latin typeface="Times New Roman" pitchFamily="18" charset="0"/>
-              </a:defRPr>
-            </a:lvl4pPr>
-            <a:lvl5pPr marL="2057400" indent="-228600" eaLnBrk="0" hangingPunct="0">
-              <a:defRPr sz="2400">
-                <a:solidFill>
-                  <a:schemeClr val="tx1"/>
-                </a:solidFill>
-                <a:latin typeface="Times New Roman" pitchFamily="18" charset="0"/>
-              </a:defRPr>
-            </a:lvl5pPr>
-            <a:lvl6pPr marL="2514600" indent="-228600" eaLnBrk="0" fontAlgn="base" hangingPunct="0">
-              <a:spcBef>
-                <a:spcPct val="0"/>
-              </a:spcBef>
-              <a:spcAft>
-                <a:spcPct val="0"/>
-              </a:spcAft>
-              <a:defRPr sz="2400">
-                <a:solidFill>
-                  <a:schemeClr val="tx1"/>
-                </a:solidFill>
-                <a:latin typeface="Times New Roman" pitchFamily="18" charset="0"/>
-              </a:defRPr>
-            </a:lvl6pPr>
-            <a:lvl7pPr marL="2971800" indent="-228600" eaLnBrk="0" fontAlgn="base" hangingPunct="0">
-              <a:spcBef>
-                <a:spcPct val="0"/>
-              </a:spcBef>
-              <a:spcAft>
-                <a:spcPct val="0"/>
-              </a:spcAft>
-              <a:defRPr sz="2400">
-                <a:solidFill>
-                  <a:schemeClr val="tx1"/>
-                </a:solidFill>
-                <a:latin typeface="Times New Roman" pitchFamily="18" charset="0"/>
-              </a:defRPr>
-            </a:lvl7pPr>
-            <a:lvl8pPr marL="3429000" indent="-228600" eaLnBrk="0" fontAlgn="base" hangingPunct="0">
-              <a:spcBef>
-                <a:spcPct val="0"/>
-              </a:spcBef>
-              <a:spcAft>
-                <a:spcPct val="0"/>
-              </a:spcAft>
-              <a:defRPr sz="2400">
-                <a:solidFill>
-                  <a:schemeClr val="tx1"/>
-                </a:solidFill>
-                <a:latin typeface="Times New Roman" pitchFamily="18" charset="0"/>
-              </a:defRPr>
-            </a:lvl8pPr>
-            <a:lvl9pPr marL="3886200" indent="-228600" eaLnBrk="0" fontAlgn="base" hangingPunct="0">
-              <a:spcBef>
-                <a:spcPct val="0"/>
-              </a:spcBef>
-              <a:spcAft>
-                <a:spcPct val="0"/>
-              </a:spcAft>
-              <a:defRPr sz="2400">
-                <a:solidFill>
-                  <a:schemeClr val="tx1"/>
-                </a:solidFill>
-                <a:latin typeface="Times New Roman" pitchFamily="18" charset="0"/>
-              </a:defRPr>
-            </a:lvl9pPr>
-          </a:lstStyle>
-          <a:p>
-            <a:pPr eaLnBrk="1" hangingPunct="1">
-              <a:spcBef>
-                <a:spcPct val="50000"/>
-              </a:spcBef>
-            </a:pPr>
-            <a:r>
-              <a:rPr lang="en-US" sz="1800" b="1" dirty="0">
-                <a:solidFill>
-                  <a:schemeClr val="bg1"/>
-                </a:solidFill>
-                <a:latin typeface="Arial" charset="0"/>
-              </a:rPr>
-              <a:t>Second Phase of the PhD</a:t>
-            </a:r>
-            <a:endParaRPr lang="en-US" sz="1600" b="1" dirty="0">
-              <a:solidFill>
-                <a:srgbClr val="FFCC66"/>
-              </a:solidFill>
-              <a:latin typeface="Arial" charset="0"/>
-            </a:endParaRPr>
-          </a:p>
-        </p:txBody>
-      </p:sp>
-      <p:sp>
-        <p:nvSpPr>
-          <p:cNvPr id="5" name="Retângulo 39"/>
-          <p:cNvSpPr>
-            <a:spLocks noChangeArrowheads="1"/>
-          </p:cNvSpPr>
-          <p:nvPr/>
-        </p:nvSpPr>
-        <p:spPr bwMode="auto">
-          <a:xfrm>
-            <a:off x="2123728" y="548683"/>
-            <a:ext cx="6912768" cy="2800767"/>
-          </a:xfrm>
-          <a:prstGeom prst="rect">
-            <a:avLst/>
-          </a:prstGeom>
-          <a:noFill/>
-          <a:ln>
-            <a:noFill/>
-          </a:ln>
-          <a:effectLst/>
-          <a:extLst>
-            <a:ext uri="{909E8E84-426E-40DD-AFC4-6F175D3DCCD1}">
-              <a14:hiddenFill xmlns:a14="http://schemas.microsoft.com/office/drawing/2010/main">
-                <a:solidFill>
-                  <a:srgbClr val="FFFFFF"/>
-                </a:solidFill>
-              </a14:hiddenFill>
-            </a:ext>
-            <a:ext uri="{91240B29-F687-4F45-9708-019B960494DF}">
-              <a14:hiddenLine xmlns:a14="http://schemas.microsoft.com/office/drawing/2010/main" w="9525">
-                <a:solidFill>
-                  <a:srgbClr val="000000"/>
-                </a:solidFill>
-                <a:miter lim="800000"/>
-                <a:headEnd/>
-                <a:tailEnd/>
-              </a14:hiddenLine>
-            </a:ext>
-          </a:extLst>
-        </p:spPr>
-        <p:txBody>
-          <a:bodyPr wrap="square">
-            <a:spAutoFit/>
-          </a:bodyPr>
-          <a:lstStyle/>
-          <a:p>
-            <a:pPr marL="457200" indent="-457200" algn="just">
-              <a:spcBef>
-                <a:spcPct val="50000"/>
-              </a:spcBef>
-              <a:buFont typeface="Arial" charset="0"/>
-              <a:buChar char="•"/>
-            </a:pPr>
-            <a:r>
-              <a:rPr lang="en-US" sz="1600" b="1" dirty="0">
-                <a:solidFill>
-                  <a:schemeClr val="accent2">
-                    <a:lumMod val="75000"/>
-                  </a:schemeClr>
-                </a:solidFill>
-                <a:latin typeface="Arial" charset="0"/>
-              </a:rPr>
-              <a:t>Investigate the issue with the chip.</a:t>
-            </a:r>
-          </a:p>
-          <a:p>
-            <a:pPr marL="457200" indent="-457200" algn="just">
-              <a:spcBef>
-                <a:spcPct val="50000"/>
-              </a:spcBef>
-              <a:buFont typeface="Arial" charset="0"/>
-              <a:buChar char="•"/>
-            </a:pPr>
-            <a:r>
-              <a:rPr lang="en-US" sz="1600" b="1" dirty="0">
-                <a:solidFill>
-                  <a:schemeClr val="accent2">
-                    <a:lumMod val="75000"/>
-                  </a:schemeClr>
-                </a:solidFill>
-                <a:latin typeface="Arial" charset="0"/>
-              </a:rPr>
-              <a:t>Fully Characterize the Bouncing Pixel through simulations</a:t>
-            </a:r>
-          </a:p>
-          <a:p>
-            <a:pPr marL="457200" indent="-457200" algn="just">
-              <a:spcBef>
-                <a:spcPct val="50000"/>
-              </a:spcBef>
-              <a:buFont typeface="Arial" charset="0"/>
-              <a:buChar char="•"/>
-            </a:pPr>
-            <a:r>
-              <a:rPr lang="en-US" sz="1600" b="1" dirty="0">
-                <a:solidFill>
-                  <a:schemeClr val="accent2">
-                    <a:lumMod val="75000"/>
-                  </a:schemeClr>
-                </a:solidFill>
-                <a:latin typeface="Arial" charset="0"/>
-              </a:rPr>
-              <a:t>Other variations on the topology:</a:t>
-            </a:r>
-          </a:p>
-          <a:p>
-            <a:pPr marL="914400" lvl="1" indent="-457200" algn="just">
-              <a:spcBef>
-                <a:spcPct val="50000"/>
-              </a:spcBef>
-              <a:buFont typeface="Arial" charset="0"/>
-              <a:buChar char="•"/>
-            </a:pPr>
-            <a:r>
-              <a:rPr lang="en-US" sz="1600" b="1" dirty="0">
-                <a:solidFill>
-                  <a:schemeClr val="accent2">
-                    <a:lumMod val="75000"/>
-                  </a:schemeClr>
-                </a:solidFill>
-                <a:latin typeface="Arial" charset="0"/>
-              </a:rPr>
-              <a:t>Schmitt trigger, </a:t>
-            </a:r>
-            <a:r>
-              <a:rPr lang="en-US" sz="1600" b="1" dirty="0" err="1">
-                <a:solidFill>
-                  <a:schemeClr val="accent2">
-                    <a:lumMod val="75000"/>
-                  </a:schemeClr>
-                </a:solidFill>
-                <a:latin typeface="Arial" charset="0"/>
-              </a:rPr>
-              <a:t>Cascoded</a:t>
-            </a:r>
-            <a:r>
-              <a:rPr lang="en-US" sz="1600" b="1" dirty="0">
-                <a:solidFill>
-                  <a:schemeClr val="accent2">
-                    <a:lumMod val="75000"/>
-                  </a:schemeClr>
-                </a:solidFill>
-                <a:latin typeface="Arial" charset="0"/>
-              </a:rPr>
-              <a:t> stage, current gain…</a:t>
-            </a:r>
-          </a:p>
-          <a:p>
-            <a:pPr marL="457200" indent="-457200" algn="just">
-              <a:spcBef>
-                <a:spcPct val="50000"/>
-              </a:spcBef>
-              <a:buFont typeface="Arial" charset="0"/>
-              <a:buChar char="•"/>
-            </a:pPr>
-            <a:r>
-              <a:rPr lang="en-US" sz="1600" b="1" dirty="0">
-                <a:solidFill>
-                  <a:schemeClr val="accent2">
-                    <a:lumMod val="75000"/>
-                  </a:schemeClr>
-                </a:solidFill>
-                <a:latin typeface="Arial" charset="0"/>
-              </a:rPr>
-              <a:t>Characterize distance vs. power.</a:t>
-            </a:r>
-          </a:p>
-          <a:p>
-            <a:pPr marL="457200" indent="-457200" algn="just">
-              <a:spcBef>
-                <a:spcPct val="50000"/>
-              </a:spcBef>
-              <a:buFont typeface="Arial" charset="0"/>
-              <a:buChar char="•"/>
-            </a:pPr>
-            <a:r>
-              <a:rPr lang="en-US" sz="1600" b="1" dirty="0">
-                <a:solidFill>
-                  <a:schemeClr val="accent2">
-                    <a:lumMod val="75000"/>
-                  </a:schemeClr>
-                </a:solidFill>
-                <a:latin typeface="Arial" charset="0"/>
-              </a:rPr>
-              <a:t>Simulations considering OOK modulation.</a:t>
-            </a:r>
-          </a:p>
-          <a:p>
-            <a:pPr marL="457200" indent="-457200" algn="just">
-              <a:spcBef>
-                <a:spcPct val="50000"/>
-              </a:spcBef>
-              <a:buFont typeface="Arial" charset="0"/>
-              <a:buChar char="•"/>
-            </a:pPr>
-            <a:r>
-              <a:rPr lang="en-US" sz="1600" b="1" dirty="0">
-                <a:solidFill>
-                  <a:schemeClr val="accent2">
-                    <a:lumMod val="75000"/>
-                  </a:schemeClr>
-                </a:solidFill>
-                <a:latin typeface="Arial" charset="0"/>
-              </a:rPr>
-              <a:t>Methodology to simulate a given VLC system with the chosen ROIC</a:t>
-            </a:r>
-          </a:p>
-        </p:txBody>
-      </p:sp>
-    </p:spTree>
-    <p:extLst>
-      <p:ext uri="{BB962C8B-B14F-4D97-AF65-F5344CB8AC3E}">
-        <p14:creationId xmlns:p14="http://schemas.microsoft.com/office/powerpoint/2010/main" val="1417271218"/>
-      </p:ext>
-    </p:extLst>
-  </p:cSld>
-  <p:clrMapOvr>
-    <a:masterClrMapping/>
-  </p:clrMapOvr>
-  <mc:AlternateContent xmlns:mc="http://schemas.openxmlformats.org/markup-compatibility/2006" xmlns:p14="http://schemas.microsoft.com/office/powerpoint/2010/main">
-    <mc:Choice Requires="p14">
-      <p:transition p14:dur="400">
-        <p:fade/>
-      </p:transition>
-    </mc:Choice>
-    <mc:Fallback xmlns="">
-      <p:transition>
-        <p:fade/>
-      </p:transition>
-    </mc:Fallback>
-  </mc:AlternateContent>
-</p:sld>
-</file>
-
-<file path=ppt/slides/slide5.xml><?xml version="1.0" encoding="utf-8"?>
+<file path=ppt/slides/slide12.xml><?xml version="1.0" encoding="utf-8"?>
 <p:sld xmlns:a="http://schemas.openxmlformats.org/drawingml/2006/main" xmlns:r="http://schemas.openxmlformats.org/officeDocument/2006/relationships" xmlns:p="http://schemas.openxmlformats.org/presentationml/2006/main">
   <p:cSld>
     <p:spTree>
@@ -6309,6 +6492,1940 @@
 </p:sld>
 </file>
 
+<file path=ppt/slides/slide2.xml><?xml version="1.0" encoding="utf-8"?>
+<p:sld xmlns:a="http://schemas.openxmlformats.org/drawingml/2006/main" xmlns:r="http://schemas.openxmlformats.org/officeDocument/2006/relationships" xmlns:p="http://schemas.openxmlformats.org/presentationml/2006/main">
+  <p:cSld>
+    <p:spTree>
+      <p:nvGrpSpPr>
+        <p:cNvPr id="1" name=""/>
+        <p:cNvGrpSpPr/>
+        <p:nvPr/>
+      </p:nvGrpSpPr>
+      <p:grpSpPr>
+        <a:xfrm>
+          <a:off x="0" y="0"/>
+          <a:ext cx="0" cy="0"/>
+          <a:chOff x="0" y="0"/>
+          <a:chExt cx="0" cy="0"/>
+        </a:xfrm>
+      </p:grpSpPr>
+      <p:sp>
+        <p:nvSpPr>
+          <p:cNvPr id="16" name="Retângulo 15">
+            <a:extLst>
+              <a:ext uri="{FF2B5EF4-FFF2-40B4-BE49-F238E27FC236}">
+                <a16:creationId xmlns:a16="http://schemas.microsoft.com/office/drawing/2014/main" id="{BD1A7D17-2194-49B4-9A14-0D8F236E9562}"/>
+              </a:ext>
+            </a:extLst>
+          </p:cNvPr>
+          <p:cNvSpPr/>
+          <p:nvPr/>
+        </p:nvSpPr>
+        <p:spPr>
+          <a:xfrm>
+            <a:off x="-9843" y="518797"/>
+            <a:ext cx="9158478" cy="6036431"/>
+          </a:xfrm>
+          <a:prstGeom prst="rect">
+            <a:avLst/>
+          </a:prstGeom>
+          <a:solidFill>
+            <a:schemeClr val="bg1"/>
+          </a:solidFill>
+          <a:ln>
+            <a:noFill/>
+          </a:ln>
+        </p:spPr>
+        <p:style>
+          <a:lnRef idx="2">
+            <a:schemeClr val="accent1">
+              <a:shade val="50000"/>
+            </a:schemeClr>
+          </a:lnRef>
+          <a:fillRef idx="1">
+            <a:schemeClr val="accent1"/>
+          </a:fillRef>
+          <a:effectRef idx="0">
+            <a:schemeClr val="accent1"/>
+          </a:effectRef>
+          <a:fontRef idx="minor">
+            <a:schemeClr val="lt1"/>
+          </a:fontRef>
+        </p:style>
+        <p:txBody>
+          <a:bodyPr rtlCol="0" anchor="ctr"/>
+          <a:lstStyle/>
+          <a:p>
+            <a:pPr algn="ctr"/>
+            <a:endParaRPr lang="pt-BR"/>
+          </a:p>
+        </p:txBody>
+      </p:sp>
+      <p:pic>
+        <p:nvPicPr>
+          <p:cNvPr id="9" name="Imagem 8">
+            <a:extLst>
+              <a:ext uri="{FF2B5EF4-FFF2-40B4-BE49-F238E27FC236}">
+                <a16:creationId xmlns:a16="http://schemas.microsoft.com/office/drawing/2014/main" id="{09A60695-6516-4E5C-8F75-A40505D5A3C0}"/>
+              </a:ext>
+            </a:extLst>
+          </p:cNvPr>
+          <p:cNvPicPr>
+            <a:picLocks noChangeAspect="1"/>
+          </p:cNvPicPr>
+          <p:nvPr/>
+        </p:nvPicPr>
+        <p:blipFill>
+          <a:blip r:embed="rId3"/>
+          <a:stretch>
+            <a:fillRect/>
+          </a:stretch>
+        </p:blipFill>
+        <p:spPr>
+          <a:xfrm>
+            <a:off x="-9843" y="2114671"/>
+            <a:ext cx="6526059" cy="4440557"/>
+          </a:xfrm>
+          <a:prstGeom prst="rect">
+            <a:avLst/>
+          </a:prstGeom>
+        </p:spPr>
+      </p:pic>
+      <p:sp>
+        <p:nvSpPr>
+          <p:cNvPr id="7" name="Retângulo 39">
+            <a:extLst>
+              <a:ext uri="{FF2B5EF4-FFF2-40B4-BE49-F238E27FC236}">
+                <a16:creationId xmlns:a16="http://schemas.microsoft.com/office/drawing/2014/main" id="{F2110FE1-F9B9-481B-8A78-F3D3045DCED7}"/>
+              </a:ext>
+            </a:extLst>
+          </p:cNvPr>
+          <p:cNvSpPr>
+            <a:spLocks noChangeArrowheads="1"/>
+          </p:cNvSpPr>
+          <p:nvPr/>
+        </p:nvSpPr>
+        <p:spPr bwMode="auto">
+          <a:xfrm>
+            <a:off x="1113012" y="764704"/>
+            <a:ext cx="6912768" cy="861774"/>
+          </a:xfrm>
+          <a:prstGeom prst="rect">
+            <a:avLst/>
+          </a:prstGeom>
+          <a:noFill/>
+          <a:ln>
+            <a:noFill/>
+          </a:ln>
+          <a:effectLst/>
+          <a:extLst>
+            <a:ext uri="{909E8E84-426E-40DD-AFC4-6F175D3DCCD1}">
+              <a14:hiddenFill xmlns:a14="http://schemas.microsoft.com/office/drawing/2010/main">
+                <a:solidFill>
+                  <a:srgbClr val="FFFFFF"/>
+                </a:solidFill>
+              </a14:hiddenFill>
+            </a:ext>
+            <a:ext uri="{91240B29-F687-4F45-9708-019B960494DF}">
+              <a14:hiddenLine xmlns:a14="http://schemas.microsoft.com/office/drawing/2010/main" w="9525">
+                <a:solidFill>
+                  <a:srgbClr val="000000"/>
+                </a:solidFill>
+                <a:miter lim="800000"/>
+                <a:headEnd/>
+                <a:tailEnd/>
+              </a14:hiddenLine>
+            </a:ext>
+          </a:extLst>
+        </p:spPr>
+        <p:txBody>
+          <a:bodyPr wrap="square">
+            <a:spAutoFit/>
+          </a:bodyPr>
+          <a:lstStyle/>
+          <a:p>
+            <a:pPr algn="ctr">
+              <a:spcBef>
+                <a:spcPct val="50000"/>
+              </a:spcBef>
+            </a:pPr>
+            <a:r>
+              <a:rPr lang="en-US" sz="2000" b="1" dirty="0">
+                <a:solidFill>
+                  <a:schemeClr val="accent2">
+                    <a:lumMod val="75000"/>
+                  </a:schemeClr>
+                </a:solidFill>
+                <a:latin typeface="Arial" charset="0"/>
+              </a:rPr>
+              <a:t>The simulator is a </a:t>
+            </a:r>
+            <a:r>
+              <a:rPr lang="en-US" sz="2000" b="1" dirty="0">
+                <a:solidFill>
+                  <a:srgbClr val="FF0000"/>
+                </a:solidFill>
+                <a:latin typeface="Arial" charset="0"/>
+              </a:rPr>
+              <a:t>software</a:t>
+            </a:r>
+            <a:r>
+              <a:rPr lang="en-US" sz="2000" b="1" dirty="0">
+                <a:solidFill>
+                  <a:schemeClr val="accent2">
+                    <a:lumMod val="75000"/>
+                  </a:schemeClr>
+                </a:solidFill>
+                <a:latin typeface="Arial" charset="0"/>
+              </a:rPr>
+              <a:t>!</a:t>
+            </a:r>
+          </a:p>
+          <a:p>
+            <a:pPr algn="ctr">
+              <a:spcBef>
+                <a:spcPct val="50000"/>
+              </a:spcBef>
+            </a:pPr>
+            <a:r>
+              <a:rPr lang="en-US" sz="2000" b="1" dirty="0">
+                <a:solidFill>
+                  <a:schemeClr val="accent2">
+                    <a:lumMod val="75000"/>
+                  </a:schemeClr>
+                </a:solidFill>
+                <a:latin typeface="Arial" charset="0"/>
+              </a:rPr>
+              <a:t>Let’s develop like a </a:t>
+            </a:r>
+            <a:r>
+              <a:rPr lang="en-US" sz="2000" b="1" dirty="0">
+                <a:solidFill>
+                  <a:srgbClr val="FF0000"/>
+                </a:solidFill>
+                <a:latin typeface="Arial" charset="0"/>
+              </a:rPr>
+              <a:t>real</a:t>
+            </a:r>
+            <a:r>
+              <a:rPr lang="en-US" sz="2000" b="1" dirty="0">
+                <a:solidFill>
+                  <a:schemeClr val="accent2">
+                    <a:lumMod val="75000"/>
+                  </a:schemeClr>
+                </a:solidFill>
+                <a:latin typeface="Arial" charset="0"/>
+              </a:rPr>
+              <a:t> one</a:t>
+            </a:r>
+          </a:p>
+        </p:txBody>
+      </p:sp>
+    </p:spTree>
+    <p:extLst>
+      <p:ext uri="{BB962C8B-B14F-4D97-AF65-F5344CB8AC3E}">
+        <p14:creationId xmlns:p14="http://schemas.microsoft.com/office/powerpoint/2010/main" val="2375182482"/>
+      </p:ext>
+    </p:extLst>
+  </p:cSld>
+  <p:clrMapOvr>
+    <a:masterClrMapping/>
+  </p:clrMapOvr>
+  <mc:AlternateContent xmlns:mc="http://schemas.openxmlformats.org/markup-compatibility/2006" xmlns:p14="http://schemas.microsoft.com/office/powerpoint/2010/main">
+    <mc:Choice Requires="p14">
+      <p:transition p14:dur="400">
+        <p:fade/>
+      </p:transition>
+    </mc:Choice>
+    <mc:Fallback xmlns="">
+      <p:transition>
+        <p:fade/>
+      </p:transition>
+    </mc:Fallback>
+  </mc:AlternateContent>
+</p:sld>
+</file>
+
+<file path=ppt/slides/slide3.xml><?xml version="1.0" encoding="utf-8"?>
+<p:sld xmlns:a="http://schemas.openxmlformats.org/drawingml/2006/main" xmlns:r="http://schemas.openxmlformats.org/officeDocument/2006/relationships" xmlns:p="http://schemas.openxmlformats.org/presentationml/2006/main">
+  <p:cSld>
+    <p:spTree>
+      <p:nvGrpSpPr>
+        <p:cNvPr id="1" name=""/>
+        <p:cNvGrpSpPr/>
+        <p:nvPr/>
+      </p:nvGrpSpPr>
+      <p:grpSpPr>
+        <a:xfrm>
+          <a:off x="0" y="0"/>
+          <a:ext cx="0" cy="0"/>
+          <a:chOff x="0" y="0"/>
+          <a:chExt cx="0" cy="0"/>
+        </a:xfrm>
+      </p:grpSpPr>
+      <p:sp>
+        <p:nvSpPr>
+          <p:cNvPr id="7" name="Text Box 2"/>
+          <p:cNvSpPr txBox="1">
+            <a:spLocks noChangeArrowheads="1"/>
+          </p:cNvSpPr>
+          <p:nvPr/>
+        </p:nvSpPr>
+        <p:spPr bwMode="auto">
+          <a:xfrm>
+            <a:off x="76200" y="76202"/>
+            <a:ext cx="8915400" cy="369332"/>
+          </a:xfrm>
+          <a:prstGeom prst="rect">
+            <a:avLst/>
+          </a:prstGeom>
+          <a:noFill/>
+          <a:ln>
+            <a:noFill/>
+          </a:ln>
+          <a:extLst>
+            <a:ext uri="{909E8E84-426E-40DD-AFC4-6F175D3DCCD1}">
+              <a14:hiddenFill xmlns:a14="http://schemas.microsoft.com/office/drawing/2010/main">
+                <a:solidFill>
+                  <a:srgbClr val="FFFFFF"/>
+                </a:solidFill>
+              </a14:hiddenFill>
+            </a:ext>
+            <a:ext uri="{91240B29-F687-4F45-9708-019B960494DF}">
+              <a14:hiddenLine xmlns:a14="http://schemas.microsoft.com/office/drawing/2010/main" w="9525">
+                <a:solidFill>
+                  <a:srgbClr val="000000"/>
+                </a:solidFill>
+                <a:miter lim="800000"/>
+                <a:headEnd/>
+                <a:tailEnd/>
+              </a14:hiddenLine>
+            </a:ext>
+          </a:extLst>
+        </p:spPr>
+        <p:txBody>
+          <a:bodyPr>
+            <a:spAutoFit/>
+          </a:bodyPr>
+          <a:lstStyle>
+            <a:lvl1pPr eaLnBrk="0" hangingPunct="0">
+              <a:defRPr sz="2400">
+                <a:solidFill>
+                  <a:schemeClr val="tx1"/>
+                </a:solidFill>
+                <a:latin typeface="Times New Roman" pitchFamily="18" charset="0"/>
+              </a:defRPr>
+            </a:lvl1pPr>
+            <a:lvl2pPr marL="742950" indent="-285750" eaLnBrk="0" hangingPunct="0">
+              <a:defRPr sz="2400">
+                <a:solidFill>
+                  <a:schemeClr val="tx1"/>
+                </a:solidFill>
+                <a:latin typeface="Times New Roman" pitchFamily="18" charset="0"/>
+              </a:defRPr>
+            </a:lvl2pPr>
+            <a:lvl3pPr marL="1143000" indent="-228600" eaLnBrk="0" hangingPunct="0">
+              <a:defRPr sz="2400">
+                <a:solidFill>
+                  <a:schemeClr val="tx1"/>
+                </a:solidFill>
+                <a:latin typeface="Times New Roman" pitchFamily="18" charset="0"/>
+              </a:defRPr>
+            </a:lvl3pPr>
+            <a:lvl4pPr marL="1600200" indent="-228600" eaLnBrk="0" hangingPunct="0">
+              <a:defRPr sz="2400">
+                <a:solidFill>
+                  <a:schemeClr val="tx1"/>
+                </a:solidFill>
+                <a:latin typeface="Times New Roman" pitchFamily="18" charset="0"/>
+              </a:defRPr>
+            </a:lvl4pPr>
+            <a:lvl5pPr marL="2057400" indent="-228600" eaLnBrk="0" hangingPunct="0">
+              <a:defRPr sz="2400">
+                <a:solidFill>
+                  <a:schemeClr val="tx1"/>
+                </a:solidFill>
+                <a:latin typeface="Times New Roman" pitchFamily="18" charset="0"/>
+              </a:defRPr>
+            </a:lvl5pPr>
+            <a:lvl6pPr marL="2514600" indent="-228600" eaLnBrk="0" fontAlgn="base" hangingPunct="0">
+              <a:spcBef>
+                <a:spcPct val="0"/>
+              </a:spcBef>
+              <a:spcAft>
+                <a:spcPct val="0"/>
+              </a:spcAft>
+              <a:defRPr sz="2400">
+                <a:solidFill>
+                  <a:schemeClr val="tx1"/>
+                </a:solidFill>
+                <a:latin typeface="Times New Roman" pitchFamily="18" charset="0"/>
+              </a:defRPr>
+            </a:lvl6pPr>
+            <a:lvl7pPr marL="2971800" indent="-228600" eaLnBrk="0" fontAlgn="base" hangingPunct="0">
+              <a:spcBef>
+                <a:spcPct val="0"/>
+              </a:spcBef>
+              <a:spcAft>
+                <a:spcPct val="0"/>
+              </a:spcAft>
+              <a:defRPr sz="2400">
+                <a:solidFill>
+                  <a:schemeClr val="tx1"/>
+                </a:solidFill>
+                <a:latin typeface="Times New Roman" pitchFamily="18" charset="0"/>
+              </a:defRPr>
+            </a:lvl7pPr>
+            <a:lvl8pPr marL="3429000" indent="-228600" eaLnBrk="0" fontAlgn="base" hangingPunct="0">
+              <a:spcBef>
+                <a:spcPct val="0"/>
+              </a:spcBef>
+              <a:spcAft>
+                <a:spcPct val="0"/>
+              </a:spcAft>
+              <a:defRPr sz="2400">
+                <a:solidFill>
+                  <a:schemeClr val="tx1"/>
+                </a:solidFill>
+                <a:latin typeface="Times New Roman" pitchFamily="18" charset="0"/>
+              </a:defRPr>
+            </a:lvl8pPr>
+            <a:lvl9pPr marL="3886200" indent="-228600" eaLnBrk="0" fontAlgn="base" hangingPunct="0">
+              <a:spcBef>
+                <a:spcPct val="0"/>
+              </a:spcBef>
+              <a:spcAft>
+                <a:spcPct val="0"/>
+              </a:spcAft>
+              <a:defRPr sz="2400">
+                <a:solidFill>
+                  <a:schemeClr val="tx1"/>
+                </a:solidFill>
+                <a:latin typeface="Times New Roman" pitchFamily="18" charset="0"/>
+              </a:defRPr>
+            </a:lvl9pPr>
+          </a:lstStyle>
+          <a:p>
+            <a:pPr eaLnBrk="1" hangingPunct="1">
+              <a:spcBef>
+                <a:spcPct val="50000"/>
+              </a:spcBef>
+            </a:pPr>
+            <a:r>
+              <a:rPr lang="en-US" sz="1800" b="1" dirty="0">
+                <a:solidFill>
+                  <a:schemeClr val="bg1"/>
+                </a:solidFill>
+                <a:latin typeface="Arial" charset="0"/>
+              </a:rPr>
+              <a:t>Pillars</a:t>
+            </a:r>
+          </a:p>
+        </p:txBody>
+      </p:sp>
+      <p:pic>
+        <p:nvPicPr>
+          <p:cNvPr id="2" name="Picture 2" descr="Three Pillars of Observability: Do You Have All of Them? | Scalyr">
+            <a:extLst>
+              <a:ext uri="{FF2B5EF4-FFF2-40B4-BE49-F238E27FC236}">
+                <a16:creationId xmlns:a16="http://schemas.microsoft.com/office/drawing/2014/main" id="{F5E68A0B-0510-43A2-A1D1-F8FB63D9A859}"/>
+              </a:ext>
+            </a:extLst>
+          </p:cNvPr>
+          <p:cNvPicPr>
+            <a:picLocks noChangeAspect="1" noChangeArrowheads="1"/>
+          </p:cNvPicPr>
+          <p:nvPr/>
+        </p:nvPicPr>
+        <p:blipFill rotWithShape="1">
+          <a:blip r:embed="rId3">
+            <a:extLst>
+              <a:ext uri="{28A0092B-C50C-407E-A947-70E740481C1C}">
+                <a14:useLocalDpi xmlns:a14="http://schemas.microsoft.com/office/drawing/2010/main" val="0"/>
+              </a:ext>
+            </a:extLst>
+          </a:blip>
+          <a:srcRect l="1830" r="70740"/>
+          <a:stretch/>
+        </p:blipFill>
+        <p:spPr bwMode="auto">
+          <a:xfrm>
+            <a:off x="2272701" y="1939651"/>
+            <a:ext cx="1080120" cy="3937620"/>
+          </a:xfrm>
+          <a:prstGeom prst="rect">
+            <a:avLst/>
+          </a:prstGeom>
+          <a:noFill/>
+          <a:extLst>
+            <a:ext uri="{909E8E84-426E-40DD-AFC4-6F175D3DCCD1}">
+              <a14:hiddenFill xmlns:a14="http://schemas.microsoft.com/office/drawing/2010/main">
+                <a:solidFill>
+                  <a:srgbClr val="FFFFFF"/>
+                </a:solidFill>
+              </a14:hiddenFill>
+            </a:ext>
+          </a:extLst>
+        </p:spPr>
+      </p:pic>
+      <p:sp>
+        <p:nvSpPr>
+          <p:cNvPr id="3" name="Retângulo 2">
+            <a:extLst>
+              <a:ext uri="{FF2B5EF4-FFF2-40B4-BE49-F238E27FC236}">
+                <a16:creationId xmlns:a16="http://schemas.microsoft.com/office/drawing/2014/main" id="{EC8746E0-28D2-4ABC-A8F0-923CE7E53063}"/>
+              </a:ext>
+            </a:extLst>
+          </p:cNvPr>
+          <p:cNvSpPr/>
+          <p:nvPr/>
+        </p:nvSpPr>
+        <p:spPr>
+          <a:xfrm>
+            <a:off x="2056677" y="1354876"/>
+            <a:ext cx="1512168" cy="584775"/>
+          </a:xfrm>
+          <a:prstGeom prst="rect">
+            <a:avLst/>
+          </a:prstGeom>
+        </p:spPr>
+        <p:txBody>
+          <a:bodyPr wrap="square">
+            <a:spAutoFit/>
+          </a:bodyPr>
+          <a:lstStyle/>
+          <a:p>
+            <a:pPr algn="ctr"/>
+            <a:r>
+              <a:rPr lang="en-US" sz="1600" b="1" dirty="0">
+                <a:solidFill>
+                  <a:schemeClr val="accent2">
+                    <a:lumMod val="75000"/>
+                  </a:schemeClr>
+                </a:solidFill>
+                <a:latin typeface="Arial" charset="0"/>
+              </a:rPr>
+              <a:t>Development control</a:t>
+            </a:r>
+            <a:endParaRPr lang="pt-BR" sz="1600" dirty="0"/>
+          </a:p>
+        </p:txBody>
+      </p:sp>
+      <p:pic>
+        <p:nvPicPr>
+          <p:cNvPr id="13" name="Picture 2" descr="Three Pillars of Observability: Do You Have All of Them? | Scalyr">
+            <a:extLst>
+              <a:ext uri="{FF2B5EF4-FFF2-40B4-BE49-F238E27FC236}">
+                <a16:creationId xmlns:a16="http://schemas.microsoft.com/office/drawing/2014/main" id="{B4F18D7C-B483-4814-8D59-27B7C13DF48E}"/>
+              </a:ext>
+            </a:extLst>
+          </p:cNvPr>
+          <p:cNvPicPr>
+            <a:picLocks noChangeAspect="1" noChangeArrowheads="1"/>
+          </p:cNvPicPr>
+          <p:nvPr/>
+        </p:nvPicPr>
+        <p:blipFill rotWithShape="1">
+          <a:blip r:embed="rId3">
+            <a:extLst>
+              <a:ext uri="{28A0092B-C50C-407E-A947-70E740481C1C}">
+                <a14:useLocalDpi xmlns:a14="http://schemas.microsoft.com/office/drawing/2010/main" val="0"/>
+              </a:ext>
+            </a:extLst>
+          </a:blip>
+          <a:srcRect l="1830" r="70740"/>
+          <a:stretch/>
+        </p:blipFill>
+        <p:spPr bwMode="auto">
+          <a:xfrm>
+            <a:off x="3702040" y="1939651"/>
+            <a:ext cx="1080120" cy="3937620"/>
+          </a:xfrm>
+          <a:prstGeom prst="rect">
+            <a:avLst/>
+          </a:prstGeom>
+          <a:noFill/>
+          <a:extLst>
+            <a:ext uri="{909E8E84-426E-40DD-AFC4-6F175D3DCCD1}">
+              <a14:hiddenFill xmlns:a14="http://schemas.microsoft.com/office/drawing/2010/main">
+                <a:solidFill>
+                  <a:srgbClr val="FFFFFF"/>
+                </a:solidFill>
+              </a14:hiddenFill>
+            </a:ext>
+          </a:extLst>
+        </p:spPr>
+      </p:pic>
+      <p:sp>
+        <p:nvSpPr>
+          <p:cNvPr id="14" name="Retângulo 13">
+            <a:extLst>
+              <a:ext uri="{FF2B5EF4-FFF2-40B4-BE49-F238E27FC236}">
+                <a16:creationId xmlns:a16="http://schemas.microsoft.com/office/drawing/2014/main" id="{98C43986-5B12-4C3F-B622-493DA208D53A}"/>
+              </a:ext>
+            </a:extLst>
+          </p:cNvPr>
+          <p:cNvSpPr/>
+          <p:nvPr/>
+        </p:nvSpPr>
+        <p:spPr>
+          <a:xfrm>
+            <a:off x="3486016" y="1354876"/>
+            <a:ext cx="1512168" cy="584775"/>
+          </a:xfrm>
+          <a:prstGeom prst="rect">
+            <a:avLst/>
+          </a:prstGeom>
+        </p:spPr>
+        <p:txBody>
+          <a:bodyPr wrap="square">
+            <a:spAutoFit/>
+          </a:bodyPr>
+          <a:lstStyle/>
+          <a:p>
+            <a:pPr algn="ctr"/>
+            <a:r>
+              <a:rPr lang="en-US" sz="1600" b="1" dirty="0">
+                <a:solidFill>
+                  <a:schemeClr val="accent2">
+                    <a:lumMod val="75000"/>
+                  </a:schemeClr>
+                </a:solidFill>
+                <a:latin typeface="Arial" charset="0"/>
+              </a:rPr>
+              <a:t>Track evolution</a:t>
+            </a:r>
+            <a:endParaRPr lang="pt-BR" sz="1600" dirty="0"/>
+          </a:p>
+        </p:txBody>
+      </p:sp>
+      <p:sp>
+        <p:nvSpPr>
+          <p:cNvPr id="15" name="Retângulo 14">
+            <a:extLst>
+              <a:ext uri="{FF2B5EF4-FFF2-40B4-BE49-F238E27FC236}">
+                <a16:creationId xmlns:a16="http://schemas.microsoft.com/office/drawing/2014/main" id="{70937D98-B3CE-47ED-8309-F0DD6449AAD1}"/>
+              </a:ext>
+            </a:extLst>
+          </p:cNvPr>
+          <p:cNvSpPr/>
+          <p:nvPr/>
+        </p:nvSpPr>
+        <p:spPr>
+          <a:xfrm>
+            <a:off x="4818586" y="1354875"/>
+            <a:ext cx="1512168" cy="584775"/>
+          </a:xfrm>
+          <a:prstGeom prst="rect">
+            <a:avLst/>
+          </a:prstGeom>
+        </p:spPr>
+        <p:txBody>
+          <a:bodyPr wrap="square">
+            <a:spAutoFit/>
+          </a:bodyPr>
+          <a:lstStyle/>
+          <a:p>
+            <a:pPr algn="ctr"/>
+            <a:r>
+              <a:rPr lang="en-US" sz="1600" b="1" dirty="0">
+                <a:solidFill>
+                  <a:schemeClr val="accent2">
+                    <a:lumMod val="75000"/>
+                  </a:schemeClr>
+                </a:solidFill>
+                <a:latin typeface="Arial" charset="0"/>
+              </a:rPr>
+              <a:t>Assign task / bug</a:t>
+            </a:r>
+          </a:p>
+        </p:txBody>
+      </p:sp>
+      <p:pic>
+        <p:nvPicPr>
+          <p:cNvPr id="18" name="Picture 2" descr="Three Pillars of Observability: Do You Have All of Them? | Scalyr">
+            <a:extLst>
+              <a:ext uri="{FF2B5EF4-FFF2-40B4-BE49-F238E27FC236}">
+                <a16:creationId xmlns:a16="http://schemas.microsoft.com/office/drawing/2014/main" id="{6FAE52AC-38A6-40A1-B9CE-99A2B449EA07}"/>
+              </a:ext>
+            </a:extLst>
+          </p:cNvPr>
+          <p:cNvPicPr>
+            <a:picLocks noChangeAspect="1" noChangeArrowheads="1"/>
+          </p:cNvPicPr>
+          <p:nvPr/>
+        </p:nvPicPr>
+        <p:blipFill rotWithShape="1">
+          <a:blip r:embed="rId3">
+            <a:extLst>
+              <a:ext uri="{28A0092B-C50C-407E-A947-70E740481C1C}">
+                <a14:useLocalDpi xmlns:a14="http://schemas.microsoft.com/office/drawing/2010/main" val="0"/>
+              </a:ext>
+            </a:extLst>
+          </a:blip>
+          <a:srcRect l="1830" r="70740"/>
+          <a:stretch/>
+        </p:blipFill>
+        <p:spPr bwMode="auto">
+          <a:xfrm>
+            <a:off x="5028727" y="1939651"/>
+            <a:ext cx="1080120" cy="3937620"/>
+          </a:xfrm>
+          <a:prstGeom prst="rect">
+            <a:avLst/>
+          </a:prstGeom>
+          <a:noFill/>
+          <a:extLst>
+            <a:ext uri="{909E8E84-426E-40DD-AFC4-6F175D3DCCD1}">
+              <a14:hiddenFill xmlns:a14="http://schemas.microsoft.com/office/drawing/2010/main">
+                <a:solidFill>
+                  <a:srgbClr val="FFFFFF"/>
+                </a:solidFill>
+              </a14:hiddenFill>
+            </a:ext>
+          </a:extLst>
+        </p:spPr>
+      </p:pic>
+      <p:pic>
+        <p:nvPicPr>
+          <p:cNvPr id="22" name="Picture 2" descr="Three Pillars of Observability: Do You Have All of Them? | Scalyr">
+            <a:extLst>
+              <a:ext uri="{FF2B5EF4-FFF2-40B4-BE49-F238E27FC236}">
+                <a16:creationId xmlns:a16="http://schemas.microsoft.com/office/drawing/2014/main" id="{DA9F99A3-16CB-4527-AD74-60870B7C9BFE}"/>
+              </a:ext>
+            </a:extLst>
+          </p:cNvPr>
+          <p:cNvPicPr>
+            <a:picLocks noChangeAspect="1" noChangeArrowheads="1"/>
+          </p:cNvPicPr>
+          <p:nvPr/>
+        </p:nvPicPr>
+        <p:blipFill rotWithShape="1">
+          <a:blip r:embed="rId3">
+            <a:extLst>
+              <a:ext uri="{28A0092B-C50C-407E-A947-70E740481C1C}">
+                <a14:useLocalDpi xmlns:a14="http://schemas.microsoft.com/office/drawing/2010/main" val="0"/>
+              </a:ext>
+            </a:extLst>
+          </a:blip>
+          <a:srcRect l="1830" r="70740"/>
+          <a:stretch/>
+        </p:blipFill>
+        <p:spPr bwMode="auto">
+          <a:xfrm>
+            <a:off x="6336234" y="1939650"/>
+            <a:ext cx="1080120" cy="3937620"/>
+          </a:xfrm>
+          <a:prstGeom prst="rect">
+            <a:avLst/>
+          </a:prstGeom>
+          <a:noFill/>
+          <a:extLst>
+            <a:ext uri="{909E8E84-426E-40DD-AFC4-6F175D3DCCD1}">
+              <a14:hiddenFill xmlns:a14="http://schemas.microsoft.com/office/drawing/2010/main">
+                <a:solidFill>
+                  <a:srgbClr val="FFFFFF"/>
+                </a:solidFill>
+              </a14:hiddenFill>
+            </a:ext>
+          </a:extLst>
+        </p:spPr>
+      </p:pic>
+      <p:sp>
+        <p:nvSpPr>
+          <p:cNvPr id="23" name="Retângulo 22">
+            <a:extLst>
+              <a:ext uri="{FF2B5EF4-FFF2-40B4-BE49-F238E27FC236}">
+                <a16:creationId xmlns:a16="http://schemas.microsoft.com/office/drawing/2014/main" id="{D089DB7F-D06D-4167-944F-00EBEF093E6B}"/>
+              </a:ext>
+            </a:extLst>
+          </p:cNvPr>
+          <p:cNvSpPr/>
+          <p:nvPr/>
+        </p:nvSpPr>
+        <p:spPr>
+          <a:xfrm>
+            <a:off x="6120210" y="1354874"/>
+            <a:ext cx="1512168" cy="584775"/>
+          </a:xfrm>
+          <a:prstGeom prst="rect">
+            <a:avLst/>
+          </a:prstGeom>
+        </p:spPr>
+        <p:txBody>
+          <a:bodyPr wrap="square">
+            <a:spAutoFit/>
+          </a:bodyPr>
+          <a:lstStyle/>
+          <a:p>
+            <a:pPr algn="ctr"/>
+            <a:r>
+              <a:rPr lang="en-US" sz="1600" b="1" dirty="0">
+                <a:solidFill>
+                  <a:schemeClr val="accent2">
+                    <a:lumMod val="75000"/>
+                  </a:schemeClr>
+                </a:solidFill>
+                <a:latin typeface="Arial" charset="0"/>
+              </a:rPr>
+              <a:t>Version Control</a:t>
+            </a:r>
+          </a:p>
+        </p:txBody>
+      </p:sp>
+      <p:sp>
+        <p:nvSpPr>
+          <p:cNvPr id="24" name="Retângulo 39">
+            <a:extLst>
+              <a:ext uri="{FF2B5EF4-FFF2-40B4-BE49-F238E27FC236}">
+                <a16:creationId xmlns:a16="http://schemas.microsoft.com/office/drawing/2014/main" id="{064E18A3-4670-42D3-B155-D7D413846EF0}"/>
+              </a:ext>
+            </a:extLst>
+          </p:cNvPr>
+          <p:cNvSpPr>
+            <a:spLocks noChangeArrowheads="1"/>
+          </p:cNvSpPr>
+          <p:nvPr/>
+        </p:nvSpPr>
+        <p:spPr bwMode="auto">
+          <a:xfrm>
+            <a:off x="48825" y="727246"/>
+            <a:ext cx="1858881" cy="584775"/>
+          </a:xfrm>
+          <a:prstGeom prst="rect">
+            <a:avLst/>
+          </a:prstGeom>
+          <a:noFill/>
+          <a:ln>
+            <a:noFill/>
+          </a:ln>
+          <a:extLst>
+            <a:ext uri="{909E8E84-426E-40DD-AFC4-6F175D3DCCD1}">
+              <a14:hiddenFill xmlns:a14="http://schemas.microsoft.com/office/drawing/2010/main">
+                <a:solidFill>
+                  <a:srgbClr val="FFFFFF"/>
+                </a:solidFill>
+              </a14:hiddenFill>
+            </a:ext>
+            <a:ext uri="{91240B29-F687-4F45-9708-019B960494DF}">
+              <a14:hiddenLine xmlns:a14="http://schemas.microsoft.com/office/drawing/2010/main" w="9525">
+                <a:solidFill>
+                  <a:srgbClr val="000000"/>
+                </a:solidFill>
+                <a:miter lim="800000"/>
+                <a:headEnd/>
+                <a:tailEnd/>
+              </a14:hiddenLine>
+            </a:ext>
+          </a:extLst>
+        </p:spPr>
+        <p:txBody>
+          <a:bodyPr wrap="square">
+            <a:spAutoFit/>
+          </a:bodyPr>
+          <a:lstStyle/>
+          <a:p>
+            <a:pPr algn="r">
+              <a:spcBef>
+                <a:spcPct val="50000"/>
+              </a:spcBef>
+            </a:pPr>
+            <a:r>
+              <a:rPr lang="de-DE" sz="1600" b="1" dirty="0">
+                <a:solidFill>
+                  <a:srgbClr val="FF0000"/>
+                </a:solidFill>
+                <a:latin typeface="Arial" charset="0"/>
+              </a:rPr>
+              <a:t>What is important?</a:t>
+            </a:r>
+            <a:endParaRPr lang="de-DE" sz="1600" b="1" dirty="0">
+              <a:latin typeface="Arial" charset="0"/>
+            </a:endParaRPr>
+          </a:p>
+        </p:txBody>
+      </p:sp>
+      <p:pic>
+        <p:nvPicPr>
+          <p:cNvPr id="25" name="Picture 2" descr="Three Pillars of Observability: Do You Have All of Them? | Scalyr">
+            <a:extLst>
+              <a:ext uri="{FF2B5EF4-FFF2-40B4-BE49-F238E27FC236}">
+                <a16:creationId xmlns:a16="http://schemas.microsoft.com/office/drawing/2014/main" id="{86BCAB26-0F02-46D8-B923-12E253A4F5CF}"/>
+              </a:ext>
+            </a:extLst>
+          </p:cNvPr>
+          <p:cNvPicPr>
+            <a:picLocks noChangeAspect="1" noChangeArrowheads="1"/>
+          </p:cNvPicPr>
+          <p:nvPr/>
+        </p:nvPicPr>
+        <p:blipFill rotWithShape="1">
+          <a:blip r:embed="rId3">
+            <a:extLst>
+              <a:ext uri="{28A0092B-C50C-407E-A947-70E740481C1C}">
+                <a14:useLocalDpi xmlns:a14="http://schemas.microsoft.com/office/drawing/2010/main" val="0"/>
+              </a:ext>
+            </a:extLst>
+          </a:blip>
+          <a:srcRect l="1830" r="70740"/>
+          <a:stretch/>
+        </p:blipFill>
+        <p:spPr bwMode="auto">
+          <a:xfrm>
+            <a:off x="7736903" y="1939652"/>
+            <a:ext cx="1080120" cy="3937620"/>
+          </a:xfrm>
+          <a:prstGeom prst="rect">
+            <a:avLst/>
+          </a:prstGeom>
+          <a:noFill/>
+          <a:extLst>
+            <a:ext uri="{909E8E84-426E-40DD-AFC4-6F175D3DCCD1}">
+              <a14:hiddenFill xmlns:a14="http://schemas.microsoft.com/office/drawing/2010/main">
+                <a:solidFill>
+                  <a:srgbClr val="FFFFFF"/>
+                </a:solidFill>
+              </a14:hiddenFill>
+            </a:ext>
+          </a:extLst>
+        </p:spPr>
+      </p:pic>
+      <p:sp>
+        <p:nvSpPr>
+          <p:cNvPr id="26" name="Retângulo 25">
+            <a:extLst>
+              <a:ext uri="{FF2B5EF4-FFF2-40B4-BE49-F238E27FC236}">
+                <a16:creationId xmlns:a16="http://schemas.microsoft.com/office/drawing/2014/main" id="{D482A5B5-AF9D-4E93-9AB9-6C38AA4DF594}"/>
+              </a:ext>
+            </a:extLst>
+          </p:cNvPr>
+          <p:cNvSpPr/>
+          <p:nvPr/>
+        </p:nvSpPr>
+        <p:spPr>
+          <a:xfrm>
+            <a:off x="7409928" y="1354876"/>
+            <a:ext cx="1734071" cy="338554"/>
+          </a:xfrm>
+          <a:prstGeom prst="rect">
+            <a:avLst/>
+          </a:prstGeom>
+        </p:spPr>
+        <p:txBody>
+          <a:bodyPr wrap="square">
+            <a:spAutoFit/>
+          </a:bodyPr>
+          <a:lstStyle/>
+          <a:p>
+            <a:pPr algn="ctr"/>
+            <a:r>
+              <a:rPr lang="en-US" sz="1600" b="1" dirty="0">
+                <a:solidFill>
+                  <a:schemeClr val="accent2">
+                    <a:lumMod val="75000"/>
+                  </a:schemeClr>
+                </a:solidFill>
+                <a:latin typeface="Arial" charset="0"/>
+              </a:rPr>
+              <a:t>Communication</a:t>
+            </a:r>
+          </a:p>
+        </p:txBody>
+      </p:sp>
+    </p:spTree>
+    <p:extLst>
+      <p:ext uri="{BB962C8B-B14F-4D97-AF65-F5344CB8AC3E}">
+        <p14:creationId xmlns:p14="http://schemas.microsoft.com/office/powerpoint/2010/main" val="4220590401"/>
+      </p:ext>
+    </p:extLst>
+  </p:cSld>
+  <p:clrMapOvr>
+    <a:masterClrMapping/>
+  </p:clrMapOvr>
+  <mc:AlternateContent xmlns:mc="http://schemas.openxmlformats.org/markup-compatibility/2006" xmlns:p14="http://schemas.microsoft.com/office/powerpoint/2010/main">
+    <mc:Choice Requires="p14">
+      <p:transition p14:dur="400">
+        <p:fade/>
+      </p:transition>
+    </mc:Choice>
+    <mc:Fallback xmlns="">
+      <p:transition>
+        <p:fade/>
+      </p:transition>
+    </mc:Fallback>
+  </mc:AlternateContent>
+</p:sld>
+</file>
+
+<file path=ppt/slides/slide4.xml><?xml version="1.0" encoding="utf-8"?>
+<p:sld xmlns:a="http://schemas.openxmlformats.org/drawingml/2006/main" xmlns:r="http://schemas.openxmlformats.org/officeDocument/2006/relationships" xmlns:p="http://schemas.openxmlformats.org/presentationml/2006/main">
+  <p:cSld>
+    <p:spTree>
+      <p:nvGrpSpPr>
+        <p:cNvPr id="1" name=""/>
+        <p:cNvGrpSpPr/>
+        <p:nvPr/>
+      </p:nvGrpSpPr>
+      <p:grpSpPr>
+        <a:xfrm>
+          <a:off x="0" y="0"/>
+          <a:ext cx="0" cy="0"/>
+          <a:chOff x="0" y="0"/>
+          <a:chExt cx="0" cy="0"/>
+        </a:xfrm>
+      </p:grpSpPr>
+      <p:sp>
+        <p:nvSpPr>
+          <p:cNvPr id="7" name="Text Box 2"/>
+          <p:cNvSpPr txBox="1">
+            <a:spLocks noChangeArrowheads="1"/>
+          </p:cNvSpPr>
+          <p:nvPr/>
+        </p:nvSpPr>
+        <p:spPr bwMode="auto">
+          <a:xfrm>
+            <a:off x="76200" y="76202"/>
+            <a:ext cx="8915400" cy="366713"/>
+          </a:xfrm>
+          <a:prstGeom prst="rect">
+            <a:avLst/>
+          </a:prstGeom>
+          <a:noFill/>
+          <a:ln>
+            <a:noFill/>
+          </a:ln>
+          <a:extLst>
+            <a:ext uri="{909E8E84-426E-40DD-AFC4-6F175D3DCCD1}">
+              <a14:hiddenFill xmlns:a14="http://schemas.microsoft.com/office/drawing/2010/main">
+                <a:solidFill>
+                  <a:srgbClr val="FFFFFF"/>
+                </a:solidFill>
+              </a14:hiddenFill>
+            </a:ext>
+            <a:ext uri="{91240B29-F687-4F45-9708-019B960494DF}">
+              <a14:hiddenLine xmlns:a14="http://schemas.microsoft.com/office/drawing/2010/main" w="9525">
+                <a:solidFill>
+                  <a:srgbClr val="000000"/>
+                </a:solidFill>
+                <a:miter lim="800000"/>
+                <a:headEnd/>
+                <a:tailEnd/>
+              </a14:hiddenLine>
+            </a:ext>
+          </a:extLst>
+        </p:spPr>
+        <p:txBody>
+          <a:bodyPr>
+            <a:spAutoFit/>
+          </a:bodyPr>
+          <a:lstStyle>
+            <a:lvl1pPr eaLnBrk="0" hangingPunct="0">
+              <a:defRPr sz="2400">
+                <a:solidFill>
+                  <a:schemeClr val="tx1"/>
+                </a:solidFill>
+                <a:latin typeface="Times New Roman" pitchFamily="18" charset="0"/>
+              </a:defRPr>
+            </a:lvl1pPr>
+            <a:lvl2pPr marL="742950" indent="-285750" eaLnBrk="0" hangingPunct="0">
+              <a:defRPr sz="2400">
+                <a:solidFill>
+                  <a:schemeClr val="tx1"/>
+                </a:solidFill>
+                <a:latin typeface="Times New Roman" pitchFamily="18" charset="0"/>
+              </a:defRPr>
+            </a:lvl2pPr>
+            <a:lvl3pPr marL="1143000" indent="-228600" eaLnBrk="0" hangingPunct="0">
+              <a:defRPr sz="2400">
+                <a:solidFill>
+                  <a:schemeClr val="tx1"/>
+                </a:solidFill>
+                <a:latin typeface="Times New Roman" pitchFamily="18" charset="0"/>
+              </a:defRPr>
+            </a:lvl3pPr>
+            <a:lvl4pPr marL="1600200" indent="-228600" eaLnBrk="0" hangingPunct="0">
+              <a:defRPr sz="2400">
+                <a:solidFill>
+                  <a:schemeClr val="tx1"/>
+                </a:solidFill>
+                <a:latin typeface="Times New Roman" pitchFamily="18" charset="0"/>
+              </a:defRPr>
+            </a:lvl4pPr>
+            <a:lvl5pPr marL="2057400" indent="-228600" eaLnBrk="0" hangingPunct="0">
+              <a:defRPr sz="2400">
+                <a:solidFill>
+                  <a:schemeClr val="tx1"/>
+                </a:solidFill>
+                <a:latin typeface="Times New Roman" pitchFamily="18" charset="0"/>
+              </a:defRPr>
+            </a:lvl5pPr>
+            <a:lvl6pPr marL="2514600" indent="-228600" eaLnBrk="0" fontAlgn="base" hangingPunct="0">
+              <a:spcBef>
+                <a:spcPct val="0"/>
+              </a:spcBef>
+              <a:spcAft>
+                <a:spcPct val="0"/>
+              </a:spcAft>
+              <a:defRPr sz="2400">
+                <a:solidFill>
+                  <a:schemeClr val="tx1"/>
+                </a:solidFill>
+                <a:latin typeface="Times New Roman" pitchFamily="18" charset="0"/>
+              </a:defRPr>
+            </a:lvl6pPr>
+            <a:lvl7pPr marL="2971800" indent="-228600" eaLnBrk="0" fontAlgn="base" hangingPunct="0">
+              <a:spcBef>
+                <a:spcPct val="0"/>
+              </a:spcBef>
+              <a:spcAft>
+                <a:spcPct val="0"/>
+              </a:spcAft>
+              <a:defRPr sz="2400">
+                <a:solidFill>
+                  <a:schemeClr val="tx1"/>
+                </a:solidFill>
+                <a:latin typeface="Times New Roman" pitchFamily="18" charset="0"/>
+              </a:defRPr>
+            </a:lvl7pPr>
+            <a:lvl8pPr marL="3429000" indent="-228600" eaLnBrk="0" fontAlgn="base" hangingPunct="0">
+              <a:spcBef>
+                <a:spcPct val="0"/>
+              </a:spcBef>
+              <a:spcAft>
+                <a:spcPct val="0"/>
+              </a:spcAft>
+              <a:defRPr sz="2400">
+                <a:solidFill>
+                  <a:schemeClr val="tx1"/>
+                </a:solidFill>
+                <a:latin typeface="Times New Roman" pitchFamily="18" charset="0"/>
+              </a:defRPr>
+            </a:lvl8pPr>
+            <a:lvl9pPr marL="3886200" indent="-228600" eaLnBrk="0" fontAlgn="base" hangingPunct="0">
+              <a:spcBef>
+                <a:spcPct val="0"/>
+              </a:spcBef>
+              <a:spcAft>
+                <a:spcPct val="0"/>
+              </a:spcAft>
+              <a:defRPr sz="2400">
+                <a:solidFill>
+                  <a:schemeClr val="tx1"/>
+                </a:solidFill>
+                <a:latin typeface="Times New Roman" pitchFamily="18" charset="0"/>
+              </a:defRPr>
+            </a:lvl9pPr>
+          </a:lstStyle>
+          <a:p>
+            <a:pPr eaLnBrk="1" hangingPunct="1">
+              <a:spcBef>
+                <a:spcPct val="50000"/>
+              </a:spcBef>
+            </a:pPr>
+            <a:r>
+              <a:rPr lang="en-US" sz="1800" b="1" dirty="0">
+                <a:solidFill>
+                  <a:schemeClr val="bg1"/>
+                </a:solidFill>
+                <a:latin typeface="Arial" charset="0"/>
+              </a:rPr>
+              <a:t>Tools</a:t>
+            </a:r>
+            <a:endParaRPr lang="en-US" sz="1600" b="1" dirty="0">
+              <a:solidFill>
+                <a:srgbClr val="FFCC66"/>
+              </a:solidFill>
+              <a:latin typeface="Arial" charset="0"/>
+            </a:endParaRPr>
+          </a:p>
+        </p:txBody>
+      </p:sp>
+      <p:sp>
+        <p:nvSpPr>
+          <p:cNvPr id="9" name="Retângulo 39">
+            <a:extLst>
+              <a:ext uri="{FF2B5EF4-FFF2-40B4-BE49-F238E27FC236}">
+                <a16:creationId xmlns:a16="http://schemas.microsoft.com/office/drawing/2014/main" id="{240D9EE0-3FCC-4C9A-9ECF-BE03E738540B}"/>
+              </a:ext>
+            </a:extLst>
+          </p:cNvPr>
+          <p:cNvSpPr>
+            <a:spLocks noChangeArrowheads="1"/>
+          </p:cNvSpPr>
+          <p:nvPr/>
+        </p:nvSpPr>
+        <p:spPr bwMode="auto">
+          <a:xfrm>
+            <a:off x="48825" y="727246"/>
+            <a:ext cx="1858881" cy="1815882"/>
+          </a:xfrm>
+          <a:prstGeom prst="rect">
+            <a:avLst/>
+          </a:prstGeom>
+          <a:noFill/>
+          <a:ln>
+            <a:noFill/>
+          </a:ln>
+          <a:extLst>
+            <a:ext uri="{909E8E84-426E-40DD-AFC4-6F175D3DCCD1}">
+              <a14:hiddenFill xmlns:a14="http://schemas.microsoft.com/office/drawing/2010/main">
+                <a:solidFill>
+                  <a:srgbClr val="FFFFFF"/>
+                </a:solidFill>
+              </a14:hiddenFill>
+            </a:ext>
+            <a:ext uri="{91240B29-F687-4F45-9708-019B960494DF}">
+              <a14:hiddenLine xmlns:a14="http://schemas.microsoft.com/office/drawing/2010/main" w="9525">
+                <a:solidFill>
+                  <a:srgbClr val="000000"/>
+                </a:solidFill>
+                <a:miter lim="800000"/>
+                <a:headEnd/>
+                <a:tailEnd/>
+              </a14:hiddenLine>
+            </a:ext>
+          </a:extLst>
+        </p:spPr>
+        <p:txBody>
+          <a:bodyPr wrap="square">
+            <a:spAutoFit/>
+          </a:bodyPr>
+          <a:lstStyle/>
+          <a:p>
+            <a:pPr algn="r">
+              <a:spcBef>
+                <a:spcPct val="50000"/>
+              </a:spcBef>
+            </a:pPr>
+            <a:r>
+              <a:rPr lang="de-DE" sz="1600" b="1" dirty="0">
+                <a:solidFill>
+                  <a:srgbClr val="FF0000"/>
+                </a:solidFill>
+                <a:latin typeface="Arial" charset="0"/>
+              </a:rPr>
+              <a:t>JIRA</a:t>
+            </a:r>
+            <a:endParaRPr lang="de-DE" sz="1600" b="1" dirty="0">
+              <a:latin typeface="Arial" charset="0"/>
+            </a:endParaRPr>
+          </a:p>
+          <a:p>
+            <a:pPr algn="r">
+              <a:spcBef>
+                <a:spcPct val="50000"/>
+              </a:spcBef>
+            </a:pPr>
+            <a:endParaRPr lang="de-DE" sz="1600" b="1" dirty="0">
+              <a:solidFill>
+                <a:srgbClr val="FF0000"/>
+              </a:solidFill>
+              <a:latin typeface="Arial" charset="0"/>
+            </a:endParaRPr>
+          </a:p>
+          <a:p>
+            <a:pPr algn="r">
+              <a:spcBef>
+                <a:spcPct val="50000"/>
+              </a:spcBef>
+            </a:pPr>
+            <a:r>
+              <a:rPr lang="de-DE" sz="1600" b="1" dirty="0">
+                <a:solidFill>
+                  <a:srgbClr val="FF0000"/>
+                </a:solidFill>
+                <a:latin typeface="Arial" charset="0"/>
+              </a:rPr>
+              <a:t>Git</a:t>
+            </a:r>
+          </a:p>
+          <a:p>
+            <a:pPr algn="r">
+              <a:spcBef>
+                <a:spcPct val="50000"/>
+              </a:spcBef>
+            </a:pPr>
+            <a:endParaRPr lang="de-DE" sz="1600" b="1" dirty="0">
+              <a:solidFill>
+                <a:srgbClr val="FF0000"/>
+              </a:solidFill>
+              <a:latin typeface="Arial" charset="0"/>
+            </a:endParaRPr>
+          </a:p>
+          <a:p>
+            <a:pPr algn="r">
+              <a:spcBef>
+                <a:spcPct val="50000"/>
+              </a:spcBef>
+            </a:pPr>
+            <a:r>
+              <a:rPr lang="de-DE" sz="1600" b="1" dirty="0">
+                <a:solidFill>
+                  <a:srgbClr val="FF0000"/>
+                </a:solidFill>
+                <a:latin typeface="Arial" charset="0"/>
+              </a:rPr>
+              <a:t>Teams</a:t>
+            </a:r>
+          </a:p>
+        </p:txBody>
+      </p:sp>
+      <p:pic>
+        <p:nvPicPr>
+          <p:cNvPr id="2052" name="Picture 4" descr="Servidores JIRA mal configurados vazam informações sobre usuários ...">
+            <a:extLst>
+              <a:ext uri="{FF2B5EF4-FFF2-40B4-BE49-F238E27FC236}">
+                <a16:creationId xmlns:a16="http://schemas.microsoft.com/office/drawing/2014/main" id="{68FFBCE6-7A93-4D33-82FD-304793915FDA}"/>
+              </a:ext>
+            </a:extLst>
+          </p:cNvPr>
+          <p:cNvPicPr>
+            <a:picLocks noChangeAspect="1" noChangeArrowheads="1"/>
+          </p:cNvPicPr>
+          <p:nvPr/>
+        </p:nvPicPr>
+        <p:blipFill>
+          <a:blip r:embed="rId3">
+            <a:extLst>
+              <a:ext uri="{28A0092B-C50C-407E-A947-70E740481C1C}">
+                <a14:useLocalDpi xmlns:a14="http://schemas.microsoft.com/office/drawing/2010/main" val="0"/>
+              </a:ext>
+            </a:extLst>
+          </a:blip>
+          <a:srcRect/>
+          <a:stretch>
+            <a:fillRect/>
+          </a:stretch>
+        </p:blipFill>
+        <p:spPr bwMode="auto">
+          <a:xfrm>
+            <a:off x="2123728" y="760038"/>
+            <a:ext cx="3419475" cy="1333500"/>
+          </a:xfrm>
+          <a:prstGeom prst="rect">
+            <a:avLst/>
+          </a:prstGeom>
+          <a:noFill/>
+          <a:extLst>
+            <a:ext uri="{909E8E84-426E-40DD-AFC4-6F175D3DCCD1}">
+              <a14:hiddenFill xmlns:a14="http://schemas.microsoft.com/office/drawing/2010/main">
+                <a:solidFill>
+                  <a:srgbClr val="FFFFFF"/>
+                </a:solidFill>
+              </a14:hiddenFill>
+            </a:ext>
+          </a:extLst>
+        </p:spPr>
+      </p:pic>
+      <p:pic>
+        <p:nvPicPr>
+          <p:cNvPr id="2054" name="Picture 6" descr="Git – Wikipédia, a enciclopédia livre">
+            <a:extLst>
+              <a:ext uri="{FF2B5EF4-FFF2-40B4-BE49-F238E27FC236}">
+                <a16:creationId xmlns:a16="http://schemas.microsoft.com/office/drawing/2014/main" id="{52619E40-EC9E-47CB-AB4D-C9B4B3FBFE23}"/>
+              </a:ext>
+            </a:extLst>
+          </p:cNvPr>
+          <p:cNvPicPr>
+            <a:picLocks noChangeAspect="1" noChangeArrowheads="1"/>
+          </p:cNvPicPr>
+          <p:nvPr/>
+        </p:nvPicPr>
+        <p:blipFill>
+          <a:blip r:embed="rId4" cstate="print">
+            <a:extLst>
+              <a:ext uri="{28A0092B-C50C-407E-A947-70E740481C1C}">
+                <a14:useLocalDpi xmlns:a14="http://schemas.microsoft.com/office/drawing/2010/main" val="0"/>
+              </a:ext>
+            </a:extLst>
+          </a:blip>
+          <a:srcRect/>
+          <a:stretch>
+            <a:fillRect/>
+          </a:stretch>
+        </p:blipFill>
+        <p:spPr bwMode="auto">
+          <a:xfrm>
+            <a:off x="5148064" y="2543128"/>
+            <a:ext cx="3664339" cy="1529988"/>
+          </a:xfrm>
+          <a:prstGeom prst="rect">
+            <a:avLst/>
+          </a:prstGeom>
+          <a:noFill/>
+          <a:extLst>
+            <a:ext uri="{909E8E84-426E-40DD-AFC4-6F175D3DCCD1}">
+              <a14:hiddenFill xmlns:a14="http://schemas.microsoft.com/office/drawing/2010/main">
+                <a:solidFill>
+                  <a:srgbClr val="FFFFFF"/>
+                </a:solidFill>
+              </a14:hiddenFill>
+            </a:ext>
+          </a:extLst>
+        </p:spPr>
+      </p:pic>
+      <p:pic>
+        <p:nvPicPr>
+          <p:cNvPr id="2056" name="Picture 8" descr="Microsoft Teams – Wikipédia, a enciclopédia livre">
+            <a:extLst>
+              <a:ext uri="{FF2B5EF4-FFF2-40B4-BE49-F238E27FC236}">
+                <a16:creationId xmlns:a16="http://schemas.microsoft.com/office/drawing/2014/main" id="{E1AB147B-2F7A-4E81-9082-5B3BD6B66B62}"/>
+              </a:ext>
+            </a:extLst>
+          </p:cNvPr>
+          <p:cNvPicPr>
+            <a:picLocks noChangeAspect="1" noChangeArrowheads="1"/>
+          </p:cNvPicPr>
+          <p:nvPr/>
+        </p:nvPicPr>
+        <p:blipFill>
+          <a:blip r:embed="rId5" cstate="print">
+            <a:extLst>
+              <a:ext uri="{28A0092B-C50C-407E-A947-70E740481C1C}">
+                <a14:useLocalDpi xmlns:a14="http://schemas.microsoft.com/office/drawing/2010/main" val="0"/>
+              </a:ext>
+            </a:extLst>
+          </a:blip>
+          <a:srcRect/>
+          <a:stretch>
+            <a:fillRect/>
+          </a:stretch>
+        </p:blipFill>
+        <p:spPr bwMode="auto">
+          <a:xfrm>
+            <a:off x="2483768" y="3911623"/>
+            <a:ext cx="2472576" cy="2299576"/>
+          </a:xfrm>
+          <a:prstGeom prst="rect">
+            <a:avLst/>
+          </a:prstGeom>
+          <a:noFill/>
+          <a:extLst>
+            <a:ext uri="{909E8E84-426E-40DD-AFC4-6F175D3DCCD1}">
+              <a14:hiddenFill xmlns:a14="http://schemas.microsoft.com/office/drawing/2010/main">
+                <a:solidFill>
+                  <a:srgbClr val="FFFFFF"/>
+                </a:solidFill>
+              </a14:hiddenFill>
+            </a:ext>
+          </a:extLst>
+        </p:spPr>
+      </p:pic>
+    </p:spTree>
+    <p:extLst>
+      <p:ext uri="{BB962C8B-B14F-4D97-AF65-F5344CB8AC3E}">
+        <p14:creationId xmlns:p14="http://schemas.microsoft.com/office/powerpoint/2010/main" val="2935772935"/>
+      </p:ext>
+    </p:extLst>
+  </p:cSld>
+  <p:clrMapOvr>
+    <a:masterClrMapping/>
+  </p:clrMapOvr>
+  <mc:AlternateContent xmlns:mc="http://schemas.openxmlformats.org/markup-compatibility/2006" xmlns:p14="http://schemas.microsoft.com/office/powerpoint/2010/main">
+    <mc:Choice Requires="p14">
+      <p:transition p14:dur="400">
+        <p:fade/>
+      </p:transition>
+    </mc:Choice>
+    <mc:Fallback xmlns="">
+      <p:transition>
+        <p:fade/>
+      </p:transition>
+    </mc:Fallback>
+  </mc:AlternateContent>
+</p:sld>
+</file>
+
+<file path=ppt/slides/slide5.xml><?xml version="1.0" encoding="utf-8"?>
+<p:sld xmlns:a="http://schemas.openxmlformats.org/drawingml/2006/main" xmlns:r="http://schemas.openxmlformats.org/officeDocument/2006/relationships" xmlns:p="http://schemas.openxmlformats.org/presentationml/2006/main">
+  <p:cSld>
+    <p:spTree>
+      <p:nvGrpSpPr>
+        <p:cNvPr id="1" name=""/>
+        <p:cNvGrpSpPr/>
+        <p:nvPr/>
+      </p:nvGrpSpPr>
+      <p:grpSpPr>
+        <a:xfrm>
+          <a:off x="0" y="0"/>
+          <a:ext cx="0" cy="0"/>
+          <a:chOff x="0" y="0"/>
+          <a:chExt cx="0" cy="0"/>
+        </a:xfrm>
+      </p:grpSpPr>
+      <p:sp>
+        <p:nvSpPr>
+          <p:cNvPr id="7" name="Text Box 2"/>
+          <p:cNvSpPr txBox="1">
+            <a:spLocks noChangeArrowheads="1"/>
+          </p:cNvSpPr>
+          <p:nvPr/>
+        </p:nvSpPr>
+        <p:spPr bwMode="auto">
+          <a:xfrm>
+            <a:off x="76200" y="76202"/>
+            <a:ext cx="8915400" cy="366713"/>
+          </a:xfrm>
+          <a:prstGeom prst="rect">
+            <a:avLst/>
+          </a:prstGeom>
+          <a:noFill/>
+          <a:ln>
+            <a:noFill/>
+          </a:ln>
+          <a:extLst>
+            <a:ext uri="{909E8E84-426E-40DD-AFC4-6F175D3DCCD1}">
+              <a14:hiddenFill xmlns:a14="http://schemas.microsoft.com/office/drawing/2010/main">
+                <a:solidFill>
+                  <a:srgbClr val="FFFFFF"/>
+                </a:solidFill>
+              </a14:hiddenFill>
+            </a:ext>
+            <a:ext uri="{91240B29-F687-4F45-9708-019B960494DF}">
+              <a14:hiddenLine xmlns:a14="http://schemas.microsoft.com/office/drawing/2010/main" w="9525">
+                <a:solidFill>
+                  <a:srgbClr val="000000"/>
+                </a:solidFill>
+                <a:miter lim="800000"/>
+                <a:headEnd/>
+                <a:tailEnd/>
+              </a14:hiddenLine>
+            </a:ext>
+          </a:extLst>
+        </p:spPr>
+        <p:txBody>
+          <a:bodyPr>
+            <a:spAutoFit/>
+          </a:bodyPr>
+          <a:lstStyle>
+            <a:lvl1pPr eaLnBrk="0" hangingPunct="0">
+              <a:defRPr sz="2400">
+                <a:solidFill>
+                  <a:schemeClr val="tx1"/>
+                </a:solidFill>
+                <a:latin typeface="Times New Roman" pitchFamily="18" charset="0"/>
+              </a:defRPr>
+            </a:lvl1pPr>
+            <a:lvl2pPr marL="742950" indent="-285750" eaLnBrk="0" hangingPunct="0">
+              <a:defRPr sz="2400">
+                <a:solidFill>
+                  <a:schemeClr val="tx1"/>
+                </a:solidFill>
+                <a:latin typeface="Times New Roman" pitchFamily="18" charset="0"/>
+              </a:defRPr>
+            </a:lvl2pPr>
+            <a:lvl3pPr marL="1143000" indent="-228600" eaLnBrk="0" hangingPunct="0">
+              <a:defRPr sz="2400">
+                <a:solidFill>
+                  <a:schemeClr val="tx1"/>
+                </a:solidFill>
+                <a:latin typeface="Times New Roman" pitchFamily="18" charset="0"/>
+              </a:defRPr>
+            </a:lvl3pPr>
+            <a:lvl4pPr marL="1600200" indent="-228600" eaLnBrk="0" hangingPunct="0">
+              <a:defRPr sz="2400">
+                <a:solidFill>
+                  <a:schemeClr val="tx1"/>
+                </a:solidFill>
+                <a:latin typeface="Times New Roman" pitchFamily="18" charset="0"/>
+              </a:defRPr>
+            </a:lvl4pPr>
+            <a:lvl5pPr marL="2057400" indent="-228600" eaLnBrk="0" hangingPunct="0">
+              <a:defRPr sz="2400">
+                <a:solidFill>
+                  <a:schemeClr val="tx1"/>
+                </a:solidFill>
+                <a:latin typeface="Times New Roman" pitchFamily="18" charset="0"/>
+              </a:defRPr>
+            </a:lvl5pPr>
+            <a:lvl6pPr marL="2514600" indent="-228600" eaLnBrk="0" fontAlgn="base" hangingPunct="0">
+              <a:spcBef>
+                <a:spcPct val="0"/>
+              </a:spcBef>
+              <a:spcAft>
+                <a:spcPct val="0"/>
+              </a:spcAft>
+              <a:defRPr sz="2400">
+                <a:solidFill>
+                  <a:schemeClr val="tx1"/>
+                </a:solidFill>
+                <a:latin typeface="Times New Roman" pitchFamily="18" charset="0"/>
+              </a:defRPr>
+            </a:lvl6pPr>
+            <a:lvl7pPr marL="2971800" indent="-228600" eaLnBrk="0" fontAlgn="base" hangingPunct="0">
+              <a:spcBef>
+                <a:spcPct val="0"/>
+              </a:spcBef>
+              <a:spcAft>
+                <a:spcPct val="0"/>
+              </a:spcAft>
+              <a:defRPr sz="2400">
+                <a:solidFill>
+                  <a:schemeClr val="tx1"/>
+                </a:solidFill>
+                <a:latin typeface="Times New Roman" pitchFamily="18" charset="0"/>
+              </a:defRPr>
+            </a:lvl7pPr>
+            <a:lvl8pPr marL="3429000" indent="-228600" eaLnBrk="0" fontAlgn="base" hangingPunct="0">
+              <a:spcBef>
+                <a:spcPct val="0"/>
+              </a:spcBef>
+              <a:spcAft>
+                <a:spcPct val="0"/>
+              </a:spcAft>
+              <a:defRPr sz="2400">
+                <a:solidFill>
+                  <a:schemeClr val="tx1"/>
+                </a:solidFill>
+                <a:latin typeface="Times New Roman" pitchFamily="18" charset="0"/>
+              </a:defRPr>
+            </a:lvl8pPr>
+            <a:lvl9pPr marL="3886200" indent="-228600" eaLnBrk="0" fontAlgn="base" hangingPunct="0">
+              <a:spcBef>
+                <a:spcPct val="0"/>
+              </a:spcBef>
+              <a:spcAft>
+                <a:spcPct val="0"/>
+              </a:spcAft>
+              <a:defRPr sz="2400">
+                <a:solidFill>
+                  <a:schemeClr val="tx1"/>
+                </a:solidFill>
+                <a:latin typeface="Times New Roman" pitchFamily="18" charset="0"/>
+              </a:defRPr>
+            </a:lvl9pPr>
+          </a:lstStyle>
+          <a:p>
+            <a:pPr eaLnBrk="1" hangingPunct="1">
+              <a:spcBef>
+                <a:spcPct val="50000"/>
+              </a:spcBef>
+            </a:pPr>
+            <a:r>
+              <a:rPr lang="en-US" sz="1800" b="1" dirty="0">
+                <a:solidFill>
+                  <a:schemeClr val="bg1"/>
+                </a:solidFill>
+                <a:latin typeface="Arial" charset="0"/>
+              </a:rPr>
+              <a:t>Git</a:t>
+            </a:r>
+            <a:endParaRPr lang="en-US" sz="1600" b="1" dirty="0">
+              <a:solidFill>
+                <a:srgbClr val="FFCC66"/>
+              </a:solidFill>
+              <a:latin typeface="Arial" charset="0"/>
+            </a:endParaRPr>
+          </a:p>
+        </p:txBody>
+      </p:sp>
+      <p:sp>
+        <p:nvSpPr>
+          <p:cNvPr id="9" name="Retângulo 39">
+            <a:extLst>
+              <a:ext uri="{FF2B5EF4-FFF2-40B4-BE49-F238E27FC236}">
+                <a16:creationId xmlns:a16="http://schemas.microsoft.com/office/drawing/2014/main" id="{240D9EE0-3FCC-4C9A-9ECF-BE03E738540B}"/>
+              </a:ext>
+            </a:extLst>
+          </p:cNvPr>
+          <p:cNvSpPr>
+            <a:spLocks noChangeArrowheads="1"/>
+          </p:cNvSpPr>
+          <p:nvPr/>
+        </p:nvSpPr>
+        <p:spPr bwMode="auto">
+          <a:xfrm>
+            <a:off x="48825" y="727246"/>
+            <a:ext cx="1858881" cy="3293209"/>
+          </a:xfrm>
+          <a:prstGeom prst="rect">
+            <a:avLst/>
+          </a:prstGeom>
+          <a:noFill/>
+          <a:ln>
+            <a:noFill/>
+          </a:ln>
+          <a:extLst>
+            <a:ext uri="{909E8E84-426E-40DD-AFC4-6F175D3DCCD1}">
+              <a14:hiddenFill xmlns:a14="http://schemas.microsoft.com/office/drawing/2010/main">
+                <a:solidFill>
+                  <a:srgbClr val="FFFFFF"/>
+                </a:solidFill>
+              </a14:hiddenFill>
+            </a:ext>
+            <a:ext uri="{91240B29-F687-4F45-9708-019B960494DF}">
+              <a14:hiddenLine xmlns:a14="http://schemas.microsoft.com/office/drawing/2010/main" w="9525">
+                <a:solidFill>
+                  <a:srgbClr val="000000"/>
+                </a:solidFill>
+                <a:miter lim="800000"/>
+                <a:headEnd/>
+                <a:tailEnd/>
+              </a14:hiddenLine>
+            </a:ext>
+          </a:extLst>
+        </p:spPr>
+        <p:txBody>
+          <a:bodyPr wrap="square">
+            <a:spAutoFit/>
+          </a:bodyPr>
+          <a:lstStyle/>
+          <a:p>
+            <a:pPr algn="r">
+              <a:spcBef>
+                <a:spcPct val="50000"/>
+              </a:spcBef>
+            </a:pPr>
+            <a:r>
+              <a:rPr lang="de-DE" sz="1600" b="1" dirty="0">
+                <a:solidFill>
+                  <a:srgbClr val="FF0000"/>
+                </a:solidFill>
+                <a:latin typeface="Arial" charset="0"/>
+              </a:rPr>
+              <a:t>Version Control</a:t>
+            </a:r>
+          </a:p>
+          <a:p>
+            <a:pPr algn="r">
+              <a:spcBef>
+                <a:spcPct val="50000"/>
+              </a:spcBef>
+            </a:pPr>
+            <a:endParaRPr lang="de-DE" sz="1600" b="1" dirty="0">
+              <a:solidFill>
+                <a:srgbClr val="FF0000"/>
+              </a:solidFill>
+              <a:latin typeface="Arial" charset="0"/>
+            </a:endParaRPr>
+          </a:p>
+          <a:p>
+            <a:pPr algn="r">
+              <a:spcBef>
+                <a:spcPct val="50000"/>
+              </a:spcBef>
+            </a:pPr>
+            <a:r>
+              <a:rPr lang="de-DE" sz="1600" b="1" dirty="0">
+                <a:solidFill>
+                  <a:srgbClr val="FF0000"/>
+                </a:solidFill>
+                <a:latin typeface="Arial" charset="0"/>
+              </a:rPr>
+              <a:t>Stable versions</a:t>
+            </a:r>
+          </a:p>
+          <a:p>
+            <a:pPr algn="r">
+              <a:spcBef>
+                <a:spcPct val="50000"/>
+              </a:spcBef>
+            </a:pPr>
+            <a:endParaRPr lang="de-DE" sz="1600" b="1" dirty="0">
+              <a:solidFill>
+                <a:srgbClr val="FF0000"/>
+              </a:solidFill>
+              <a:latin typeface="Arial" charset="0"/>
+            </a:endParaRPr>
+          </a:p>
+          <a:p>
+            <a:pPr algn="r">
+              <a:spcBef>
+                <a:spcPct val="50000"/>
+              </a:spcBef>
+            </a:pPr>
+            <a:r>
+              <a:rPr lang="de-DE" sz="1600" b="1" dirty="0">
+                <a:solidFill>
+                  <a:srgbClr val="FF0000"/>
+                </a:solidFill>
+                <a:latin typeface="Arial" charset="0"/>
+              </a:rPr>
+              <a:t>Rollback</a:t>
+            </a:r>
+          </a:p>
+          <a:p>
+            <a:pPr algn="r">
+              <a:spcBef>
+                <a:spcPct val="50000"/>
+              </a:spcBef>
+            </a:pPr>
+            <a:endParaRPr lang="de-DE" sz="1600" b="1" dirty="0">
+              <a:solidFill>
+                <a:srgbClr val="FF0000"/>
+              </a:solidFill>
+              <a:latin typeface="Arial" charset="0"/>
+            </a:endParaRPr>
+          </a:p>
+          <a:p>
+            <a:pPr algn="r">
+              <a:spcBef>
+                <a:spcPct val="50000"/>
+              </a:spcBef>
+            </a:pPr>
+            <a:r>
+              <a:rPr lang="de-DE" sz="1600" b="1" dirty="0">
+                <a:solidFill>
+                  <a:srgbClr val="FF0000"/>
+                </a:solidFill>
+                <a:latin typeface="Arial" charset="0"/>
+              </a:rPr>
+              <a:t>Branches</a:t>
+            </a:r>
+          </a:p>
+          <a:p>
+            <a:pPr algn="r">
+              <a:spcBef>
+                <a:spcPct val="50000"/>
+              </a:spcBef>
+            </a:pPr>
+            <a:endParaRPr lang="de-DE" sz="1600" b="1" dirty="0">
+              <a:solidFill>
+                <a:srgbClr val="FF0000"/>
+              </a:solidFill>
+              <a:latin typeface="Arial" charset="0"/>
+            </a:endParaRPr>
+          </a:p>
+          <a:p>
+            <a:pPr algn="r">
+              <a:spcBef>
+                <a:spcPct val="50000"/>
+              </a:spcBef>
+            </a:pPr>
+            <a:r>
+              <a:rPr lang="de-DE" sz="1600" b="1" dirty="0">
+                <a:solidFill>
+                  <a:srgbClr val="FF0000"/>
+                </a:solidFill>
+                <a:latin typeface="Arial" charset="0"/>
+              </a:rPr>
+              <a:t>Check-in/out</a:t>
+            </a:r>
+            <a:endParaRPr lang="de-DE" sz="1600" b="1" dirty="0">
+              <a:latin typeface="Arial" charset="0"/>
+            </a:endParaRPr>
+          </a:p>
+        </p:txBody>
+      </p:sp>
+      <p:pic>
+        <p:nvPicPr>
+          <p:cNvPr id="4" name="Picture 6" descr="Git – Wikipédia, a enciclopédia livre">
+            <a:extLst>
+              <a:ext uri="{FF2B5EF4-FFF2-40B4-BE49-F238E27FC236}">
+                <a16:creationId xmlns:a16="http://schemas.microsoft.com/office/drawing/2014/main" id="{6A99EF51-B14E-40D7-B622-785AFC60DD9E}"/>
+              </a:ext>
+            </a:extLst>
+          </p:cNvPr>
+          <p:cNvPicPr>
+            <a:picLocks noChangeAspect="1" noChangeArrowheads="1"/>
+          </p:cNvPicPr>
+          <p:nvPr/>
+        </p:nvPicPr>
+        <p:blipFill>
+          <a:blip r:embed="rId3" cstate="print">
+            <a:extLst>
+              <a:ext uri="{28A0092B-C50C-407E-A947-70E740481C1C}">
+                <a14:useLocalDpi xmlns:a14="http://schemas.microsoft.com/office/drawing/2010/main" val="0"/>
+              </a:ext>
+            </a:extLst>
+          </a:blip>
+          <a:srcRect/>
+          <a:stretch>
+            <a:fillRect/>
+          </a:stretch>
+        </p:blipFill>
+        <p:spPr bwMode="auto">
+          <a:xfrm>
+            <a:off x="7452320" y="620688"/>
+            <a:ext cx="1539280" cy="642703"/>
+          </a:xfrm>
+          <a:prstGeom prst="rect">
+            <a:avLst/>
+          </a:prstGeom>
+          <a:noFill/>
+          <a:extLst>
+            <a:ext uri="{909E8E84-426E-40DD-AFC4-6F175D3DCCD1}">
+              <a14:hiddenFill xmlns:a14="http://schemas.microsoft.com/office/drawing/2010/main">
+                <a:solidFill>
+                  <a:srgbClr val="FFFFFF"/>
+                </a:solidFill>
+              </a14:hiddenFill>
+            </a:ext>
+          </a:extLst>
+        </p:spPr>
+      </p:pic>
+      <p:pic>
+        <p:nvPicPr>
+          <p:cNvPr id="7170" name="Picture 2" descr="Git - About Version Control">
+            <a:extLst>
+              <a:ext uri="{FF2B5EF4-FFF2-40B4-BE49-F238E27FC236}">
+                <a16:creationId xmlns:a16="http://schemas.microsoft.com/office/drawing/2014/main" id="{074160C7-5368-4700-A051-D3A21BFA6F01}"/>
+              </a:ext>
+            </a:extLst>
+          </p:cNvPr>
+          <p:cNvPicPr>
+            <a:picLocks noChangeAspect="1" noChangeArrowheads="1"/>
+          </p:cNvPicPr>
+          <p:nvPr/>
+        </p:nvPicPr>
+        <p:blipFill>
+          <a:blip r:embed="rId4">
+            <a:extLst>
+              <a:ext uri="{28A0092B-C50C-407E-A947-70E740481C1C}">
+                <a14:useLocalDpi xmlns:a14="http://schemas.microsoft.com/office/drawing/2010/main" val="0"/>
+              </a:ext>
+            </a:extLst>
+          </a:blip>
+          <a:srcRect/>
+          <a:stretch>
+            <a:fillRect/>
+          </a:stretch>
+        </p:blipFill>
+        <p:spPr bwMode="auto">
+          <a:xfrm>
+            <a:off x="2915816" y="888558"/>
+            <a:ext cx="4671240" cy="5594609"/>
+          </a:xfrm>
+          <a:prstGeom prst="rect">
+            <a:avLst/>
+          </a:prstGeom>
+          <a:noFill/>
+          <a:extLst>
+            <a:ext uri="{909E8E84-426E-40DD-AFC4-6F175D3DCCD1}">
+              <a14:hiddenFill xmlns:a14="http://schemas.microsoft.com/office/drawing/2010/main">
+                <a:solidFill>
+                  <a:srgbClr val="FFFFFF"/>
+                </a:solidFill>
+              </a14:hiddenFill>
+            </a:ext>
+          </a:extLst>
+        </p:spPr>
+      </p:pic>
+    </p:spTree>
+    <p:extLst>
+      <p:ext uri="{BB962C8B-B14F-4D97-AF65-F5344CB8AC3E}">
+        <p14:creationId xmlns:p14="http://schemas.microsoft.com/office/powerpoint/2010/main" val="1481757909"/>
+      </p:ext>
+    </p:extLst>
+  </p:cSld>
+  <p:clrMapOvr>
+    <a:masterClrMapping/>
+  </p:clrMapOvr>
+  <mc:AlternateContent xmlns:mc="http://schemas.openxmlformats.org/markup-compatibility/2006" xmlns:p14="http://schemas.microsoft.com/office/powerpoint/2010/main">
+    <mc:Choice Requires="p14">
+      <p:transition p14:dur="400">
+        <p:fade/>
+      </p:transition>
+    </mc:Choice>
+    <mc:Fallback xmlns="">
+      <p:transition>
+        <p:fade/>
+      </p:transition>
+    </mc:Fallback>
+  </mc:AlternateContent>
+</p:sld>
+</file>
+
 <file path=ppt/slides/slide6.xml><?xml version="1.0" encoding="utf-8"?>
 <p:sld xmlns:a="http://schemas.openxmlformats.org/drawingml/2006/main" xmlns:r="http://schemas.openxmlformats.org/officeDocument/2006/relationships" xmlns:p="http://schemas.openxmlformats.org/presentationml/2006/main">
   <p:cSld>
@@ -6326,40 +8443,503 @@
           <a:chExt cx="0" cy="0"/>
         </a:xfrm>
       </p:grpSpPr>
+      <p:sp>
+        <p:nvSpPr>
+          <p:cNvPr id="7" name="Text Box 2"/>
+          <p:cNvSpPr txBox="1">
+            <a:spLocks noChangeArrowheads="1"/>
+          </p:cNvSpPr>
+          <p:nvPr/>
+        </p:nvSpPr>
+        <p:spPr bwMode="auto">
+          <a:xfrm>
+            <a:off x="76200" y="76202"/>
+            <a:ext cx="8915400" cy="366713"/>
+          </a:xfrm>
+          <a:prstGeom prst="rect">
+            <a:avLst/>
+          </a:prstGeom>
+          <a:noFill/>
+          <a:ln>
+            <a:noFill/>
+          </a:ln>
+          <a:extLst>
+            <a:ext uri="{909E8E84-426E-40DD-AFC4-6F175D3DCCD1}">
+              <a14:hiddenFill xmlns:a14="http://schemas.microsoft.com/office/drawing/2010/main">
+                <a:solidFill>
+                  <a:srgbClr val="FFFFFF"/>
+                </a:solidFill>
+              </a14:hiddenFill>
+            </a:ext>
+            <a:ext uri="{91240B29-F687-4F45-9708-019B960494DF}">
+              <a14:hiddenLine xmlns:a14="http://schemas.microsoft.com/office/drawing/2010/main" w="9525">
+                <a:solidFill>
+                  <a:srgbClr val="000000"/>
+                </a:solidFill>
+                <a:miter lim="800000"/>
+                <a:headEnd/>
+                <a:tailEnd/>
+              </a14:hiddenLine>
+            </a:ext>
+          </a:extLst>
+        </p:spPr>
+        <p:txBody>
+          <a:bodyPr>
+            <a:spAutoFit/>
+          </a:bodyPr>
+          <a:lstStyle>
+            <a:lvl1pPr eaLnBrk="0" hangingPunct="0">
+              <a:defRPr sz="2400">
+                <a:solidFill>
+                  <a:schemeClr val="tx1"/>
+                </a:solidFill>
+                <a:latin typeface="Times New Roman" pitchFamily="18" charset="0"/>
+              </a:defRPr>
+            </a:lvl1pPr>
+            <a:lvl2pPr marL="742950" indent="-285750" eaLnBrk="0" hangingPunct="0">
+              <a:defRPr sz="2400">
+                <a:solidFill>
+                  <a:schemeClr val="tx1"/>
+                </a:solidFill>
+                <a:latin typeface="Times New Roman" pitchFamily="18" charset="0"/>
+              </a:defRPr>
+            </a:lvl2pPr>
+            <a:lvl3pPr marL="1143000" indent="-228600" eaLnBrk="0" hangingPunct="0">
+              <a:defRPr sz="2400">
+                <a:solidFill>
+                  <a:schemeClr val="tx1"/>
+                </a:solidFill>
+                <a:latin typeface="Times New Roman" pitchFamily="18" charset="0"/>
+              </a:defRPr>
+            </a:lvl3pPr>
+            <a:lvl4pPr marL="1600200" indent="-228600" eaLnBrk="0" hangingPunct="0">
+              <a:defRPr sz="2400">
+                <a:solidFill>
+                  <a:schemeClr val="tx1"/>
+                </a:solidFill>
+                <a:latin typeface="Times New Roman" pitchFamily="18" charset="0"/>
+              </a:defRPr>
+            </a:lvl4pPr>
+            <a:lvl5pPr marL="2057400" indent="-228600" eaLnBrk="0" hangingPunct="0">
+              <a:defRPr sz="2400">
+                <a:solidFill>
+                  <a:schemeClr val="tx1"/>
+                </a:solidFill>
+                <a:latin typeface="Times New Roman" pitchFamily="18" charset="0"/>
+              </a:defRPr>
+            </a:lvl5pPr>
+            <a:lvl6pPr marL="2514600" indent="-228600" eaLnBrk="0" fontAlgn="base" hangingPunct="0">
+              <a:spcBef>
+                <a:spcPct val="0"/>
+              </a:spcBef>
+              <a:spcAft>
+                <a:spcPct val="0"/>
+              </a:spcAft>
+              <a:defRPr sz="2400">
+                <a:solidFill>
+                  <a:schemeClr val="tx1"/>
+                </a:solidFill>
+                <a:latin typeface="Times New Roman" pitchFamily="18" charset="0"/>
+              </a:defRPr>
+            </a:lvl6pPr>
+            <a:lvl7pPr marL="2971800" indent="-228600" eaLnBrk="0" fontAlgn="base" hangingPunct="0">
+              <a:spcBef>
+                <a:spcPct val="0"/>
+              </a:spcBef>
+              <a:spcAft>
+                <a:spcPct val="0"/>
+              </a:spcAft>
+              <a:defRPr sz="2400">
+                <a:solidFill>
+                  <a:schemeClr val="tx1"/>
+                </a:solidFill>
+                <a:latin typeface="Times New Roman" pitchFamily="18" charset="0"/>
+              </a:defRPr>
+            </a:lvl7pPr>
+            <a:lvl8pPr marL="3429000" indent="-228600" eaLnBrk="0" fontAlgn="base" hangingPunct="0">
+              <a:spcBef>
+                <a:spcPct val="0"/>
+              </a:spcBef>
+              <a:spcAft>
+                <a:spcPct val="0"/>
+              </a:spcAft>
+              <a:defRPr sz="2400">
+                <a:solidFill>
+                  <a:schemeClr val="tx1"/>
+                </a:solidFill>
+                <a:latin typeface="Times New Roman" pitchFamily="18" charset="0"/>
+              </a:defRPr>
+            </a:lvl8pPr>
+            <a:lvl9pPr marL="3886200" indent="-228600" eaLnBrk="0" fontAlgn="base" hangingPunct="0">
+              <a:spcBef>
+                <a:spcPct val="0"/>
+              </a:spcBef>
+              <a:spcAft>
+                <a:spcPct val="0"/>
+              </a:spcAft>
+              <a:defRPr sz="2400">
+                <a:solidFill>
+                  <a:schemeClr val="tx1"/>
+                </a:solidFill>
+                <a:latin typeface="Times New Roman" pitchFamily="18" charset="0"/>
+              </a:defRPr>
+            </a:lvl9pPr>
+          </a:lstStyle>
+          <a:p>
+            <a:pPr eaLnBrk="1" hangingPunct="1">
+              <a:spcBef>
+                <a:spcPct val="50000"/>
+              </a:spcBef>
+            </a:pPr>
+            <a:r>
+              <a:rPr lang="en-US" sz="1800" b="1" dirty="0">
+                <a:solidFill>
+                  <a:schemeClr val="bg1"/>
+                </a:solidFill>
+                <a:latin typeface="Arial" charset="0"/>
+              </a:rPr>
+              <a:t>Jira</a:t>
+            </a:r>
+            <a:endParaRPr lang="en-US" sz="1600" b="1" dirty="0">
+              <a:solidFill>
+                <a:srgbClr val="FFCC66"/>
+              </a:solidFill>
+              <a:latin typeface="Arial" charset="0"/>
+            </a:endParaRPr>
+          </a:p>
+        </p:txBody>
+      </p:sp>
+      <p:sp>
+        <p:nvSpPr>
+          <p:cNvPr id="9" name="Retângulo 39">
+            <a:extLst>
+              <a:ext uri="{FF2B5EF4-FFF2-40B4-BE49-F238E27FC236}">
+                <a16:creationId xmlns:a16="http://schemas.microsoft.com/office/drawing/2014/main" id="{240D9EE0-3FCC-4C9A-9ECF-BE03E738540B}"/>
+              </a:ext>
+            </a:extLst>
+          </p:cNvPr>
+          <p:cNvSpPr>
+            <a:spLocks noChangeArrowheads="1"/>
+          </p:cNvSpPr>
+          <p:nvPr/>
+        </p:nvSpPr>
+        <p:spPr bwMode="auto">
+          <a:xfrm>
+            <a:off x="48825" y="727246"/>
+            <a:ext cx="1858881" cy="3293209"/>
+          </a:xfrm>
+          <a:prstGeom prst="rect">
+            <a:avLst/>
+          </a:prstGeom>
+          <a:noFill/>
+          <a:ln>
+            <a:noFill/>
+          </a:ln>
+          <a:extLst>
+            <a:ext uri="{909E8E84-426E-40DD-AFC4-6F175D3DCCD1}">
+              <a14:hiddenFill xmlns:a14="http://schemas.microsoft.com/office/drawing/2010/main">
+                <a:solidFill>
+                  <a:srgbClr val="FFFFFF"/>
+                </a:solidFill>
+              </a14:hiddenFill>
+            </a:ext>
+            <a:ext uri="{91240B29-F687-4F45-9708-019B960494DF}">
+              <a14:hiddenLine xmlns:a14="http://schemas.microsoft.com/office/drawing/2010/main" w="9525">
+                <a:solidFill>
+                  <a:srgbClr val="000000"/>
+                </a:solidFill>
+                <a:miter lim="800000"/>
+                <a:headEnd/>
+                <a:tailEnd/>
+              </a14:hiddenLine>
+            </a:ext>
+          </a:extLst>
+        </p:spPr>
+        <p:txBody>
+          <a:bodyPr wrap="square">
+            <a:spAutoFit/>
+          </a:bodyPr>
+          <a:lstStyle/>
+          <a:p>
+            <a:pPr algn="r">
+              <a:spcBef>
+                <a:spcPct val="50000"/>
+              </a:spcBef>
+            </a:pPr>
+            <a:r>
+              <a:rPr lang="de-DE" sz="1600" b="1" dirty="0">
+                <a:solidFill>
+                  <a:srgbClr val="FF0000"/>
+                </a:solidFill>
+                <a:latin typeface="Arial" charset="0"/>
+              </a:rPr>
+              <a:t>Kanban board</a:t>
+            </a:r>
+          </a:p>
+          <a:p>
+            <a:pPr algn="r">
+              <a:spcBef>
+                <a:spcPct val="50000"/>
+              </a:spcBef>
+            </a:pPr>
+            <a:endParaRPr lang="de-DE" sz="1600" b="1" dirty="0">
+              <a:solidFill>
+                <a:srgbClr val="FF0000"/>
+              </a:solidFill>
+              <a:latin typeface="Arial" charset="0"/>
+            </a:endParaRPr>
+          </a:p>
+          <a:p>
+            <a:pPr algn="r">
+              <a:spcBef>
+                <a:spcPct val="50000"/>
+              </a:spcBef>
+            </a:pPr>
+            <a:r>
+              <a:rPr lang="de-DE" sz="1600" b="1" dirty="0">
+                <a:solidFill>
+                  <a:srgbClr val="FF0000"/>
+                </a:solidFill>
+                <a:latin typeface="Arial" charset="0"/>
+              </a:rPr>
+              <a:t>Simple</a:t>
+            </a:r>
+          </a:p>
+          <a:p>
+            <a:pPr algn="r">
+              <a:spcBef>
+                <a:spcPct val="50000"/>
+              </a:spcBef>
+            </a:pPr>
+            <a:endParaRPr lang="de-DE" sz="1600" b="1" dirty="0">
+              <a:solidFill>
+                <a:srgbClr val="FF0000"/>
+              </a:solidFill>
+              <a:latin typeface="Arial" charset="0"/>
+            </a:endParaRPr>
+          </a:p>
+          <a:p>
+            <a:pPr algn="r">
+              <a:spcBef>
+                <a:spcPct val="50000"/>
+              </a:spcBef>
+            </a:pPr>
+            <a:r>
+              <a:rPr lang="de-DE" sz="1600" b="1" dirty="0">
+                <a:solidFill>
+                  <a:srgbClr val="FF0000"/>
+                </a:solidFill>
+                <a:latin typeface="Arial" charset="0"/>
+              </a:rPr>
+              <a:t>Tasks</a:t>
+            </a:r>
+          </a:p>
+          <a:p>
+            <a:pPr algn="r">
+              <a:spcBef>
+                <a:spcPct val="50000"/>
+              </a:spcBef>
+            </a:pPr>
+            <a:endParaRPr lang="de-DE" sz="1600" b="1" dirty="0">
+              <a:solidFill>
+                <a:srgbClr val="FF0000"/>
+              </a:solidFill>
+              <a:latin typeface="Arial" charset="0"/>
+            </a:endParaRPr>
+          </a:p>
+          <a:p>
+            <a:pPr algn="r">
+              <a:spcBef>
+                <a:spcPct val="50000"/>
+              </a:spcBef>
+            </a:pPr>
+            <a:r>
+              <a:rPr lang="de-DE" sz="1600" b="1" dirty="0">
+                <a:solidFill>
+                  <a:srgbClr val="FF0000"/>
+                </a:solidFill>
+                <a:latin typeface="Arial" charset="0"/>
+              </a:rPr>
+              <a:t>Epics</a:t>
+            </a:r>
+          </a:p>
+          <a:p>
+            <a:pPr algn="r">
+              <a:spcBef>
+                <a:spcPct val="50000"/>
+              </a:spcBef>
+            </a:pPr>
+            <a:endParaRPr lang="de-DE" sz="1600" b="1" dirty="0">
+              <a:solidFill>
+                <a:srgbClr val="FF0000"/>
+              </a:solidFill>
+              <a:latin typeface="Arial" charset="0"/>
+            </a:endParaRPr>
+          </a:p>
+          <a:p>
+            <a:pPr algn="r">
+              <a:spcBef>
+                <a:spcPct val="50000"/>
+              </a:spcBef>
+            </a:pPr>
+            <a:r>
+              <a:rPr lang="de-DE" sz="1600" b="1" dirty="0">
+                <a:solidFill>
+                  <a:srgbClr val="FF0000"/>
+                </a:solidFill>
+                <a:latin typeface="Arial" charset="0"/>
+              </a:rPr>
+              <a:t>Bugs </a:t>
+            </a:r>
+          </a:p>
+        </p:txBody>
+      </p:sp>
       <p:pic>
         <p:nvPicPr>
-          <p:cNvPr id="2" name="Picture 1"/>
+          <p:cNvPr id="2" name="Imagem 1">
+            <a:extLst>
+              <a:ext uri="{FF2B5EF4-FFF2-40B4-BE49-F238E27FC236}">
+                <a16:creationId xmlns:a16="http://schemas.microsoft.com/office/drawing/2014/main" id="{71CE853F-E368-46BB-8734-3C581A991697}"/>
+              </a:ext>
+            </a:extLst>
+          </p:cNvPr>
           <p:cNvPicPr>
             <a:picLocks noChangeAspect="1"/>
           </p:cNvPicPr>
           <p:nvPr/>
         </p:nvPicPr>
         <p:blipFill>
-          <a:blip r:embed="rId2"/>
+          <a:blip r:embed="rId3"/>
           <a:stretch>
             <a:fillRect/>
           </a:stretch>
         </p:blipFill>
         <p:spPr>
           <a:xfrm>
-            <a:off x="-1700699" y="-4234"/>
-            <a:ext cx="12545398" cy="7056786"/>
+            <a:off x="2046687" y="3529033"/>
+            <a:ext cx="7062628" cy="2858683"/>
           </a:xfrm>
           <a:prstGeom prst="rect">
             <a:avLst/>
           </a:prstGeom>
         </p:spPr>
       </p:pic>
+      <p:pic>
+        <p:nvPicPr>
+          <p:cNvPr id="5" name="Picture 2" descr="5 open source alternatives to Trello | Opensource.com">
+            <a:extLst>
+              <a:ext uri="{FF2B5EF4-FFF2-40B4-BE49-F238E27FC236}">
+                <a16:creationId xmlns:a16="http://schemas.microsoft.com/office/drawing/2014/main" id="{C5AFCDB6-375D-4980-A82E-DA68A03FF63C}"/>
+              </a:ext>
+            </a:extLst>
+          </p:cNvPr>
+          <p:cNvPicPr>
+            <a:picLocks noChangeAspect="1" noChangeArrowheads="1"/>
+          </p:cNvPicPr>
+          <p:nvPr/>
+        </p:nvPicPr>
+        <p:blipFill>
+          <a:blip r:embed="rId4">
+            <a:extLst>
+              <a:ext uri="{28A0092B-C50C-407E-A947-70E740481C1C}">
+                <a14:useLocalDpi xmlns:a14="http://schemas.microsoft.com/office/drawing/2010/main" val="0"/>
+              </a:ext>
+            </a:extLst>
+          </a:blip>
+          <a:srcRect/>
+          <a:stretch>
+            <a:fillRect/>
+          </a:stretch>
+        </p:blipFill>
+        <p:spPr bwMode="auto">
+          <a:xfrm>
+            <a:off x="2627784" y="620927"/>
+            <a:ext cx="4953000" cy="2781300"/>
+          </a:xfrm>
+          <a:prstGeom prst="rect">
+            <a:avLst/>
+          </a:prstGeom>
+          <a:noFill/>
+          <a:extLst>
+            <a:ext uri="{909E8E84-426E-40DD-AFC4-6F175D3DCCD1}">
+              <a14:hiddenFill xmlns:a14="http://schemas.microsoft.com/office/drawing/2010/main">
+                <a:solidFill>
+                  <a:srgbClr val="FFFFFF"/>
+                </a:solidFill>
+              </a14:hiddenFill>
+            </a:ext>
+          </a:extLst>
+        </p:spPr>
+      </p:pic>
+      <p:pic>
+        <p:nvPicPr>
+          <p:cNvPr id="6" name="Picture 4" descr="Servidores JIRA mal configurados vazam informações sobre usuários ...">
+            <a:extLst>
+              <a:ext uri="{FF2B5EF4-FFF2-40B4-BE49-F238E27FC236}">
+                <a16:creationId xmlns:a16="http://schemas.microsoft.com/office/drawing/2014/main" id="{E6F8CC74-6348-44FD-8170-9C77979FD927}"/>
+              </a:ext>
+            </a:extLst>
+          </p:cNvPr>
+          <p:cNvPicPr>
+            <a:picLocks noChangeAspect="1" noChangeArrowheads="1"/>
+          </p:cNvPicPr>
+          <p:nvPr/>
+        </p:nvPicPr>
+        <p:blipFill>
+          <a:blip r:embed="rId5" cstate="print">
+            <a:extLst>
+              <a:ext uri="{28A0092B-C50C-407E-A947-70E740481C1C}">
+                <a14:useLocalDpi xmlns:a14="http://schemas.microsoft.com/office/drawing/2010/main" val="0"/>
+              </a:ext>
+            </a:extLst>
+          </a:blip>
+          <a:srcRect/>
+          <a:stretch>
+            <a:fillRect/>
+          </a:stretch>
+        </p:blipFill>
+        <p:spPr bwMode="auto">
+          <a:xfrm>
+            <a:off x="7740352" y="552893"/>
+            <a:ext cx="1368963" cy="533857"/>
+          </a:xfrm>
+          <a:prstGeom prst="rect">
+            <a:avLst/>
+          </a:prstGeom>
+          <a:noFill/>
+          <a:extLst>
+            <a:ext uri="{909E8E84-426E-40DD-AFC4-6F175D3DCCD1}">
+              <a14:hiddenFill xmlns:a14="http://schemas.microsoft.com/office/drawing/2010/main">
+                <a:solidFill>
+                  <a:srgbClr val="FFFFFF"/>
+                </a:solidFill>
+              </a14:hiddenFill>
+            </a:ext>
+          </a:extLst>
+        </p:spPr>
+      </p:pic>
     </p:spTree>
     <p:extLst>
       <p:ext uri="{BB962C8B-B14F-4D97-AF65-F5344CB8AC3E}">
-        <p14:creationId xmlns:p14="http://schemas.microsoft.com/office/powerpoint/2010/main" val="4007498404"/>
+        <p14:creationId xmlns:p14="http://schemas.microsoft.com/office/powerpoint/2010/main" val="553836791"/>
       </p:ext>
     </p:extLst>
   </p:cSld>
   <p:clrMapOvr>
     <a:masterClrMapping/>
   </p:clrMapOvr>
+  <mc:AlternateContent xmlns:mc="http://schemas.openxmlformats.org/markup-compatibility/2006" xmlns:p14="http://schemas.microsoft.com/office/powerpoint/2010/main">
+    <mc:Choice Requires="p14">
+      <p:transition p14:dur="400">
+        <p:fade/>
+      </p:transition>
+    </mc:Choice>
+    <mc:Fallback xmlns="">
+      <p:transition>
+        <p:fade/>
+      </p:transition>
+    </mc:Fallback>
+  </mc:AlternateContent>
 </p:sld>
 </file>
 
@@ -6380,24 +8960,1142 @@
           <a:chExt cx="0" cy="0"/>
         </a:xfrm>
       </p:grpSpPr>
+      <p:sp>
+        <p:nvSpPr>
+          <p:cNvPr id="7" name="Text Box 2"/>
+          <p:cNvSpPr txBox="1">
+            <a:spLocks noChangeArrowheads="1"/>
+          </p:cNvSpPr>
+          <p:nvPr/>
+        </p:nvSpPr>
+        <p:spPr bwMode="auto">
+          <a:xfrm>
+            <a:off x="76200" y="76202"/>
+            <a:ext cx="8915400" cy="366713"/>
+          </a:xfrm>
+          <a:prstGeom prst="rect">
+            <a:avLst/>
+          </a:prstGeom>
+          <a:noFill/>
+          <a:ln>
+            <a:noFill/>
+          </a:ln>
+          <a:extLst>
+            <a:ext uri="{909E8E84-426E-40DD-AFC4-6F175D3DCCD1}">
+              <a14:hiddenFill xmlns:a14="http://schemas.microsoft.com/office/drawing/2010/main">
+                <a:solidFill>
+                  <a:srgbClr val="FFFFFF"/>
+                </a:solidFill>
+              </a14:hiddenFill>
+            </a:ext>
+            <a:ext uri="{91240B29-F687-4F45-9708-019B960494DF}">
+              <a14:hiddenLine xmlns:a14="http://schemas.microsoft.com/office/drawing/2010/main" w="9525">
+                <a:solidFill>
+                  <a:srgbClr val="000000"/>
+                </a:solidFill>
+                <a:miter lim="800000"/>
+                <a:headEnd/>
+                <a:tailEnd/>
+              </a14:hiddenLine>
+            </a:ext>
+          </a:extLst>
+        </p:spPr>
+        <p:txBody>
+          <a:bodyPr>
+            <a:spAutoFit/>
+          </a:bodyPr>
+          <a:lstStyle>
+            <a:lvl1pPr eaLnBrk="0" hangingPunct="0">
+              <a:defRPr sz="2400">
+                <a:solidFill>
+                  <a:schemeClr val="tx1"/>
+                </a:solidFill>
+                <a:latin typeface="Times New Roman" pitchFamily="18" charset="0"/>
+              </a:defRPr>
+            </a:lvl1pPr>
+            <a:lvl2pPr marL="742950" indent="-285750" eaLnBrk="0" hangingPunct="0">
+              <a:defRPr sz="2400">
+                <a:solidFill>
+                  <a:schemeClr val="tx1"/>
+                </a:solidFill>
+                <a:latin typeface="Times New Roman" pitchFamily="18" charset="0"/>
+              </a:defRPr>
+            </a:lvl2pPr>
+            <a:lvl3pPr marL="1143000" indent="-228600" eaLnBrk="0" hangingPunct="0">
+              <a:defRPr sz="2400">
+                <a:solidFill>
+                  <a:schemeClr val="tx1"/>
+                </a:solidFill>
+                <a:latin typeface="Times New Roman" pitchFamily="18" charset="0"/>
+              </a:defRPr>
+            </a:lvl3pPr>
+            <a:lvl4pPr marL="1600200" indent="-228600" eaLnBrk="0" hangingPunct="0">
+              <a:defRPr sz="2400">
+                <a:solidFill>
+                  <a:schemeClr val="tx1"/>
+                </a:solidFill>
+                <a:latin typeface="Times New Roman" pitchFamily="18" charset="0"/>
+              </a:defRPr>
+            </a:lvl4pPr>
+            <a:lvl5pPr marL="2057400" indent="-228600" eaLnBrk="0" hangingPunct="0">
+              <a:defRPr sz="2400">
+                <a:solidFill>
+                  <a:schemeClr val="tx1"/>
+                </a:solidFill>
+                <a:latin typeface="Times New Roman" pitchFamily="18" charset="0"/>
+              </a:defRPr>
+            </a:lvl5pPr>
+            <a:lvl6pPr marL="2514600" indent="-228600" eaLnBrk="0" fontAlgn="base" hangingPunct="0">
+              <a:spcBef>
+                <a:spcPct val="0"/>
+              </a:spcBef>
+              <a:spcAft>
+                <a:spcPct val="0"/>
+              </a:spcAft>
+              <a:defRPr sz="2400">
+                <a:solidFill>
+                  <a:schemeClr val="tx1"/>
+                </a:solidFill>
+                <a:latin typeface="Times New Roman" pitchFamily="18" charset="0"/>
+              </a:defRPr>
+            </a:lvl6pPr>
+            <a:lvl7pPr marL="2971800" indent="-228600" eaLnBrk="0" fontAlgn="base" hangingPunct="0">
+              <a:spcBef>
+                <a:spcPct val="0"/>
+              </a:spcBef>
+              <a:spcAft>
+                <a:spcPct val="0"/>
+              </a:spcAft>
+              <a:defRPr sz="2400">
+                <a:solidFill>
+                  <a:schemeClr val="tx1"/>
+                </a:solidFill>
+                <a:latin typeface="Times New Roman" pitchFamily="18" charset="0"/>
+              </a:defRPr>
+            </a:lvl7pPr>
+            <a:lvl8pPr marL="3429000" indent="-228600" eaLnBrk="0" fontAlgn="base" hangingPunct="0">
+              <a:spcBef>
+                <a:spcPct val="0"/>
+              </a:spcBef>
+              <a:spcAft>
+                <a:spcPct val="0"/>
+              </a:spcAft>
+              <a:defRPr sz="2400">
+                <a:solidFill>
+                  <a:schemeClr val="tx1"/>
+                </a:solidFill>
+                <a:latin typeface="Times New Roman" pitchFamily="18" charset="0"/>
+              </a:defRPr>
+            </a:lvl8pPr>
+            <a:lvl9pPr marL="3886200" indent="-228600" eaLnBrk="0" fontAlgn="base" hangingPunct="0">
+              <a:spcBef>
+                <a:spcPct val="0"/>
+              </a:spcBef>
+              <a:spcAft>
+                <a:spcPct val="0"/>
+              </a:spcAft>
+              <a:defRPr sz="2400">
+                <a:solidFill>
+                  <a:schemeClr val="tx1"/>
+                </a:solidFill>
+                <a:latin typeface="Times New Roman" pitchFamily="18" charset="0"/>
+              </a:defRPr>
+            </a:lvl9pPr>
+          </a:lstStyle>
+          <a:p>
+            <a:pPr eaLnBrk="1" hangingPunct="1">
+              <a:spcBef>
+                <a:spcPct val="50000"/>
+              </a:spcBef>
+            </a:pPr>
+            <a:r>
+              <a:rPr lang="en-US" sz="1800" b="1">
+                <a:solidFill>
+                  <a:schemeClr val="bg1"/>
+                </a:solidFill>
+                <a:latin typeface="Arial" charset="0"/>
+              </a:rPr>
+              <a:t>Teams</a:t>
+            </a:r>
+            <a:endParaRPr lang="en-US" sz="1600" b="1" dirty="0">
+              <a:solidFill>
+                <a:srgbClr val="FFCC66"/>
+              </a:solidFill>
+              <a:latin typeface="Arial" charset="0"/>
+            </a:endParaRPr>
+          </a:p>
+        </p:txBody>
+      </p:sp>
+      <p:sp>
+        <p:nvSpPr>
+          <p:cNvPr id="9" name="Retângulo 39">
+            <a:extLst>
+              <a:ext uri="{FF2B5EF4-FFF2-40B4-BE49-F238E27FC236}">
+                <a16:creationId xmlns:a16="http://schemas.microsoft.com/office/drawing/2014/main" id="{240D9EE0-3FCC-4C9A-9ECF-BE03E738540B}"/>
+              </a:ext>
+            </a:extLst>
+          </p:cNvPr>
+          <p:cNvSpPr>
+            <a:spLocks noChangeArrowheads="1"/>
+          </p:cNvSpPr>
+          <p:nvPr/>
+        </p:nvSpPr>
+        <p:spPr bwMode="auto">
+          <a:xfrm>
+            <a:off x="48825" y="727246"/>
+            <a:ext cx="1858881" cy="3539430"/>
+          </a:xfrm>
+          <a:prstGeom prst="rect">
+            <a:avLst/>
+          </a:prstGeom>
+          <a:noFill/>
+          <a:ln>
+            <a:noFill/>
+          </a:ln>
+          <a:extLst>
+            <a:ext uri="{909E8E84-426E-40DD-AFC4-6F175D3DCCD1}">
+              <a14:hiddenFill xmlns:a14="http://schemas.microsoft.com/office/drawing/2010/main">
+                <a:solidFill>
+                  <a:srgbClr val="FFFFFF"/>
+                </a:solidFill>
+              </a14:hiddenFill>
+            </a:ext>
+            <a:ext uri="{91240B29-F687-4F45-9708-019B960494DF}">
+              <a14:hiddenLine xmlns:a14="http://schemas.microsoft.com/office/drawing/2010/main" w="9525">
+                <a:solidFill>
+                  <a:srgbClr val="000000"/>
+                </a:solidFill>
+                <a:miter lim="800000"/>
+                <a:headEnd/>
+                <a:tailEnd/>
+              </a14:hiddenLine>
+            </a:ext>
+          </a:extLst>
+        </p:spPr>
+        <p:txBody>
+          <a:bodyPr wrap="square">
+            <a:spAutoFit/>
+          </a:bodyPr>
+          <a:lstStyle/>
+          <a:p>
+            <a:pPr algn="r">
+              <a:spcBef>
+                <a:spcPct val="50000"/>
+              </a:spcBef>
+            </a:pPr>
+            <a:r>
+              <a:rPr lang="de-DE" sz="1600" b="1" dirty="0">
+                <a:solidFill>
+                  <a:srgbClr val="FF0000"/>
+                </a:solidFill>
+                <a:latin typeface="Arial" charset="0"/>
+              </a:rPr>
+              <a:t>Chat</a:t>
+            </a:r>
+          </a:p>
+          <a:p>
+            <a:pPr algn="r">
+              <a:spcBef>
+                <a:spcPct val="50000"/>
+              </a:spcBef>
+            </a:pPr>
+            <a:endParaRPr lang="de-DE" sz="1600" b="1" dirty="0">
+              <a:solidFill>
+                <a:srgbClr val="FF0000"/>
+              </a:solidFill>
+              <a:latin typeface="Arial" charset="0"/>
+            </a:endParaRPr>
+          </a:p>
+          <a:p>
+            <a:pPr algn="r">
+              <a:spcBef>
+                <a:spcPct val="50000"/>
+              </a:spcBef>
+            </a:pPr>
+            <a:r>
+              <a:rPr lang="de-DE" sz="1600" b="1" dirty="0">
+                <a:solidFill>
+                  <a:srgbClr val="FF0000"/>
+                </a:solidFill>
+                <a:latin typeface="Arial" charset="0"/>
+              </a:rPr>
+              <a:t>Video-conferences</a:t>
+            </a:r>
+          </a:p>
+          <a:p>
+            <a:pPr algn="r">
+              <a:spcBef>
+                <a:spcPct val="50000"/>
+              </a:spcBef>
+            </a:pPr>
+            <a:endParaRPr lang="de-DE" sz="1600" b="1" dirty="0">
+              <a:solidFill>
+                <a:srgbClr val="FF0000"/>
+              </a:solidFill>
+              <a:latin typeface="Arial" charset="0"/>
+            </a:endParaRPr>
+          </a:p>
+          <a:p>
+            <a:pPr algn="r">
+              <a:spcBef>
+                <a:spcPct val="50000"/>
+              </a:spcBef>
+            </a:pPr>
+            <a:r>
+              <a:rPr lang="de-DE" sz="1600" b="1" dirty="0">
+                <a:solidFill>
+                  <a:srgbClr val="FF0000"/>
+                </a:solidFill>
+                <a:latin typeface="Arial" charset="0"/>
+              </a:rPr>
+              <a:t>Centralized info transactions</a:t>
+            </a:r>
+          </a:p>
+          <a:p>
+            <a:pPr algn="r">
+              <a:spcBef>
+                <a:spcPct val="50000"/>
+              </a:spcBef>
+            </a:pPr>
+            <a:endParaRPr lang="de-DE" sz="1600" b="1" dirty="0">
+              <a:solidFill>
+                <a:srgbClr val="FF0000"/>
+              </a:solidFill>
+              <a:latin typeface="Arial" charset="0"/>
+            </a:endParaRPr>
+          </a:p>
+          <a:p>
+            <a:pPr algn="r">
+              <a:spcBef>
+                <a:spcPct val="50000"/>
+              </a:spcBef>
+            </a:pPr>
+            <a:r>
+              <a:rPr lang="de-DE" sz="1600" b="1" dirty="0">
+                <a:solidFill>
+                  <a:srgbClr val="FF0000"/>
+                </a:solidFill>
+                <a:latin typeface="Arial" charset="0"/>
+              </a:rPr>
+              <a:t>Access to Sharepoint / OneDrive</a:t>
+            </a:r>
+          </a:p>
+        </p:txBody>
+      </p:sp>
       <p:pic>
         <p:nvPicPr>
-          <p:cNvPr id="2" name="Picture 1"/>
+          <p:cNvPr id="6" name="Picture 8" descr="Microsoft Teams – Wikipédia, a enciclopédia livre">
+            <a:extLst>
+              <a:ext uri="{FF2B5EF4-FFF2-40B4-BE49-F238E27FC236}">
+                <a16:creationId xmlns:a16="http://schemas.microsoft.com/office/drawing/2014/main" id="{793CB642-4B56-420F-A234-95A6EDFE37E3}"/>
+              </a:ext>
+            </a:extLst>
+          </p:cNvPr>
+          <p:cNvPicPr>
+            <a:picLocks noChangeAspect="1" noChangeArrowheads="1"/>
+          </p:cNvPicPr>
+          <p:nvPr/>
+        </p:nvPicPr>
+        <p:blipFill>
+          <a:blip r:embed="rId3" cstate="print">
+            <a:extLst>
+              <a:ext uri="{28A0092B-C50C-407E-A947-70E740481C1C}">
+                <a14:useLocalDpi xmlns:a14="http://schemas.microsoft.com/office/drawing/2010/main" val="0"/>
+              </a:ext>
+            </a:extLst>
+          </a:blip>
+          <a:srcRect/>
+          <a:stretch>
+            <a:fillRect/>
+          </a:stretch>
+        </p:blipFill>
+        <p:spPr bwMode="auto">
+          <a:xfrm>
+            <a:off x="8006530" y="620688"/>
+            <a:ext cx="1006528" cy="936104"/>
+          </a:xfrm>
+          <a:prstGeom prst="rect">
+            <a:avLst/>
+          </a:prstGeom>
+          <a:noFill/>
+          <a:extLst>
+            <a:ext uri="{909E8E84-426E-40DD-AFC4-6F175D3DCCD1}">
+              <a14:hiddenFill xmlns:a14="http://schemas.microsoft.com/office/drawing/2010/main">
+                <a:solidFill>
+                  <a:srgbClr val="FFFFFF"/>
+                </a:solidFill>
+              </a14:hiddenFill>
+            </a:ext>
+          </a:extLst>
+        </p:spPr>
+      </p:pic>
+      <p:pic>
+        <p:nvPicPr>
+          <p:cNvPr id="6148" name="Picture 4" descr="Coronavírus faz Microsoft liberar Teams gratuitamente | TechBreak ...">
+            <a:extLst>
+              <a:ext uri="{FF2B5EF4-FFF2-40B4-BE49-F238E27FC236}">
+                <a16:creationId xmlns:a16="http://schemas.microsoft.com/office/drawing/2014/main" id="{D2449273-E160-49DB-9983-F6A000C5A4F7}"/>
+              </a:ext>
+            </a:extLst>
+          </p:cNvPr>
+          <p:cNvPicPr>
+            <a:picLocks noChangeAspect="1" noChangeArrowheads="1"/>
+          </p:cNvPicPr>
+          <p:nvPr/>
+        </p:nvPicPr>
+        <p:blipFill>
+          <a:blip r:embed="rId4">
+            <a:extLst>
+              <a:ext uri="{28A0092B-C50C-407E-A947-70E740481C1C}">
+                <a14:useLocalDpi xmlns:a14="http://schemas.microsoft.com/office/drawing/2010/main" val="0"/>
+              </a:ext>
+            </a:extLst>
+          </a:blip>
+          <a:srcRect/>
+          <a:stretch>
+            <a:fillRect/>
+          </a:stretch>
+        </p:blipFill>
+        <p:spPr bwMode="auto">
+          <a:xfrm>
+            <a:off x="2099708" y="1844824"/>
+            <a:ext cx="7044292" cy="4511526"/>
+          </a:xfrm>
+          <a:prstGeom prst="rect">
+            <a:avLst/>
+          </a:prstGeom>
+          <a:noFill/>
+          <a:extLst>
+            <a:ext uri="{909E8E84-426E-40DD-AFC4-6F175D3DCCD1}">
+              <a14:hiddenFill xmlns:a14="http://schemas.microsoft.com/office/drawing/2010/main">
+                <a:solidFill>
+                  <a:srgbClr val="FFFFFF"/>
+                </a:solidFill>
+              </a14:hiddenFill>
+            </a:ext>
+          </a:extLst>
+        </p:spPr>
+      </p:pic>
+    </p:spTree>
+    <p:extLst>
+      <p:ext uri="{BB962C8B-B14F-4D97-AF65-F5344CB8AC3E}">
+        <p14:creationId xmlns:p14="http://schemas.microsoft.com/office/powerpoint/2010/main" val="897292569"/>
+      </p:ext>
+    </p:extLst>
+  </p:cSld>
+  <p:clrMapOvr>
+    <a:masterClrMapping/>
+  </p:clrMapOvr>
+  <mc:AlternateContent xmlns:mc="http://schemas.openxmlformats.org/markup-compatibility/2006" xmlns:p14="http://schemas.microsoft.com/office/powerpoint/2010/main">
+    <mc:Choice Requires="p14">
+      <p:transition p14:dur="400">
+        <p:fade/>
+      </p:transition>
+    </mc:Choice>
+    <mc:Fallback xmlns="">
+      <p:transition>
+        <p:fade/>
+      </p:transition>
+    </mc:Fallback>
+  </mc:AlternateContent>
+</p:sld>
+</file>
+
+<file path=ppt/slides/slide8.xml><?xml version="1.0" encoding="utf-8"?>
+<p:sld xmlns:a="http://schemas.openxmlformats.org/drawingml/2006/main" xmlns:r="http://schemas.openxmlformats.org/officeDocument/2006/relationships" xmlns:p="http://schemas.openxmlformats.org/presentationml/2006/main">
+  <p:cSld>
+    <p:spTree>
+      <p:nvGrpSpPr>
+        <p:cNvPr id="1" name=""/>
+        <p:cNvGrpSpPr/>
+        <p:nvPr/>
+      </p:nvGrpSpPr>
+      <p:grpSpPr>
+        <a:xfrm>
+          <a:off x="0" y="0"/>
+          <a:ext cx="0" cy="0"/>
+          <a:chOff x="0" y="0"/>
+          <a:chExt cx="0" cy="0"/>
+        </a:xfrm>
+      </p:grpSpPr>
+      <p:sp>
+        <p:nvSpPr>
+          <p:cNvPr id="7" name="Text Box 2"/>
+          <p:cNvSpPr txBox="1">
+            <a:spLocks noChangeArrowheads="1"/>
+          </p:cNvSpPr>
+          <p:nvPr/>
+        </p:nvSpPr>
+        <p:spPr bwMode="auto">
+          <a:xfrm>
+            <a:off x="76200" y="76202"/>
+            <a:ext cx="8915400" cy="369332"/>
+          </a:xfrm>
+          <a:prstGeom prst="rect">
+            <a:avLst/>
+          </a:prstGeom>
+          <a:noFill/>
+          <a:ln>
+            <a:noFill/>
+          </a:ln>
+          <a:extLst>
+            <a:ext uri="{909E8E84-426E-40DD-AFC4-6F175D3DCCD1}">
+              <a14:hiddenFill xmlns:a14="http://schemas.microsoft.com/office/drawing/2010/main">
+                <a:solidFill>
+                  <a:srgbClr val="FFFFFF"/>
+                </a:solidFill>
+              </a14:hiddenFill>
+            </a:ext>
+            <a:ext uri="{91240B29-F687-4F45-9708-019B960494DF}">
+              <a14:hiddenLine xmlns:a14="http://schemas.microsoft.com/office/drawing/2010/main" w="9525">
+                <a:solidFill>
+                  <a:srgbClr val="000000"/>
+                </a:solidFill>
+                <a:miter lim="800000"/>
+                <a:headEnd/>
+                <a:tailEnd/>
+              </a14:hiddenLine>
+            </a:ext>
+          </a:extLst>
+        </p:spPr>
+        <p:txBody>
+          <a:bodyPr>
+            <a:spAutoFit/>
+          </a:bodyPr>
+          <a:lstStyle>
+            <a:lvl1pPr eaLnBrk="0" hangingPunct="0">
+              <a:defRPr sz="2400">
+                <a:solidFill>
+                  <a:schemeClr val="tx1"/>
+                </a:solidFill>
+                <a:latin typeface="Times New Roman" pitchFamily="18" charset="0"/>
+              </a:defRPr>
+            </a:lvl1pPr>
+            <a:lvl2pPr marL="742950" indent="-285750" eaLnBrk="0" hangingPunct="0">
+              <a:defRPr sz="2400">
+                <a:solidFill>
+                  <a:schemeClr val="tx1"/>
+                </a:solidFill>
+                <a:latin typeface="Times New Roman" pitchFamily="18" charset="0"/>
+              </a:defRPr>
+            </a:lvl2pPr>
+            <a:lvl3pPr marL="1143000" indent="-228600" eaLnBrk="0" hangingPunct="0">
+              <a:defRPr sz="2400">
+                <a:solidFill>
+                  <a:schemeClr val="tx1"/>
+                </a:solidFill>
+                <a:latin typeface="Times New Roman" pitchFamily="18" charset="0"/>
+              </a:defRPr>
+            </a:lvl3pPr>
+            <a:lvl4pPr marL="1600200" indent="-228600" eaLnBrk="0" hangingPunct="0">
+              <a:defRPr sz="2400">
+                <a:solidFill>
+                  <a:schemeClr val="tx1"/>
+                </a:solidFill>
+                <a:latin typeface="Times New Roman" pitchFamily="18" charset="0"/>
+              </a:defRPr>
+            </a:lvl4pPr>
+            <a:lvl5pPr marL="2057400" indent="-228600" eaLnBrk="0" hangingPunct="0">
+              <a:defRPr sz="2400">
+                <a:solidFill>
+                  <a:schemeClr val="tx1"/>
+                </a:solidFill>
+                <a:latin typeface="Times New Roman" pitchFamily="18" charset="0"/>
+              </a:defRPr>
+            </a:lvl5pPr>
+            <a:lvl6pPr marL="2514600" indent="-228600" eaLnBrk="0" fontAlgn="base" hangingPunct="0">
+              <a:spcBef>
+                <a:spcPct val="0"/>
+              </a:spcBef>
+              <a:spcAft>
+                <a:spcPct val="0"/>
+              </a:spcAft>
+              <a:defRPr sz="2400">
+                <a:solidFill>
+                  <a:schemeClr val="tx1"/>
+                </a:solidFill>
+                <a:latin typeface="Times New Roman" pitchFamily="18" charset="0"/>
+              </a:defRPr>
+            </a:lvl6pPr>
+            <a:lvl7pPr marL="2971800" indent="-228600" eaLnBrk="0" fontAlgn="base" hangingPunct="0">
+              <a:spcBef>
+                <a:spcPct val="0"/>
+              </a:spcBef>
+              <a:spcAft>
+                <a:spcPct val="0"/>
+              </a:spcAft>
+              <a:defRPr sz="2400">
+                <a:solidFill>
+                  <a:schemeClr val="tx1"/>
+                </a:solidFill>
+                <a:latin typeface="Times New Roman" pitchFamily="18" charset="0"/>
+              </a:defRPr>
+            </a:lvl7pPr>
+            <a:lvl8pPr marL="3429000" indent="-228600" eaLnBrk="0" fontAlgn="base" hangingPunct="0">
+              <a:spcBef>
+                <a:spcPct val="0"/>
+              </a:spcBef>
+              <a:spcAft>
+                <a:spcPct val="0"/>
+              </a:spcAft>
+              <a:defRPr sz="2400">
+                <a:solidFill>
+                  <a:schemeClr val="tx1"/>
+                </a:solidFill>
+                <a:latin typeface="Times New Roman" pitchFamily="18" charset="0"/>
+              </a:defRPr>
+            </a:lvl8pPr>
+            <a:lvl9pPr marL="3886200" indent="-228600" eaLnBrk="0" fontAlgn="base" hangingPunct="0">
+              <a:spcBef>
+                <a:spcPct val="0"/>
+              </a:spcBef>
+              <a:spcAft>
+                <a:spcPct val="0"/>
+              </a:spcAft>
+              <a:defRPr sz="2400">
+                <a:solidFill>
+                  <a:schemeClr val="tx1"/>
+                </a:solidFill>
+                <a:latin typeface="Times New Roman" pitchFamily="18" charset="0"/>
+              </a:defRPr>
+            </a:lvl9pPr>
+          </a:lstStyle>
+          <a:p>
+            <a:pPr eaLnBrk="1" hangingPunct="1">
+              <a:spcBef>
+                <a:spcPct val="50000"/>
+              </a:spcBef>
+            </a:pPr>
+            <a:r>
+              <a:rPr lang="en-US" sz="1800" b="1" dirty="0">
+                <a:solidFill>
+                  <a:schemeClr val="bg1"/>
+                </a:solidFill>
+                <a:latin typeface="Arial" charset="0"/>
+              </a:rPr>
+              <a:t>The Simulator</a:t>
+            </a:r>
+            <a:endParaRPr lang="en-US" sz="1600" b="1" dirty="0">
+              <a:solidFill>
+                <a:srgbClr val="FFCC66"/>
+              </a:solidFill>
+              <a:latin typeface="Arial" charset="0"/>
+            </a:endParaRPr>
+          </a:p>
+        </p:txBody>
+      </p:sp>
+      <p:pic>
+        <p:nvPicPr>
+          <p:cNvPr id="3" name="Imagem 2">
+            <a:extLst>
+              <a:ext uri="{FF2B5EF4-FFF2-40B4-BE49-F238E27FC236}">
+                <a16:creationId xmlns:a16="http://schemas.microsoft.com/office/drawing/2014/main" id="{9815089B-A4BE-4E7F-8364-1426B22660B3}"/>
+              </a:ext>
+            </a:extLst>
+          </p:cNvPr>
           <p:cNvPicPr>
             <a:picLocks noChangeAspect="1"/>
           </p:cNvPicPr>
           <p:nvPr/>
         </p:nvPicPr>
         <p:blipFill>
-          <a:blip r:embed="rId2"/>
+          <a:blip r:embed="rId3">
+            <a:extLst>
+              <a:ext uri="{28A0092B-C50C-407E-A947-70E740481C1C}">
+                <a14:useLocalDpi xmlns:a14="http://schemas.microsoft.com/office/drawing/2010/main" val="0"/>
+              </a:ext>
+            </a:extLst>
+          </a:blip>
           <a:stretch>
             <a:fillRect/>
           </a:stretch>
         </p:blipFill>
         <p:spPr>
           <a:xfrm>
-            <a:off x="-1700699" y="-4234"/>
-            <a:ext cx="12545398" cy="7056786"/>
+            <a:off x="2987824" y="567096"/>
+            <a:ext cx="6107351" cy="5939643"/>
+          </a:xfrm>
+          <a:prstGeom prst="rect">
+            <a:avLst/>
+          </a:prstGeom>
+        </p:spPr>
+      </p:pic>
+      <p:sp>
+        <p:nvSpPr>
+          <p:cNvPr id="8" name="Retângulo 39">
+            <a:extLst>
+              <a:ext uri="{FF2B5EF4-FFF2-40B4-BE49-F238E27FC236}">
+                <a16:creationId xmlns:a16="http://schemas.microsoft.com/office/drawing/2014/main" id="{77319E11-2A3D-4A16-8E7F-5BB76E0CBB85}"/>
+              </a:ext>
+            </a:extLst>
+          </p:cNvPr>
+          <p:cNvSpPr>
+            <a:spLocks noChangeArrowheads="1"/>
+          </p:cNvSpPr>
+          <p:nvPr/>
+        </p:nvSpPr>
+        <p:spPr bwMode="auto">
+          <a:xfrm>
+            <a:off x="48825" y="727246"/>
+            <a:ext cx="1858881" cy="3539430"/>
+          </a:xfrm>
+          <a:prstGeom prst="rect">
+            <a:avLst/>
+          </a:prstGeom>
+          <a:noFill/>
+          <a:ln>
+            <a:noFill/>
+          </a:ln>
+          <a:extLst>
+            <a:ext uri="{909E8E84-426E-40DD-AFC4-6F175D3DCCD1}">
+              <a14:hiddenFill xmlns:a14="http://schemas.microsoft.com/office/drawing/2010/main">
+                <a:solidFill>
+                  <a:srgbClr val="FFFFFF"/>
+                </a:solidFill>
+              </a14:hiddenFill>
+            </a:ext>
+            <a:ext uri="{91240B29-F687-4F45-9708-019B960494DF}">
+              <a14:hiddenLine xmlns:a14="http://schemas.microsoft.com/office/drawing/2010/main" w="9525">
+                <a:solidFill>
+                  <a:srgbClr val="000000"/>
+                </a:solidFill>
+                <a:miter lim="800000"/>
+                <a:headEnd/>
+                <a:tailEnd/>
+              </a14:hiddenLine>
+            </a:ext>
+          </a:extLst>
+        </p:spPr>
+        <p:txBody>
+          <a:bodyPr wrap="square">
+            <a:spAutoFit/>
+          </a:bodyPr>
+          <a:lstStyle/>
+          <a:p>
+            <a:pPr algn="r">
+              <a:spcBef>
+                <a:spcPct val="50000"/>
+              </a:spcBef>
+            </a:pPr>
+            <a:r>
+              <a:rPr lang="de-DE" sz="1600" b="1" dirty="0">
+                <a:solidFill>
+                  <a:srgbClr val="FF0000"/>
+                </a:solidFill>
+                <a:latin typeface="Arial" charset="0"/>
+              </a:rPr>
+              <a:t>Modular design</a:t>
+            </a:r>
+          </a:p>
+          <a:p>
+            <a:pPr algn="r">
+              <a:spcBef>
+                <a:spcPct val="50000"/>
+              </a:spcBef>
+            </a:pPr>
+            <a:endParaRPr lang="de-DE" sz="1600" b="1" dirty="0">
+              <a:solidFill>
+                <a:srgbClr val="FF0000"/>
+              </a:solidFill>
+              <a:latin typeface="Arial" charset="0"/>
+            </a:endParaRPr>
+          </a:p>
+          <a:p>
+            <a:pPr algn="r">
+              <a:spcBef>
+                <a:spcPct val="50000"/>
+              </a:spcBef>
+            </a:pPr>
+            <a:r>
+              <a:rPr lang="de-DE" sz="1600" b="1" dirty="0">
+                <a:solidFill>
+                  <a:srgbClr val="FF0000"/>
+                </a:solidFill>
+                <a:latin typeface="Arial" charset="0"/>
+              </a:rPr>
+              <a:t>Highly integrated</a:t>
+            </a:r>
+          </a:p>
+          <a:p>
+            <a:pPr algn="r">
+              <a:spcBef>
+                <a:spcPct val="50000"/>
+              </a:spcBef>
+            </a:pPr>
+            <a:endParaRPr lang="de-DE" sz="1600" b="1" dirty="0">
+              <a:solidFill>
+                <a:srgbClr val="FF0000"/>
+              </a:solidFill>
+              <a:latin typeface="Arial" charset="0"/>
+            </a:endParaRPr>
+          </a:p>
+          <a:p>
+            <a:pPr algn="r">
+              <a:spcBef>
+                <a:spcPct val="50000"/>
+              </a:spcBef>
+            </a:pPr>
+            <a:r>
+              <a:rPr lang="de-DE" sz="1600" b="1" dirty="0">
+                <a:solidFill>
+                  <a:srgbClr val="FF0000"/>
+                </a:solidFill>
+                <a:latin typeface="Arial" charset="0"/>
+              </a:rPr>
+              <a:t>Python vs. Matlab</a:t>
+            </a:r>
+          </a:p>
+          <a:p>
+            <a:pPr algn="r">
+              <a:spcBef>
+                <a:spcPct val="50000"/>
+              </a:spcBef>
+            </a:pPr>
+            <a:endParaRPr lang="de-DE" sz="1600" b="1" dirty="0">
+              <a:solidFill>
+                <a:srgbClr val="FF0000"/>
+              </a:solidFill>
+              <a:latin typeface="Arial" charset="0"/>
+            </a:endParaRPr>
+          </a:p>
+          <a:p>
+            <a:pPr algn="r">
+              <a:spcBef>
+                <a:spcPct val="50000"/>
+              </a:spcBef>
+            </a:pPr>
+            <a:r>
+              <a:rPr lang="de-DE" sz="1600" b="1" dirty="0">
+                <a:solidFill>
+                  <a:srgbClr val="FF0000"/>
+                </a:solidFill>
+                <a:latin typeface="Arial" charset="0"/>
+              </a:rPr>
+              <a:t>Python vs. C++</a:t>
+            </a:r>
+          </a:p>
+          <a:p>
+            <a:pPr algn="r">
+              <a:spcBef>
+                <a:spcPct val="50000"/>
+              </a:spcBef>
+            </a:pPr>
+            <a:endParaRPr lang="de-DE" sz="1600" b="1" dirty="0">
+              <a:solidFill>
+                <a:srgbClr val="FF0000"/>
+              </a:solidFill>
+              <a:latin typeface="Arial" charset="0"/>
+            </a:endParaRPr>
+          </a:p>
+          <a:p>
+            <a:pPr algn="r">
+              <a:spcBef>
+                <a:spcPct val="50000"/>
+              </a:spcBef>
+            </a:pPr>
+            <a:r>
+              <a:rPr lang="de-DE" sz="1600" b="1" dirty="0">
+                <a:solidFill>
+                  <a:srgbClr val="FF0000"/>
+                </a:solidFill>
+                <a:latin typeface="Arial" charset="0"/>
+              </a:rPr>
+              <a:t>UML</a:t>
+            </a:r>
+          </a:p>
+        </p:txBody>
+      </p:sp>
+    </p:spTree>
+    <p:extLst>
+      <p:ext uri="{BB962C8B-B14F-4D97-AF65-F5344CB8AC3E}">
+        <p14:creationId xmlns:p14="http://schemas.microsoft.com/office/powerpoint/2010/main" val="3265791361"/>
+      </p:ext>
+    </p:extLst>
+  </p:cSld>
+  <p:clrMapOvr>
+    <a:masterClrMapping/>
+  </p:clrMapOvr>
+  <mc:AlternateContent xmlns:mc="http://schemas.openxmlformats.org/markup-compatibility/2006" xmlns:p14="http://schemas.microsoft.com/office/powerpoint/2010/main">
+    <mc:Choice Requires="p14">
+      <p:transition p14:dur="400">
+        <p:fade/>
+      </p:transition>
+    </mc:Choice>
+    <mc:Fallback xmlns="">
+      <p:transition>
+        <p:fade/>
+      </p:transition>
+    </mc:Fallback>
+  </mc:AlternateContent>
+</p:sld>
+</file>
+
+<file path=ppt/slides/slide9.xml><?xml version="1.0" encoding="utf-8"?>
+<p:sld xmlns:a="http://schemas.openxmlformats.org/drawingml/2006/main" xmlns:r="http://schemas.openxmlformats.org/officeDocument/2006/relationships" xmlns:p="http://schemas.openxmlformats.org/presentationml/2006/main">
+  <p:cSld>
+    <p:spTree>
+      <p:nvGrpSpPr>
+        <p:cNvPr id="1" name=""/>
+        <p:cNvGrpSpPr/>
+        <p:nvPr/>
+      </p:nvGrpSpPr>
+      <p:grpSpPr>
+        <a:xfrm>
+          <a:off x="0" y="0"/>
+          <a:ext cx="0" cy="0"/>
+          <a:chOff x="0" y="0"/>
+          <a:chExt cx="0" cy="0"/>
+        </a:xfrm>
+      </p:grpSpPr>
+      <p:sp>
+        <p:nvSpPr>
+          <p:cNvPr id="2" name="Retângulo 1">
+            <a:extLst>
+              <a:ext uri="{FF2B5EF4-FFF2-40B4-BE49-F238E27FC236}">
+                <a16:creationId xmlns:a16="http://schemas.microsoft.com/office/drawing/2014/main" id="{83380B8D-8242-449E-9138-4973696D9C55}"/>
+              </a:ext>
+            </a:extLst>
+          </p:cNvPr>
+          <p:cNvSpPr/>
+          <p:nvPr/>
+        </p:nvSpPr>
+        <p:spPr>
+          <a:xfrm>
+            <a:off x="0" y="445534"/>
+            <a:ext cx="9144000" cy="6079810"/>
+          </a:xfrm>
+          <a:prstGeom prst="rect">
+            <a:avLst/>
+          </a:prstGeom>
+          <a:solidFill>
+            <a:schemeClr val="bg1"/>
+          </a:solidFill>
+          <a:ln>
+            <a:solidFill>
+              <a:schemeClr val="bg1"/>
+            </a:solidFill>
+          </a:ln>
+        </p:spPr>
+        <p:style>
+          <a:lnRef idx="2">
+            <a:schemeClr val="accent3">
+              <a:shade val="50000"/>
+            </a:schemeClr>
+          </a:lnRef>
+          <a:fillRef idx="1">
+            <a:schemeClr val="accent3"/>
+          </a:fillRef>
+          <a:effectRef idx="0">
+            <a:schemeClr val="accent3"/>
+          </a:effectRef>
+          <a:fontRef idx="minor">
+            <a:schemeClr val="lt1"/>
+          </a:fontRef>
+        </p:style>
+        <p:txBody>
+          <a:bodyPr rtlCol="0" anchor="ctr"/>
+          <a:lstStyle/>
+          <a:p>
+            <a:pPr algn="ctr"/>
+            <a:endParaRPr lang="pt-BR"/>
+          </a:p>
+        </p:txBody>
+      </p:sp>
+      <p:sp>
+        <p:nvSpPr>
+          <p:cNvPr id="7" name="Text Box 2"/>
+          <p:cNvSpPr txBox="1">
+            <a:spLocks noChangeArrowheads="1"/>
+          </p:cNvSpPr>
+          <p:nvPr/>
+        </p:nvSpPr>
+        <p:spPr bwMode="auto">
+          <a:xfrm>
+            <a:off x="76200" y="76202"/>
+            <a:ext cx="8915400" cy="369332"/>
+          </a:xfrm>
+          <a:prstGeom prst="rect">
+            <a:avLst/>
+          </a:prstGeom>
+          <a:noFill/>
+          <a:ln>
+            <a:noFill/>
+          </a:ln>
+          <a:extLst>
+            <a:ext uri="{909E8E84-426E-40DD-AFC4-6F175D3DCCD1}">
+              <a14:hiddenFill xmlns:a14="http://schemas.microsoft.com/office/drawing/2010/main">
+                <a:solidFill>
+                  <a:srgbClr val="FFFFFF"/>
+                </a:solidFill>
+              </a14:hiddenFill>
+            </a:ext>
+            <a:ext uri="{91240B29-F687-4F45-9708-019B960494DF}">
+              <a14:hiddenLine xmlns:a14="http://schemas.microsoft.com/office/drawing/2010/main" w="9525">
+                <a:solidFill>
+                  <a:srgbClr val="000000"/>
+                </a:solidFill>
+                <a:miter lim="800000"/>
+                <a:headEnd/>
+                <a:tailEnd/>
+              </a14:hiddenLine>
+            </a:ext>
+          </a:extLst>
+        </p:spPr>
+        <p:txBody>
+          <a:bodyPr>
+            <a:spAutoFit/>
+          </a:bodyPr>
+          <a:lstStyle>
+            <a:lvl1pPr eaLnBrk="0" hangingPunct="0">
+              <a:defRPr sz="2400">
+                <a:solidFill>
+                  <a:schemeClr val="tx1"/>
+                </a:solidFill>
+                <a:latin typeface="Times New Roman" pitchFamily="18" charset="0"/>
+              </a:defRPr>
+            </a:lvl1pPr>
+            <a:lvl2pPr marL="742950" indent="-285750" eaLnBrk="0" hangingPunct="0">
+              <a:defRPr sz="2400">
+                <a:solidFill>
+                  <a:schemeClr val="tx1"/>
+                </a:solidFill>
+                <a:latin typeface="Times New Roman" pitchFamily="18" charset="0"/>
+              </a:defRPr>
+            </a:lvl2pPr>
+            <a:lvl3pPr marL="1143000" indent="-228600" eaLnBrk="0" hangingPunct="0">
+              <a:defRPr sz="2400">
+                <a:solidFill>
+                  <a:schemeClr val="tx1"/>
+                </a:solidFill>
+                <a:latin typeface="Times New Roman" pitchFamily="18" charset="0"/>
+              </a:defRPr>
+            </a:lvl3pPr>
+            <a:lvl4pPr marL="1600200" indent="-228600" eaLnBrk="0" hangingPunct="0">
+              <a:defRPr sz="2400">
+                <a:solidFill>
+                  <a:schemeClr val="tx1"/>
+                </a:solidFill>
+                <a:latin typeface="Times New Roman" pitchFamily="18" charset="0"/>
+              </a:defRPr>
+            </a:lvl4pPr>
+            <a:lvl5pPr marL="2057400" indent="-228600" eaLnBrk="0" hangingPunct="0">
+              <a:defRPr sz="2400">
+                <a:solidFill>
+                  <a:schemeClr val="tx1"/>
+                </a:solidFill>
+                <a:latin typeface="Times New Roman" pitchFamily="18" charset="0"/>
+              </a:defRPr>
+            </a:lvl5pPr>
+            <a:lvl6pPr marL="2514600" indent="-228600" eaLnBrk="0" fontAlgn="base" hangingPunct="0">
+              <a:spcBef>
+                <a:spcPct val="0"/>
+              </a:spcBef>
+              <a:spcAft>
+                <a:spcPct val="0"/>
+              </a:spcAft>
+              <a:defRPr sz="2400">
+                <a:solidFill>
+                  <a:schemeClr val="tx1"/>
+                </a:solidFill>
+                <a:latin typeface="Times New Roman" pitchFamily="18" charset="0"/>
+              </a:defRPr>
+            </a:lvl6pPr>
+            <a:lvl7pPr marL="2971800" indent="-228600" eaLnBrk="0" fontAlgn="base" hangingPunct="0">
+              <a:spcBef>
+                <a:spcPct val="0"/>
+              </a:spcBef>
+              <a:spcAft>
+                <a:spcPct val="0"/>
+              </a:spcAft>
+              <a:defRPr sz="2400">
+                <a:solidFill>
+                  <a:schemeClr val="tx1"/>
+                </a:solidFill>
+                <a:latin typeface="Times New Roman" pitchFamily="18" charset="0"/>
+              </a:defRPr>
+            </a:lvl7pPr>
+            <a:lvl8pPr marL="3429000" indent="-228600" eaLnBrk="0" fontAlgn="base" hangingPunct="0">
+              <a:spcBef>
+                <a:spcPct val="0"/>
+              </a:spcBef>
+              <a:spcAft>
+                <a:spcPct val="0"/>
+              </a:spcAft>
+              <a:defRPr sz="2400">
+                <a:solidFill>
+                  <a:schemeClr val="tx1"/>
+                </a:solidFill>
+                <a:latin typeface="Times New Roman" pitchFamily="18" charset="0"/>
+              </a:defRPr>
+            </a:lvl8pPr>
+            <a:lvl9pPr marL="3886200" indent="-228600" eaLnBrk="0" fontAlgn="base" hangingPunct="0">
+              <a:spcBef>
+                <a:spcPct val="0"/>
+              </a:spcBef>
+              <a:spcAft>
+                <a:spcPct val="0"/>
+              </a:spcAft>
+              <a:defRPr sz="2400">
+                <a:solidFill>
+                  <a:schemeClr val="tx1"/>
+                </a:solidFill>
+                <a:latin typeface="Times New Roman" pitchFamily="18" charset="0"/>
+              </a:defRPr>
+            </a:lvl9pPr>
+          </a:lstStyle>
+          <a:p>
+            <a:pPr eaLnBrk="1" hangingPunct="1">
+              <a:spcBef>
+                <a:spcPct val="50000"/>
+              </a:spcBef>
+            </a:pPr>
+            <a:r>
+              <a:rPr lang="en-US" sz="1800" b="1" dirty="0">
+                <a:solidFill>
+                  <a:schemeClr val="bg1"/>
+                </a:solidFill>
+                <a:latin typeface="Arial" charset="0"/>
+              </a:rPr>
+              <a:t>The Simulator</a:t>
+            </a:r>
+            <a:endParaRPr lang="en-US" sz="1600" b="1" dirty="0">
+              <a:solidFill>
+                <a:srgbClr val="FFCC66"/>
+              </a:solidFill>
+              <a:latin typeface="Arial" charset="0"/>
+            </a:endParaRPr>
+          </a:p>
+        </p:txBody>
+      </p:sp>
+      <p:pic>
+        <p:nvPicPr>
+          <p:cNvPr id="3" name="Imagem 2">
+            <a:extLst>
+              <a:ext uri="{FF2B5EF4-FFF2-40B4-BE49-F238E27FC236}">
+                <a16:creationId xmlns:a16="http://schemas.microsoft.com/office/drawing/2014/main" id="{9815089B-A4BE-4E7F-8364-1426B22660B3}"/>
+              </a:ext>
+            </a:extLst>
+          </p:cNvPr>
+          <p:cNvPicPr>
+            <a:picLocks noChangeAspect="1"/>
+          </p:cNvPicPr>
+          <p:nvPr/>
+        </p:nvPicPr>
+        <p:blipFill rotWithShape="1">
+          <a:blip r:embed="rId3">
+            <a:extLst>
+              <a:ext uri="{28A0092B-C50C-407E-A947-70E740481C1C}">
+                <a14:useLocalDpi xmlns:a14="http://schemas.microsoft.com/office/drawing/2010/main" val="0"/>
+              </a:ext>
+            </a:extLst>
+          </a:blip>
+          <a:srcRect l="-505" t="-875" r="505" b="49058"/>
+          <a:stretch/>
+        </p:blipFill>
+        <p:spPr>
+          <a:xfrm>
+            <a:off x="30333" y="1119462"/>
+            <a:ext cx="9083335" cy="4577454"/>
           </a:xfrm>
           <a:prstGeom prst="rect">
             <a:avLst/>
@@ -6407,13 +10105,25 @@
     </p:spTree>
     <p:extLst>
       <p:ext uri="{BB962C8B-B14F-4D97-AF65-F5344CB8AC3E}">
-        <p14:creationId xmlns:p14="http://schemas.microsoft.com/office/powerpoint/2010/main" val="583725486"/>
+        <p14:creationId xmlns:p14="http://schemas.microsoft.com/office/powerpoint/2010/main" val="3262039938"/>
       </p:ext>
     </p:extLst>
   </p:cSld>
   <p:clrMapOvr>
     <a:masterClrMapping/>
   </p:clrMapOvr>
+  <mc:AlternateContent xmlns:mc="http://schemas.openxmlformats.org/markup-compatibility/2006" xmlns:p14="http://schemas.microsoft.com/office/powerpoint/2010/main">
+    <mc:Choice Requires="p14">
+      <p:transition p14:dur="400">
+        <p:fade/>
+      </p:transition>
+    </mc:Choice>
+    <mc:Fallback xmlns="">
+      <p:transition>
+        <p:fade/>
+      </p:transition>
+    </mc:Fallback>
+  </mc:AlternateContent>
 </p:sld>
 </file>
 

--- a/architecture/vlc_simulator.pptx
+++ b/architecture/vlc_simulator.pptx
@@ -544,7 +544,7 @@
           <a:p>
             <a:fld id="{DDB9D8CE-EFED-4B9F-A08B-A75084EDE997}" type="datetimeFigureOut">
               <a:rPr lang="pt-BR" smtClean="0"/>
-              <a:t>20/06/2020</a:t>
+              <a:t>07/11/2020</a:t>
             </a:fld>
             <a:endParaRPr lang="pt-BR"/>
           </a:p>
